--- a/relatorio/Apresentação1.pptx
+++ b/relatorio/Apresentação1.pptx
@@ -5,11 +5,18 @@
     <p:sldMasterId id="2147483648" r:id="rId1"/>
   </p:sldMasterIdLst>
   <p:sldIdLst>
-    <p:sldId id="256" r:id="rId2"/>
-    <p:sldId id="257" r:id="rId3"/>
-    <p:sldId id="260" r:id="rId4"/>
-    <p:sldId id="258" r:id="rId5"/>
-    <p:sldId id="259" r:id="rId6"/>
+    <p:sldId id="261" r:id="rId2"/>
+    <p:sldId id="267" r:id="rId3"/>
+    <p:sldId id="262" r:id="rId4"/>
+    <p:sldId id="266" r:id="rId5"/>
+    <p:sldId id="268" r:id="rId6"/>
+    <p:sldId id="263" r:id="rId7"/>
+    <p:sldId id="272" r:id="rId8"/>
+    <p:sldId id="269" r:id="rId9"/>
+    <p:sldId id="271" r:id="rId10"/>
+    <p:sldId id="273" r:id="rId11"/>
+    <p:sldId id="274" r:id="rId12"/>
+    <p:sldId id="259" r:id="rId13"/>
   </p:sldIdLst>
   <p:sldSz cx="12192000" cy="6858000"/>
   <p:notesSz cx="6858000" cy="9144000"/>
@@ -108,7 +115,1143 @@
       </a:defRPr>
     </a:lvl9pPr>
   </p:defaultTextStyle>
+  <p:extLst>
+    <p:ext uri="{EFAFB233-063F-42B5-8137-9DF3F51BA10A}">
+      <p15:sldGuideLst xmlns:p15="http://schemas.microsoft.com/office/powerpoint/2012/main"/>
+    </p:ext>
+  </p:extLst>
 </p:presentation>
+</file>
+
+<file path=ppt/revisionInfo.xml><?xml version="1.0" encoding="utf-8"?>
+<p1510:revInfo xmlns:a="http://schemas.openxmlformats.org/drawingml/2006/main" xmlns:r="http://schemas.openxmlformats.org/officeDocument/2006/relationships" xmlns:p1510="http://schemas.microsoft.com/office/powerpoint/2015/10/main">
+  <p1510:revLst>
+    <p1510:client id="{7546ED72-4C51-4777-B3A9-6B225E75A8CD}" v="147" dt="2024-11-04T20:22:50.984"/>
+  </p1510:revLst>
+</p1510:revInfo>
+</file>
+
+<file path=ppt/changesInfos/changesInfo1.xml><?xml version="1.0" encoding="utf-8"?>
+<pc:chgInfo xmlns:a="http://schemas.openxmlformats.org/drawingml/2006/main" xmlns:r="http://schemas.openxmlformats.org/officeDocument/2006/relationships" xmlns:ac="http://schemas.microsoft.com/office/drawing/2013/main/command" xmlns:pc="http://schemas.microsoft.com/office/powerpoint/2013/main/command">
+  <pc:docChgLst>
+    <pc:chgData name="Leonardo Nogueira" userId="fc98997527d23258" providerId="LiveId" clId="{7546ED72-4C51-4777-B3A9-6B225E75A8CD}"/>
+    <pc:docChg chg="undo redo custSel addSld delSld modSld sldOrd">
+      <pc:chgData name="Leonardo Nogueira" userId="fc98997527d23258" providerId="LiveId" clId="{7546ED72-4C51-4777-B3A9-6B225E75A8CD}" dt="2024-11-04T20:22:50.984" v="725"/>
+      <pc:docMkLst>
+        <pc:docMk/>
+      </pc:docMkLst>
+      <pc:sldChg chg="del">
+        <pc:chgData name="Leonardo Nogueira" userId="fc98997527d23258" providerId="LiveId" clId="{7546ED72-4C51-4777-B3A9-6B225E75A8CD}" dt="2024-11-04T20:17:30.574" v="702" actId="47"/>
+        <pc:sldMkLst>
+          <pc:docMk/>
+          <pc:sldMk cId="1396090738" sldId="256"/>
+        </pc:sldMkLst>
+      </pc:sldChg>
+      <pc:sldChg chg="del">
+        <pc:chgData name="Leonardo Nogueira" userId="fc98997527d23258" providerId="LiveId" clId="{7546ED72-4C51-4777-B3A9-6B225E75A8CD}" dt="2024-11-04T20:17:35.774" v="703" actId="47"/>
+        <pc:sldMkLst>
+          <pc:docMk/>
+          <pc:sldMk cId="865715751" sldId="257"/>
+        </pc:sldMkLst>
+      </pc:sldChg>
+      <pc:sldChg chg="del">
+        <pc:chgData name="Leonardo Nogueira" userId="fc98997527d23258" providerId="LiveId" clId="{7546ED72-4C51-4777-B3A9-6B225E75A8CD}" dt="2024-11-04T20:18:01.846" v="705" actId="47"/>
+        <pc:sldMkLst>
+          <pc:docMk/>
+          <pc:sldMk cId="1642011942" sldId="258"/>
+        </pc:sldMkLst>
+      </pc:sldChg>
+      <pc:sldChg chg="addSp modSp mod modTransition modAnim">
+        <pc:chgData name="Leonardo Nogueira" userId="fc98997527d23258" providerId="LiveId" clId="{7546ED72-4C51-4777-B3A9-6B225E75A8CD}" dt="2024-11-04T20:20:32.781" v="723"/>
+        <pc:sldMkLst>
+          <pc:docMk/>
+          <pc:sldMk cId="3246687439" sldId="259"/>
+        </pc:sldMkLst>
+        <pc:picChg chg="add mod modCrop">
+          <ac:chgData name="Leonardo Nogueira" userId="fc98997527d23258" providerId="LiveId" clId="{7546ED72-4C51-4777-B3A9-6B225E75A8CD}" dt="2024-11-04T20:20:08.645" v="720" actId="1076"/>
+          <ac:picMkLst>
+            <pc:docMk/>
+            <pc:sldMk cId="3246687439" sldId="259"/>
+            <ac:picMk id="2" creationId="{3E8F0D22-9A18-DC7B-5AF4-E1DFA8FF0277}"/>
+          </ac:picMkLst>
+        </pc:picChg>
+        <pc:picChg chg="add mod modCrop">
+          <ac:chgData name="Leonardo Nogueira" userId="fc98997527d23258" providerId="LiveId" clId="{7546ED72-4C51-4777-B3A9-6B225E75A8CD}" dt="2024-11-04T20:19:57.225" v="718" actId="1076"/>
+          <ac:picMkLst>
+            <pc:docMk/>
+            <pc:sldMk cId="3246687439" sldId="259"/>
+            <ac:picMk id="4" creationId="{0C93EA4D-CCAA-0382-C7F6-37BB9DC58001}"/>
+          </ac:picMkLst>
+        </pc:picChg>
+      </pc:sldChg>
+      <pc:sldChg chg="del">
+        <pc:chgData name="Leonardo Nogueira" userId="fc98997527d23258" providerId="LiveId" clId="{7546ED72-4C51-4777-B3A9-6B225E75A8CD}" dt="2024-11-04T20:17:38.206" v="704" actId="47"/>
+        <pc:sldMkLst>
+          <pc:docMk/>
+          <pc:sldMk cId="2156733978" sldId="260"/>
+        </pc:sldMkLst>
+      </pc:sldChg>
+      <pc:sldChg chg="addSp delSp modSp new mod ord setBg modClrScheme delDesignElem chgLayout">
+        <pc:chgData name="Leonardo Nogueira" userId="fc98997527d23258" providerId="LiveId" clId="{7546ED72-4C51-4777-B3A9-6B225E75A8CD}" dt="2024-11-04T18:59:16.805" v="394" actId="20577"/>
+        <pc:sldMkLst>
+          <pc:docMk/>
+          <pc:sldMk cId="1800751252" sldId="261"/>
+        </pc:sldMkLst>
+        <pc:spChg chg="mod ord">
+          <ac:chgData name="Leonardo Nogueira" userId="fc98997527d23258" providerId="LiveId" clId="{7546ED72-4C51-4777-B3A9-6B225E75A8CD}" dt="2024-11-04T18:59:09.235" v="372" actId="242"/>
+          <ac:spMkLst>
+            <pc:docMk/>
+            <pc:sldMk cId="1800751252" sldId="261"/>
+            <ac:spMk id="2" creationId="{D862A5C5-9810-DD04-565B-59618F6F3311}"/>
+          </ac:spMkLst>
+        </pc:spChg>
+        <pc:spChg chg="del mod">
+          <ac:chgData name="Leonardo Nogueira" userId="fc98997527d23258" providerId="LiveId" clId="{7546ED72-4C51-4777-B3A9-6B225E75A8CD}" dt="2024-11-04T18:58:14.770" v="362" actId="478"/>
+          <ac:spMkLst>
+            <pc:docMk/>
+            <pc:sldMk cId="1800751252" sldId="261"/>
+            <ac:spMk id="3" creationId="{2B7BC1C8-FF93-4968-7B58-F7A4E71EB926}"/>
+          </ac:spMkLst>
+        </pc:spChg>
+        <pc:spChg chg="add del">
+          <ac:chgData name="Leonardo Nogueira" userId="fc98997527d23258" providerId="LiveId" clId="{7546ED72-4C51-4777-B3A9-6B225E75A8CD}" dt="2024-11-04T18:57:29.736" v="336"/>
+          <ac:spMkLst>
+            <pc:docMk/>
+            <pc:sldMk cId="1800751252" sldId="261"/>
+            <ac:spMk id="8" creationId="{18873D23-2DCF-4B31-A009-95721C06E8E1}"/>
+          </ac:spMkLst>
+        </pc:spChg>
+        <pc:spChg chg="add del">
+          <ac:chgData name="Leonardo Nogueira" userId="fc98997527d23258" providerId="LiveId" clId="{7546ED72-4C51-4777-B3A9-6B225E75A8CD}" dt="2024-11-04T18:57:29.736" v="336"/>
+          <ac:spMkLst>
+            <pc:docMk/>
+            <pc:sldMk cId="1800751252" sldId="261"/>
+            <ac:spMk id="10" creationId="{C13EF075-D4EF-4929-ADBC-91B27DA19955}"/>
+          </ac:spMkLst>
+        </pc:spChg>
+        <pc:spChg chg="add del mod">
+          <ac:chgData name="Leonardo Nogueira" userId="fc98997527d23258" providerId="LiveId" clId="{7546ED72-4C51-4777-B3A9-6B225E75A8CD}" dt="2024-11-04T18:58:20.552" v="364" actId="478"/>
+          <ac:spMkLst>
+            <pc:docMk/>
+            <pc:sldMk cId="1800751252" sldId="261"/>
+            <ac:spMk id="11" creationId="{C723E51B-898B-6F54-2AA1-A2BBEDEB7553}"/>
+          </ac:spMkLst>
+        </pc:spChg>
+        <pc:spChg chg="add del mod">
+          <ac:chgData name="Leonardo Nogueira" userId="fc98997527d23258" providerId="LiveId" clId="{7546ED72-4C51-4777-B3A9-6B225E75A8CD}" dt="2024-11-04T18:58:53.676" v="370" actId="478"/>
+          <ac:spMkLst>
+            <pc:docMk/>
+            <pc:sldMk cId="1800751252" sldId="261"/>
+            <ac:spMk id="17" creationId="{32C861F8-BDCC-8A48-89FB-A11E42CFA6FC}"/>
+          </ac:spMkLst>
+        </pc:spChg>
+        <pc:spChg chg="add mod ord">
+          <ac:chgData name="Leonardo Nogueira" userId="fc98997527d23258" providerId="LiveId" clId="{7546ED72-4C51-4777-B3A9-6B225E75A8CD}" dt="2024-11-04T18:59:16.805" v="394" actId="20577"/>
+          <ac:spMkLst>
+            <pc:docMk/>
+            <pc:sldMk cId="1800751252" sldId="261"/>
+            <ac:spMk id="18" creationId="{3EF8D0CC-B4D0-8D8B-C16C-853A4BF78607}"/>
+          </ac:spMkLst>
+        </pc:spChg>
+        <pc:grpChg chg="add del">
+          <ac:chgData name="Leonardo Nogueira" userId="fc98997527d23258" providerId="LiveId" clId="{7546ED72-4C51-4777-B3A9-6B225E75A8CD}" dt="2024-11-04T18:57:29.736" v="336"/>
+          <ac:grpSpMkLst>
+            <pc:docMk/>
+            <pc:sldMk cId="1800751252" sldId="261"/>
+            <ac:grpSpMk id="12" creationId="{DAA26DFA-AAB2-4973-9C17-16D587C7B198}"/>
+          </ac:grpSpMkLst>
+        </pc:grpChg>
+        <pc:picChg chg="add del mod">
+          <ac:chgData name="Leonardo Nogueira" userId="fc98997527d23258" providerId="LiveId" clId="{7546ED72-4C51-4777-B3A9-6B225E75A8CD}" dt="2024-11-04T18:58:21.471" v="365" actId="478"/>
+          <ac:picMkLst>
+            <pc:docMk/>
+            <pc:sldMk cId="1800751252" sldId="261"/>
+            <ac:picMk id="5" creationId="{1EB8D47F-DF97-CC57-175C-6AA246B33642}"/>
+          </ac:picMkLst>
+        </pc:picChg>
+        <pc:picChg chg="add del mod modCrop">
+          <ac:chgData name="Leonardo Nogueira" userId="fc98997527d23258" providerId="LiveId" clId="{7546ED72-4C51-4777-B3A9-6B225E75A8CD}" dt="2024-11-04T18:58:18.471" v="363" actId="478"/>
+          <ac:picMkLst>
+            <pc:docMk/>
+            <pc:sldMk cId="1800751252" sldId="261"/>
+            <ac:picMk id="7" creationId="{B643580B-49CD-14D9-66CD-A238F786DF6E}"/>
+          </ac:picMkLst>
+        </pc:picChg>
+      </pc:sldChg>
+      <pc:sldChg chg="addSp delSp modSp new mod setBg modAnim delDesignElem">
+        <pc:chgData name="Leonardo Nogueira" userId="fc98997527d23258" providerId="LiveId" clId="{7546ED72-4C51-4777-B3A9-6B225E75A8CD}" dt="2024-11-04T20:03:52.444" v="636"/>
+        <pc:sldMkLst>
+          <pc:docMk/>
+          <pc:sldMk cId="953077382" sldId="262"/>
+        </pc:sldMkLst>
+        <pc:spChg chg="mod">
+          <ac:chgData name="Leonardo Nogueira" userId="fc98997527d23258" providerId="LiveId" clId="{7546ED72-4C51-4777-B3A9-6B225E75A8CD}" dt="2024-11-04T19:21:41.593" v="485" actId="6549"/>
+          <ac:spMkLst>
+            <pc:docMk/>
+            <pc:sldMk cId="953077382" sldId="262"/>
+            <ac:spMk id="2" creationId="{2AF600FC-6339-383C-DF3F-A416B69C856B}"/>
+          </ac:spMkLst>
+        </pc:spChg>
+        <pc:spChg chg="del">
+          <ac:chgData name="Leonardo Nogueira" userId="fc98997527d23258" providerId="LiveId" clId="{7546ED72-4C51-4777-B3A9-6B225E75A8CD}" dt="2024-11-04T18:32:32.927" v="191" actId="26606"/>
+          <ac:spMkLst>
+            <pc:docMk/>
+            <pc:sldMk cId="953077382" sldId="262"/>
+            <ac:spMk id="3" creationId="{4EFF8F48-DF6A-3AEC-B03C-83B198FFD236}"/>
+          </ac:spMkLst>
+        </pc:spChg>
+        <pc:spChg chg="add del mod">
+          <ac:chgData name="Leonardo Nogueira" userId="fc98997527d23258" providerId="LiveId" clId="{7546ED72-4C51-4777-B3A9-6B225E75A8CD}" dt="2024-11-04T18:33:04.851" v="196" actId="478"/>
+          <ac:spMkLst>
+            <pc:docMk/>
+            <pc:sldMk cId="953077382" sldId="262"/>
+            <ac:spMk id="9" creationId="{22E8C5AA-8F12-77EC-4DB6-FE16CEF66700}"/>
+          </ac:spMkLst>
+        </pc:spChg>
+        <pc:spChg chg="add del">
+          <ac:chgData name="Leonardo Nogueira" userId="fc98997527d23258" providerId="LiveId" clId="{7546ED72-4C51-4777-B3A9-6B225E75A8CD}" dt="2024-11-04T18:57:29.736" v="336"/>
+          <ac:spMkLst>
+            <pc:docMk/>
+            <pc:sldMk cId="953077382" sldId="262"/>
+            <ac:spMk id="10" creationId="{23D09407-53BC-485E-B4CE-BC5E4FC4B25B}"/>
+          </ac:spMkLst>
+        </pc:spChg>
+        <pc:spChg chg="add del mod">
+          <ac:chgData name="Leonardo Nogueira" userId="fc98997527d23258" providerId="LiveId" clId="{7546ED72-4C51-4777-B3A9-6B225E75A8CD}" dt="2024-11-04T18:34:07.029" v="202" actId="478"/>
+          <ac:spMkLst>
+            <pc:docMk/>
+            <pc:sldMk cId="953077382" sldId="262"/>
+            <ac:spMk id="11" creationId="{8C2FF2E6-18E5-6B4E-FFC9-0E97DA0542B9}"/>
+          </ac:spMkLst>
+        </pc:spChg>
+        <pc:spChg chg="add del">
+          <ac:chgData name="Leonardo Nogueira" userId="fc98997527d23258" providerId="LiveId" clId="{7546ED72-4C51-4777-B3A9-6B225E75A8CD}" dt="2024-11-04T18:57:29.736" v="336"/>
+          <ac:spMkLst>
+            <pc:docMk/>
+            <pc:sldMk cId="953077382" sldId="262"/>
+            <ac:spMk id="12" creationId="{921DB988-49FC-4608-B0A2-E2F3A4019041}"/>
+          </ac:spMkLst>
+        </pc:spChg>
+        <pc:spChg chg="add mod ord">
+          <ac:chgData name="Leonardo Nogueira" userId="fc98997527d23258" providerId="LiveId" clId="{7546ED72-4C51-4777-B3A9-6B225E75A8CD}" dt="2024-11-04T18:44:30.937" v="235" actId="166"/>
+          <ac:spMkLst>
+            <pc:docMk/>
+            <pc:sldMk cId="953077382" sldId="262"/>
+            <ac:spMk id="13" creationId="{990A1764-1427-24A6-368A-37BE9AFFD4E0}"/>
+          </ac:spMkLst>
+        </pc:spChg>
+        <pc:spChg chg="add mod ord">
+          <ac:chgData name="Leonardo Nogueira" userId="fc98997527d23258" providerId="LiveId" clId="{7546ED72-4C51-4777-B3A9-6B225E75A8CD}" dt="2024-11-04T18:45:08.730" v="243" actId="14100"/>
+          <ac:spMkLst>
+            <pc:docMk/>
+            <pc:sldMk cId="953077382" sldId="262"/>
+            <ac:spMk id="19" creationId="{184BD004-3F75-3C20-EA98-A16B06339F9A}"/>
+          </ac:spMkLst>
+        </pc:spChg>
+        <pc:spChg chg="add mod ord">
+          <ac:chgData name="Leonardo Nogueira" userId="fc98997527d23258" providerId="LiveId" clId="{7546ED72-4C51-4777-B3A9-6B225E75A8CD}" dt="2024-11-04T18:45:01.460" v="242" actId="1038"/>
+          <ac:spMkLst>
+            <pc:docMk/>
+            <pc:sldMk cId="953077382" sldId="262"/>
+            <ac:spMk id="27" creationId="{1E240444-77D5-80D1-2D32-9F066C522140}"/>
+          </ac:spMkLst>
+        </pc:spChg>
+        <pc:spChg chg="add mod ord">
+          <ac:chgData name="Leonardo Nogueira" userId="fc98997527d23258" providerId="LiveId" clId="{7546ED72-4C51-4777-B3A9-6B225E75A8CD}" dt="2024-11-04T18:44:30.937" v="235" actId="166"/>
+          <ac:spMkLst>
+            <pc:docMk/>
+            <pc:sldMk cId="953077382" sldId="262"/>
+            <ac:spMk id="28" creationId="{44CC7EF7-B79B-FF0B-CF0F-08B45BDA91B6}"/>
+          </ac:spMkLst>
+        </pc:spChg>
+        <pc:spChg chg="add del mod">
+          <ac:chgData name="Leonardo Nogueira" userId="fc98997527d23258" providerId="LiveId" clId="{7546ED72-4C51-4777-B3A9-6B225E75A8CD}" dt="2024-11-04T18:46:24.489" v="259" actId="11529"/>
+          <ac:spMkLst>
+            <pc:docMk/>
+            <pc:sldMk cId="953077382" sldId="262"/>
+            <ac:spMk id="34" creationId="{B0459F81-F435-5572-F519-BBC139A3F707}"/>
+          </ac:spMkLst>
+        </pc:spChg>
+        <pc:spChg chg="add mod">
+          <ac:chgData name="Leonardo Nogueira" userId="fc98997527d23258" providerId="LiveId" clId="{7546ED72-4C51-4777-B3A9-6B225E75A8CD}" dt="2024-11-04T18:46:22.336" v="255" actId="1076"/>
+          <ac:spMkLst>
+            <pc:docMk/>
+            <pc:sldMk cId="953077382" sldId="262"/>
+            <ac:spMk id="35" creationId="{1DE31BCC-0F62-0D15-F097-9FC3DD41DA88}"/>
+          </ac:spMkLst>
+        </pc:spChg>
+        <pc:grpChg chg="add del">
+          <ac:chgData name="Leonardo Nogueira" userId="fc98997527d23258" providerId="LiveId" clId="{7546ED72-4C51-4777-B3A9-6B225E75A8CD}" dt="2024-11-04T18:57:29.736" v="336"/>
+          <ac:grpSpMkLst>
+            <pc:docMk/>
+            <pc:sldMk cId="953077382" sldId="262"/>
+            <ac:grpSpMk id="14" creationId="{E9B930FD-8671-4C4C-ADCF-73AC1D0CD417}"/>
+          </ac:grpSpMkLst>
+        </pc:grpChg>
+        <pc:grpChg chg="add del">
+          <ac:chgData name="Leonardo Nogueira" userId="fc98997527d23258" providerId="LiveId" clId="{7546ED72-4C51-4777-B3A9-6B225E75A8CD}" dt="2024-11-04T18:57:29.736" v="336"/>
+          <ac:grpSpMkLst>
+            <pc:docMk/>
+            <pc:sldMk cId="953077382" sldId="262"/>
+            <ac:grpSpMk id="20" creationId="{383C2651-AE0C-4AE4-8725-E2F9414FE219}"/>
+          </ac:grpSpMkLst>
+        </pc:grpChg>
+        <pc:picChg chg="add del mod">
+          <ac:chgData name="Leonardo Nogueira" userId="fc98997527d23258" providerId="LiveId" clId="{7546ED72-4C51-4777-B3A9-6B225E75A8CD}" dt="2024-11-04T18:32:56.837" v="195" actId="478"/>
+          <ac:picMkLst>
+            <pc:docMk/>
+            <pc:sldMk cId="953077382" sldId="262"/>
+            <ac:picMk id="5" creationId="{19F2E833-FC64-54F2-1286-42C091A8CCE9}"/>
+          </ac:picMkLst>
+        </pc:picChg>
+        <pc:picChg chg="add del">
+          <ac:chgData name="Leonardo Nogueira" userId="fc98997527d23258" providerId="LiveId" clId="{7546ED72-4C51-4777-B3A9-6B225E75A8CD}" dt="2024-11-04T18:44:13.278" v="229" actId="478"/>
+          <ac:picMkLst>
+            <pc:docMk/>
+            <pc:sldMk cId="953077382" sldId="262"/>
+            <ac:picMk id="7" creationId="{299AB575-F90D-65FA-D116-7E90003B58E7}"/>
+          </ac:picMkLst>
+        </pc:picChg>
+        <pc:picChg chg="add mod">
+          <ac:chgData name="Leonardo Nogueira" userId="fc98997527d23258" providerId="LiveId" clId="{7546ED72-4C51-4777-B3A9-6B225E75A8CD}" dt="2024-11-04T18:45:26.019" v="245" actId="1076"/>
+          <ac:picMkLst>
+            <pc:docMk/>
+            <pc:sldMk cId="953077382" sldId="262"/>
+            <ac:picMk id="26" creationId="{5408B3FB-FE2A-35E5-3A71-A18DF05B0C5B}"/>
+          </ac:picMkLst>
+        </pc:picChg>
+        <pc:picChg chg="add mod ord">
+          <ac:chgData name="Leonardo Nogueira" userId="fc98997527d23258" providerId="LiveId" clId="{7546ED72-4C51-4777-B3A9-6B225E75A8CD}" dt="2024-11-04T18:44:54.854" v="238" actId="1076"/>
+          <ac:picMkLst>
+            <pc:docMk/>
+            <pc:sldMk cId="953077382" sldId="262"/>
+            <ac:picMk id="30" creationId="{A6734CDE-8C2A-0FD8-4889-E8DE71781962}"/>
+          </ac:picMkLst>
+        </pc:picChg>
+        <pc:picChg chg="add mod modCrop">
+          <ac:chgData name="Leonardo Nogueira" userId="fc98997527d23258" providerId="LiveId" clId="{7546ED72-4C51-4777-B3A9-6B225E75A8CD}" dt="2024-11-04T18:47:40.300" v="268" actId="1582"/>
+          <ac:picMkLst>
+            <pc:docMk/>
+            <pc:sldMk cId="953077382" sldId="262"/>
+            <ac:picMk id="37" creationId="{E5C1619F-0D98-CD50-4503-2CC568DF8AD9}"/>
+          </ac:picMkLst>
+        </pc:picChg>
+        <pc:cxnChg chg="add mod">
+          <ac:chgData name="Leonardo Nogueira" userId="fc98997527d23258" providerId="LiveId" clId="{7546ED72-4C51-4777-B3A9-6B225E75A8CD}" dt="2024-11-04T18:48:19.699" v="274" actId="208"/>
+          <ac:cxnSpMkLst>
+            <pc:docMk/>
+            <pc:sldMk cId="953077382" sldId="262"/>
+            <ac:cxnSpMk id="32" creationId="{4C83BAEB-33B1-EC30-EAC6-C600932B4E3E}"/>
+          </ac:cxnSpMkLst>
+        </pc:cxnChg>
+        <pc:cxnChg chg="add mod">
+          <ac:chgData name="Leonardo Nogueira" userId="fc98997527d23258" providerId="LiveId" clId="{7546ED72-4C51-4777-B3A9-6B225E75A8CD}" dt="2024-11-04T18:48:14.574" v="273" actId="208"/>
+          <ac:cxnSpMkLst>
+            <pc:docMk/>
+            <pc:sldMk cId="953077382" sldId="262"/>
+            <ac:cxnSpMk id="39" creationId="{9084CE56-339D-C33A-B4D4-D6DBD706B0E1}"/>
+          </ac:cxnSpMkLst>
+        </pc:cxnChg>
+        <pc:cxnChg chg="add mod">
+          <ac:chgData name="Leonardo Nogueira" userId="fc98997527d23258" providerId="LiveId" clId="{7546ED72-4C51-4777-B3A9-6B225E75A8CD}" dt="2024-11-04T18:48:26.161" v="275" actId="14100"/>
+          <ac:cxnSpMkLst>
+            <pc:docMk/>
+            <pc:sldMk cId="953077382" sldId="262"/>
+            <ac:cxnSpMk id="41" creationId="{BB49FF68-FA8D-339D-F493-7DC352D19BCE}"/>
+          </ac:cxnSpMkLst>
+        </pc:cxnChg>
+      </pc:sldChg>
+      <pc:sldChg chg="addSp delSp modSp new mod modAnim">
+        <pc:chgData name="Leonardo Nogueira" userId="fc98997527d23258" providerId="LiveId" clId="{7546ED72-4C51-4777-B3A9-6B225E75A8CD}" dt="2024-11-04T20:05:00.961" v="637"/>
+        <pc:sldMkLst>
+          <pc:docMk/>
+          <pc:sldMk cId="3664381636" sldId="263"/>
+        </pc:sldMkLst>
+        <pc:spChg chg="del mod">
+          <ac:chgData name="Leonardo Nogueira" userId="fc98997527d23258" providerId="LiveId" clId="{7546ED72-4C51-4777-B3A9-6B225E75A8CD}" dt="2024-11-04T19:20:25.162" v="480" actId="478"/>
+          <ac:spMkLst>
+            <pc:docMk/>
+            <pc:sldMk cId="3664381636" sldId="263"/>
+            <ac:spMk id="2" creationId="{CF4E2669-73D3-B381-4DEE-C1F54632962E}"/>
+          </ac:spMkLst>
+        </pc:spChg>
+        <pc:spChg chg="del mod">
+          <ac:chgData name="Leonardo Nogueira" userId="fc98997527d23258" providerId="LiveId" clId="{7546ED72-4C51-4777-B3A9-6B225E75A8CD}" dt="2024-11-04T19:20:25.162" v="480" actId="478"/>
+          <ac:spMkLst>
+            <pc:docMk/>
+            <pc:sldMk cId="3664381636" sldId="263"/>
+            <ac:spMk id="3" creationId="{0E65F14A-99D4-3916-AE7D-2E1299E1ED4E}"/>
+          </ac:spMkLst>
+        </pc:spChg>
+        <pc:spChg chg="add mod">
+          <ac:chgData name="Leonardo Nogueira" userId="fc98997527d23258" providerId="LiveId" clId="{7546ED72-4C51-4777-B3A9-6B225E75A8CD}" dt="2024-11-04T19:22:58.413" v="499" actId="1038"/>
+          <ac:spMkLst>
+            <pc:docMk/>
+            <pc:sldMk cId="3664381636" sldId="263"/>
+            <ac:spMk id="11" creationId="{402788E7-598C-F633-9439-268A0BC2B8EC}"/>
+          </ac:spMkLst>
+        </pc:spChg>
+        <pc:spChg chg="add mod">
+          <ac:chgData name="Leonardo Nogueira" userId="fc98997527d23258" providerId="LiveId" clId="{7546ED72-4C51-4777-B3A9-6B225E75A8CD}" dt="2024-11-04T19:23:22.559" v="503" actId="208"/>
+          <ac:spMkLst>
+            <pc:docMk/>
+            <pc:sldMk cId="3664381636" sldId="263"/>
+            <ac:spMk id="12" creationId="{8C3BD890-B623-3BC1-9E8C-C81D22D4ECA5}"/>
+          </ac:spMkLst>
+        </pc:spChg>
+        <pc:picChg chg="add mod">
+          <ac:chgData name="Leonardo Nogueira" userId="fc98997527d23258" providerId="LiveId" clId="{7546ED72-4C51-4777-B3A9-6B225E75A8CD}" dt="2024-11-04T19:22:47.136" v="493" actId="1076"/>
+          <ac:picMkLst>
+            <pc:docMk/>
+            <pc:sldMk cId="3664381636" sldId="263"/>
+            <ac:picMk id="4" creationId="{56544020-2795-D383-00C1-AD6E4A3E9C0E}"/>
+          </ac:picMkLst>
+        </pc:picChg>
+        <pc:picChg chg="add del mod">
+          <ac:chgData name="Leonardo Nogueira" userId="fc98997527d23258" providerId="LiveId" clId="{7546ED72-4C51-4777-B3A9-6B225E75A8CD}" dt="2024-11-04T19:20:45.994" v="481" actId="478"/>
+          <ac:picMkLst>
+            <pc:docMk/>
+            <pc:sldMk cId="3664381636" sldId="263"/>
+            <ac:picMk id="6" creationId="{91F2FC84-C6D0-B1C4-FAA8-63BE9B174B90}"/>
+          </ac:picMkLst>
+        </pc:picChg>
+        <pc:picChg chg="add mod">
+          <ac:chgData name="Leonardo Nogueira" userId="fc98997527d23258" providerId="LiveId" clId="{7546ED72-4C51-4777-B3A9-6B225E75A8CD}" dt="2024-11-04T19:24:35.630" v="512" actId="208"/>
+          <ac:picMkLst>
+            <pc:docMk/>
+            <pc:sldMk cId="3664381636" sldId="263"/>
+            <ac:picMk id="8" creationId="{85BD5529-AC89-7E4D-7E0F-1293B76DF23E}"/>
+          </ac:picMkLst>
+        </pc:picChg>
+        <pc:picChg chg="add mod">
+          <ac:chgData name="Leonardo Nogueira" userId="fc98997527d23258" providerId="LiveId" clId="{7546ED72-4C51-4777-B3A9-6B225E75A8CD}" dt="2024-11-04T19:24:24.055" v="510" actId="1582"/>
+          <ac:picMkLst>
+            <pc:docMk/>
+            <pc:sldMk cId="3664381636" sldId="263"/>
+            <ac:picMk id="10" creationId="{3117C1CA-1A27-4445-CD3A-1F49A08ACC77}"/>
+          </ac:picMkLst>
+        </pc:picChg>
+        <pc:cxnChg chg="add">
+          <ac:chgData name="Leonardo Nogueira" userId="fc98997527d23258" providerId="LiveId" clId="{7546ED72-4C51-4777-B3A9-6B225E75A8CD}" dt="2024-11-04T19:23:31.100" v="504" actId="11529"/>
+          <ac:cxnSpMkLst>
+            <pc:docMk/>
+            <pc:sldMk cId="3664381636" sldId="263"/>
+            <ac:cxnSpMk id="14" creationId="{4658A8CC-6AC9-2328-3811-4FE1EDCB58ED}"/>
+          </ac:cxnSpMkLst>
+        </pc:cxnChg>
+        <pc:cxnChg chg="add mod">
+          <ac:chgData name="Leonardo Nogueira" userId="fc98997527d23258" providerId="LiveId" clId="{7546ED72-4C51-4777-B3A9-6B225E75A8CD}" dt="2024-11-04T19:23:46.383" v="506" actId="208"/>
+          <ac:cxnSpMkLst>
+            <pc:docMk/>
+            <pc:sldMk cId="3664381636" sldId="263"/>
+            <ac:cxnSpMk id="16" creationId="{E51B864F-593E-9760-0159-9A16636AAE5A}"/>
+          </ac:cxnSpMkLst>
+        </pc:cxnChg>
+      </pc:sldChg>
+      <pc:sldChg chg="addSp delSp modSp new del mod">
+        <pc:chgData name="Leonardo Nogueira" userId="fc98997527d23258" providerId="LiveId" clId="{7546ED72-4C51-4777-B3A9-6B225E75A8CD}" dt="2024-11-04T19:40:13.418" v="540" actId="47"/>
+        <pc:sldMkLst>
+          <pc:docMk/>
+          <pc:sldMk cId="2077260822" sldId="264"/>
+        </pc:sldMkLst>
+        <pc:spChg chg="mod">
+          <ac:chgData name="Leonardo Nogueira" userId="fc98997527d23258" providerId="LiveId" clId="{7546ED72-4C51-4777-B3A9-6B225E75A8CD}" dt="2024-11-04T18:57:34.656" v="337"/>
+          <ac:spMkLst>
+            <pc:docMk/>
+            <pc:sldMk cId="2077260822" sldId="264"/>
+            <ac:spMk id="2" creationId="{56A6BB6D-1F36-1BCA-F9CA-3DB2AF4F443B}"/>
+          </ac:spMkLst>
+        </pc:spChg>
+        <pc:spChg chg="del">
+          <ac:chgData name="Leonardo Nogueira" userId="fc98997527d23258" providerId="LiveId" clId="{7546ED72-4C51-4777-B3A9-6B225E75A8CD}" dt="2024-11-04T18:50:53.831" v="286" actId="22"/>
+          <ac:spMkLst>
+            <pc:docMk/>
+            <pc:sldMk cId="2077260822" sldId="264"/>
+            <ac:spMk id="3" creationId="{AC671052-F2AF-B335-66E3-4E635C8C6A8C}"/>
+          </ac:spMkLst>
+        </pc:spChg>
+        <pc:spChg chg="add mod">
+          <ac:chgData name="Leonardo Nogueira" userId="fc98997527d23258" providerId="LiveId" clId="{7546ED72-4C51-4777-B3A9-6B225E75A8CD}" dt="2024-11-04T19:27:21.494" v="528" actId="21"/>
+          <ac:spMkLst>
+            <pc:docMk/>
+            <pc:sldMk cId="2077260822" sldId="264"/>
+            <ac:spMk id="10" creationId="{62FCEB87-01A9-453F-566A-C75024196C5D}"/>
+          </ac:spMkLst>
+        </pc:spChg>
+        <pc:picChg chg="add mod">
+          <ac:chgData name="Leonardo Nogueira" userId="fc98997527d23258" providerId="LiveId" clId="{7546ED72-4C51-4777-B3A9-6B225E75A8CD}" dt="2024-11-04T18:50:19.689" v="283"/>
+          <ac:picMkLst>
+            <pc:docMk/>
+            <pc:sldMk cId="2077260822" sldId="264"/>
+            <ac:picMk id="4" creationId="{AEEF6097-2FCB-5C33-E2CF-9E99EE9B8850}"/>
+          </ac:picMkLst>
+        </pc:picChg>
+        <pc:picChg chg="add del mod">
+          <ac:chgData name="Leonardo Nogueira" userId="fc98997527d23258" providerId="LiveId" clId="{7546ED72-4C51-4777-B3A9-6B225E75A8CD}" dt="2024-11-04T19:27:21.494" v="528" actId="21"/>
+          <ac:picMkLst>
+            <pc:docMk/>
+            <pc:sldMk cId="2077260822" sldId="264"/>
+            <ac:picMk id="6" creationId="{862891F6-6A62-C0D9-A925-CA7B50FE529B}"/>
+          </ac:picMkLst>
+        </pc:picChg>
+        <pc:picChg chg="add del mod ord">
+          <ac:chgData name="Leonardo Nogueira" userId="fc98997527d23258" providerId="LiveId" clId="{7546ED72-4C51-4777-B3A9-6B225E75A8CD}" dt="2024-11-04T19:27:21.494" v="528" actId="21"/>
+          <ac:picMkLst>
+            <pc:docMk/>
+            <pc:sldMk cId="2077260822" sldId="264"/>
+            <ac:picMk id="8" creationId="{1171B10D-7346-DD92-7CA9-D529CAB42314}"/>
+          </ac:picMkLst>
+        </pc:picChg>
+      </pc:sldChg>
+      <pc:sldChg chg="addSp delSp modSp new del mod modTransition">
+        <pc:chgData name="Leonardo Nogueira" userId="fc98997527d23258" providerId="LiveId" clId="{7546ED72-4C51-4777-B3A9-6B225E75A8CD}" dt="2024-11-04T20:18:04.534" v="706" actId="47"/>
+        <pc:sldMkLst>
+          <pc:docMk/>
+          <pc:sldMk cId="1600902238" sldId="265"/>
+        </pc:sldMkLst>
+        <pc:spChg chg="mod">
+          <ac:chgData name="Leonardo Nogueira" userId="fc98997527d23258" providerId="LiveId" clId="{7546ED72-4C51-4777-B3A9-6B225E75A8CD}" dt="2024-11-04T20:17:02.591" v="701" actId="20577"/>
+          <ac:spMkLst>
+            <pc:docMk/>
+            <pc:sldMk cId="1600902238" sldId="265"/>
+            <ac:spMk id="2" creationId="{9E26C6CD-702F-DC97-6C08-F83EBB4084B4}"/>
+          </ac:spMkLst>
+        </pc:spChg>
+        <pc:spChg chg="del">
+          <ac:chgData name="Leonardo Nogueira" userId="fc98997527d23258" providerId="LiveId" clId="{7546ED72-4C51-4777-B3A9-6B225E75A8CD}" dt="2024-11-04T18:52:16.218" v="292" actId="22"/>
+          <ac:spMkLst>
+            <pc:docMk/>
+            <pc:sldMk cId="1600902238" sldId="265"/>
+            <ac:spMk id="3" creationId="{72C9192E-B0CE-EEEC-3080-574DF50A32A8}"/>
+          </ac:spMkLst>
+        </pc:spChg>
+        <pc:spChg chg="add mod">
+          <ac:chgData name="Leonardo Nogueira" userId="fc98997527d23258" providerId="LiveId" clId="{7546ED72-4C51-4777-B3A9-6B225E75A8CD}" dt="2024-11-04T19:40:48.206" v="542" actId="21"/>
+          <ac:spMkLst>
+            <pc:docMk/>
+            <pc:sldMk cId="1600902238" sldId="265"/>
+            <ac:spMk id="12" creationId="{BB9BCFB6-44DC-D9BA-12F9-39E93C27C552}"/>
+          </ac:spMkLst>
+        </pc:spChg>
+        <pc:picChg chg="add mod">
+          <ac:chgData name="Leonardo Nogueira" userId="fc98997527d23258" providerId="LiveId" clId="{7546ED72-4C51-4777-B3A9-6B225E75A8CD}" dt="2024-11-04T18:51:39.353" v="289"/>
+          <ac:picMkLst>
+            <pc:docMk/>
+            <pc:sldMk cId="1600902238" sldId="265"/>
+            <ac:picMk id="4" creationId="{3902C5A0-B46D-64C9-8D8A-A4AB3C66678D}"/>
+          </ac:picMkLst>
+        </pc:picChg>
+        <pc:picChg chg="add del mod">
+          <ac:chgData name="Leonardo Nogueira" userId="fc98997527d23258" providerId="LiveId" clId="{7546ED72-4C51-4777-B3A9-6B225E75A8CD}" dt="2024-11-04T19:40:48.206" v="542" actId="21"/>
+          <ac:picMkLst>
+            <pc:docMk/>
+            <pc:sldMk cId="1600902238" sldId="265"/>
+            <ac:picMk id="6" creationId="{2DCC1F8C-C6D9-C897-C4E5-4D53B17BB08E}"/>
+          </ac:picMkLst>
+        </pc:picChg>
+        <pc:picChg chg="add del mod ord">
+          <ac:chgData name="Leonardo Nogueira" userId="fc98997527d23258" providerId="LiveId" clId="{7546ED72-4C51-4777-B3A9-6B225E75A8CD}" dt="2024-11-04T19:40:48.206" v="542" actId="21"/>
+          <ac:picMkLst>
+            <pc:docMk/>
+            <pc:sldMk cId="1600902238" sldId="265"/>
+            <ac:picMk id="8" creationId="{F88AD0BF-A2E5-6878-CA44-86C9E813DB50}"/>
+          </ac:picMkLst>
+        </pc:picChg>
+        <pc:picChg chg="add del mod">
+          <ac:chgData name="Leonardo Nogueira" userId="fc98997527d23258" providerId="LiveId" clId="{7546ED72-4C51-4777-B3A9-6B225E75A8CD}" dt="2024-11-04T19:40:48.206" v="542" actId="21"/>
+          <ac:picMkLst>
+            <pc:docMk/>
+            <pc:sldMk cId="1600902238" sldId="265"/>
+            <ac:picMk id="10" creationId="{A4760782-62D0-C6F9-FCD1-8E9AA00E765C}"/>
+          </ac:picMkLst>
+        </pc:picChg>
+        <pc:picChg chg="add mod">
+          <ac:chgData name="Leonardo Nogueira" userId="fc98997527d23258" providerId="LiveId" clId="{7546ED72-4C51-4777-B3A9-6B225E75A8CD}" dt="2024-11-04T20:16:47.222" v="689" actId="1076"/>
+          <ac:picMkLst>
+            <pc:docMk/>
+            <pc:sldMk cId="1600902238" sldId="265"/>
+            <ac:picMk id="13" creationId="{A5A36EF9-88E9-3EA9-563C-9664F3CD4A56}"/>
+          </ac:picMkLst>
+        </pc:picChg>
+      </pc:sldChg>
+      <pc:sldChg chg="addSp delSp modSp new mod modAnim">
+        <pc:chgData name="Leonardo Nogueira" userId="fc98997527d23258" providerId="LiveId" clId="{7546ED72-4C51-4777-B3A9-6B225E75A8CD}" dt="2024-11-04T19:19:50.335" v="478"/>
+        <pc:sldMkLst>
+          <pc:docMk/>
+          <pc:sldMk cId="4187321686" sldId="266"/>
+        </pc:sldMkLst>
+        <pc:spChg chg="del mod">
+          <ac:chgData name="Leonardo Nogueira" userId="fc98997527d23258" providerId="LiveId" clId="{7546ED72-4C51-4777-B3A9-6B225E75A8CD}" dt="2024-11-04T19:12:51.829" v="415" actId="478"/>
+          <ac:spMkLst>
+            <pc:docMk/>
+            <pc:sldMk cId="4187321686" sldId="266"/>
+            <ac:spMk id="2" creationId="{500534D1-FB7A-05B7-E39D-6531FF4A1C36}"/>
+          </ac:spMkLst>
+        </pc:spChg>
+        <pc:spChg chg="del mod">
+          <ac:chgData name="Leonardo Nogueira" userId="fc98997527d23258" providerId="LiveId" clId="{7546ED72-4C51-4777-B3A9-6B225E75A8CD}" dt="2024-11-04T19:12:53.357" v="416" actId="478"/>
+          <ac:spMkLst>
+            <pc:docMk/>
+            <pc:sldMk cId="4187321686" sldId="266"/>
+            <ac:spMk id="3" creationId="{EDE31210-B100-4207-3546-430204ECF8A1}"/>
+          </ac:spMkLst>
+        </pc:spChg>
+        <pc:spChg chg="add mod">
+          <ac:chgData name="Leonardo Nogueira" userId="fc98997527d23258" providerId="LiveId" clId="{7546ED72-4C51-4777-B3A9-6B225E75A8CD}" dt="2024-11-04T19:19:23.132" v="475" actId="20577"/>
+          <ac:spMkLst>
+            <pc:docMk/>
+            <pc:sldMk cId="4187321686" sldId="266"/>
+            <ac:spMk id="6" creationId="{3761F8D6-255E-C44C-EC9A-AE09494A68FA}"/>
+          </ac:spMkLst>
+        </pc:spChg>
+        <pc:picChg chg="add mod">
+          <ac:chgData name="Leonardo Nogueira" userId="fc98997527d23258" providerId="LiveId" clId="{7546ED72-4C51-4777-B3A9-6B225E75A8CD}" dt="2024-11-04T18:52:59.450" v="297"/>
+          <ac:picMkLst>
+            <pc:docMk/>
+            <pc:sldMk cId="4187321686" sldId="266"/>
+            <ac:picMk id="4" creationId="{A8B98587-6D51-448E-2D5A-98CB35B32E19}"/>
+          </ac:picMkLst>
+        </pc:picChg>
+        <pc:picChg chg="add mod">
+          <ac:chgData name="Leonardo Nogueira" userId="fc98997527d23258" providerId="LiveId" clId="{7546ED72-4C51-4777-B3A9-6B225E75A8CD}" dt="2024-11-04T18:55:26.431" v="312"/>
+          <ac:picMkLst>
+            <pc:docMk/>
+            <pc:sldMk cId="4187321686" sldId="266"/>
+            <ac:picMk id="5" creationId="{17F36907-4DA1-E713-DDE8-3B572FD761BC}"/>
+          </ac:picMkLst>
+        </pc:picChg>
+      </pc:sldChg>
+      <pc:sldChg chg="addSp delSp modSp add mod">
+        <pc:chgData name="Leonardo Nogueira" userId="fc98997527d23258" providerId="LiveId" clId="{7546ED72-4C51-4777-B3A9-6B225E75A8CD}" dt="2024-11-04T19:01:40.706" v="414" actId="403"/>
+        <pc:sldMkLst>
+          <pc:docMk/>
+          <pc:sldMk cId="3418455002" sldId="267"/>
+        </pc:sldMkLst>
+        <pc:spChg chg="del">
+          <ac:chgData name="Leonardo Nogueira" userId="fc98997527d23258" providerId="LiveId" clId="{7546ED72-4C51-4777-B3A9-6B225E75A8CD}" dt="2024-11-04T19:00:20.517" v="395" actId="478"/>
+          <ac:spMkLst>
+            <pc:docMk/>
+            <pc:sldMk cId="3418455002" sldId="267"/>
+            <ac:spMk id="2" creationId="{7AC52A4A-72DB-9C8F-A946-18EB35159787}"/>
+          </ac:spMkLst>
+        </pc:spChg>
+        <pc:spChg chg="mod">
+          <ac:chgData name="Leonardo Nogueira" userId="fc98997527d23258" providerId="LiveId" clId="{7546ED72-4C51-4777-B3A9-6B225E75A8CD}" dt="2024-11-04T19:01:40.706" v="414" actId="403"/>
+          <ac:spMkLst>
+            <pc:docMk/>
+            <pc:sldMk cId="3418455002" sldId="267"/>
+            <ac:spMk id="3" creationId="{02BF9995-5C08-1800-59DF-E237EC2833EF}"/>
+          </ac:spMkLst>
+        </pc:spChg>
+        <pc:spChg chg="add del mod">
+          <ac:chgData name="Leonardo Nogueira" userId="fc98997527d23258" providerId="LiveId" clId="{7546ED72-4C51-4777-B3A9-6B225E75A8CD}" dt="2024-11-04T19:00:24.013" v="396" actId="478"/>
+          <ac:spMkLst>
+            <pc:docMk/>
+            <pc:sldMk cId="3418455002" sldId="267"/>
+            <ac:spMk id="6" creationId="{28007D4D-6799-409B-EB76-93FCE49CE8B1}"/>
+          </ac:spMkLst>
+        </pc:spChg>
+        <pc:picChg chg="mod">
+          <ac:chgData name="Leonardo Nogueira" userId="fc98997527d23258" providerId="LiveId" clId="{7546ED72-4C51-4777-B3A9-6B225E75A8CD}" dt="2024-11-04T19:01:15.867" v="408" actId="14100"/>
+          <ac:picMkLst>
+            <pc:docMk/>
+            <pc:sldMk cId="3418455002" sldId="267"/>
+            <ac:picMk id="5" creationId="{716CC884-000F-0350-EB5D-3A9E8031B6A7}"/>
+          </ac:picMkLst>
+        </pc:picChg>
+        <pc:picChg chg="mod">
+          <ac:chgData name="Leonardo Nogueira" userId="fc98997527d23258" providerId="LiveId" clId="{7546ED72-4C51-4777-B3A9-6B225E75A8CD}" dt="2024-11-04T19:01:20.844" v="409" actId="14100"/>
+          <ac:picMkLst>
+            <pc:docMk/>
+            <pc:sldMk cId="3418455002" sldId="267"/>
+            <ac:picMk id="7" creationId="{B207D492-3C66-0705-6402-AE68B405629A}"/>
+          </ac:picMkLst>
+        </pc:picChg>
+      </pc:sldChg>
+      <pc:sldChg chg="delSp modSp add mod modTransition">
+        <pc:chgData name="Leonardo Nogueira" userId="fc98997527d23258" providerId="LiveId" clId="{7546ED72-4C51-4777-B3A9-6B225E75A8CD}" dt="2024-11-04T20:21:46.492" v="724"/>
+        <pc:sldMkLst>
+          <pc:docMk/>
+          <pc:sldMk cId="2365638769" sldId="268"/>
+        </pc:sldMkLst>
+        <pc:spChg chg="del mod">
+          <ac:chgData name="Leonardo Nogueira" userId="fc98997527d23258" providerId="LiveId" clId="{7546ED72-4C51-4777-B3A9-6B225E75A8CD}" dt="2024-11-04T19:21:50.856" v="487" actId="478"/>
+          <ac:spMkLst>
+            <pc:docMk/>
+            <pc:sldMk cId="2365638769" sldId="268"/>
+            <ac:spMk id="2" creationId="{2AF600FC-6339-383C-DF3F-A416B69C856B}"/>
+          </ac:spMkLst>
+        </pc:spChg>
+      </pc:sldChg>
+      <pc:sldChg chg="addSp delSp modSp add mod modTransition delAnim modAnim">
+        <pc:chgData name="Leonardo Nogueira" userId="fc98997527d23258" providerId="LiveId" clId="{7546ED72-4C51-4777-B3A9-6B225E75A8CD}" dt="2024-11-04T20:22:50.984" v="725"/>
+        <pc:sldMkLst>
+          <pc:docMk/>
+          <pc:sldMk cId="1062064496" sldId="269"/>
+        </pc:sldMkLst>
+        <pc:spChg chg="add mod">
+          <ac:chgData name="Leonardo Nogueira" userId="fc98997527d23258" providerId="LiveId" clId="{7546ED72-4C51-4777-B3A9-6B225E75A8CD}" dt="2024-11-04T19:42:29.260" v="551" actId="208"/>
+          <ac:spMkLst>
+            <pc:docMk/>
+            <pc:sldMk cId="1062064496" sldId="269"/>
+            <ac:spMk id="5" creationId="{C4167A6D-A4B0-85F7-47BF-6A1E73EA0E09}"/>
+          </ac:spMkLst>
+        </pc:spChg>
+        <pc:spChg chg="add mod">
+          <ac:chgData name="Leonardo Nogueira" userId="fc98997527d23258" providerId="LiveId" clId="{7546ED72-4C51-4777-B3A9-6B225E75A8CD}" dt="2024-11-04T19:42:48.860" v="552" actId="208"/>
+          <ac:spMkLst>
+            <pc:docMk/>
+            <pc:sldMk cId="1062064496" sldId="269"/>
+            <ac:spMk id="7" creationId="{F19E74C8-44FD-B1FE-56CF-8A31A5821A1B}"/>
+          </ac:spMkLst>
+        </pc:spChg>
+        <pc:picChg chg="add mod">
+          <ac:chgData name="Leonardo Nogueira" userId="fc98997527d23258" providerId="LiveId" clId="{7546ED72-4C51-4777-B3A9-6B225E75A8CD}" dt="2024-11-04T19:43:39.526" v="558" actId="208"/>
+          <ac:picMkLst>
+            <pc:docMk/>
+            <pc:sldMk cId="1062064496" sldId="269"/>
+            <ac:picMk id="2" creationId="{F88AD0BF-A2E5-6878-CA44-86C9E813DB50}"/>
+          </ac:picMkLst>
+        </pc:picChg>
+        <pc:picChg chg="add mod">
+          <ac:chgData name="Leonardo Nogueira" userId="fc98997527d23258" providerId="LiveId" clId="{7546ED72-4C51-4777-B3A9-6B225E75A8CD}" dt="2024-11-04T19:43:30.005" v="557" actId="208"/>
+          <ac:picMkLst>
+            <pc:docMk/>
+            <pc:sldMk cId="1062064496" sldId="269"/>
+            <ac:picMk id="3" creationId="{A4760782-62D0-C6F9-FCD1-8E9AA00E765C}"/>
+          </ac:picMkLst>
+        </pc:picChg>
+        <pc:picChg chg="add mod">
+          <ac:chgData name="Leonardo Nogueira" userId="fc98997527d23258" providerId="LiveId" clId="{7546ED72-4C51-4777-B3A9-6B225E75A8CD}" dt="2024-11-04T19:40:51.768" v="543"/>
+          <ac:picMkLst>
+            <pc:docMk/>
+            <pc:sldMk cId="1062064496" sldId="269"/>
+            <ac:picMk id="6" creationId="{2DCC1F8C-C6D9-C897-C4E5-4D53B17BB08E}"/>
+          </ac:picMkLst>
+        </pc:picChg>
+        <pc:picChg chg="del">
+          <ac:chgData name="Leonardo Nogueira" userId="fc98997527d23258" providerId="LiveId" clId="{7546ED72-4C51-4777-B3A9-6B225E75A8CD}" dt="2024-11-04T19:39:04.915" v="537" actId="478"/>
+          <ac:picMkLst>
+            <pc:docMk/>
+            <pc:sldMk cId="1062064496" sldId="269"/>
+            <ac:picMk id="10" creationId="{3117C1CA-1A27-4445-CD3A-1F49A08ACC77}"/>
+          </ac:picMkLst>
+        </pc:picChg>
+        <pc:picChg chg="add mod">
+          <ac:chgData name="Leonardo Nogueira" userId="fc98997527d23258" providerId="LiveId" clId="{7546ED72-4C51-4777-B3A9-6B225E75A8CD}" dt="2024-11-04T19:45:33.614" v="569" actId="1076"/>
+          <ac:picMkLst>
+            <pc:docMk/>
+            <pc:sldMk cId="1062064496" sldId="269"/>
+            <ac:picMk id="23" creationId="{355AA5C2-A34E-022F-7341-AC82DC82237B}"/>
+          </ac:picMkLst>
+        </pc:picChg>
+        <pc:picChg chg="add mod ord">
+          <ac:chgData name="Leonardo Nogueira" userId="fc98997527d23258" providerId="LiveId" clId="{7546ED72-4C51-4777-B3A9-6B225E75A8CD}" dt="2024-11-04T19:49:58.454" v="583" actId="1076"/>
+          <ac:picMkLst>
+            <pc:docMk/>
+            <pc:sldMk cId="1062064496" sldId="269"/>
+            <ac:picMk id="24" creationId="{1D263FBD-F1CB-2641-1816-4FC1E10AA39A}"/>
+          </ac:picMkLst>
+        </pc:picChg>
+        <pc:picChg chg="add mod">
+          <ac:chgData name="Leonardo Nogueira" userId="fc98997527d23258" providerId="LiveId" clId="{7546ED72-4C51-4777-B3A9-6B225E75A8CD}" dt="2024-11-04T19:49:41.755" v="579" actId="1076"/>
+          <ac:picMkLst>
+            <pc:docMk/>
+            <pc:sldMk cId="1062064496" sldId="269"/>
+            <ac:picMk id="25" creationId="{DE2DC197-636A-F1E4-1877-969D65642770}"/>
+          </ac:picMkLst>
+        </pc:picChg>
+        <pc:cxnChg chg="add mod">
+          <ac:chgData name="Leonardo Nogueira" userId="fc98997527d23258" providerId="LiveId" clId="{7546ED72-4C51-4777-B3A9-6B225E75A8CD}" dt="2024-11-04T19:42:48.860" v="552" actId="208"/>
+          <ac:cxnSpMkLst>
+            <pc:docMk/>
+            <pc:sldMk cId="1062064496" sldId="269"/>
+            <ac:cxnSpMk id="13" creationId="{A2F4E18E-BF65-3883-3E1A-B64AA18F8BA4}"/>
+          </ac:cxnSpMkLst>
+        </pc:cxnChg>
+        <pc:cxnChg chg="del mod">
+          <ac:chgData name="Leonardo Nogueira" userId="fc98997527d23258" providerId="LiveId" clId="{7546ED72-4C51-4777-B3A9-6B225E75A8CD}" dt="2024-11-04T19:39:04.915" v="537" actId="478"/>
+          <ac:cxnSpMkLst>
+            <pc:docMk/>
+            <pc:sldMk cId="1062064496" sldId="269"/>
+            <ac:cxnSpMk id="16" creationId="{E51B864F-593E-9760-0159-9A16636AAE5A}"/>
+          </ac:cxnSpMkLst>
+        </pc:cxnChg>
+        <pc:cxnChg chg="add mod">
+          <ac:chgData name="Leonardo Nogueira" userId="fc98997527d23258" providerId="LiveId" clId="{7546ED72-4C51-4777-B3A9-6B225E75A8CD}" dt="2024-11-04T19:42:29.260" v="551" actId="208"/>
+          <ac:cxnSpMkLst>
+            <pc:docMk/>
+            <pc:sldMk cId="1062064496" sldId="269"/>
+            <ac:cxnSpMk id="17" creationId="{E1771818-1FE2-DAEE-2220-D144F969C158}"/>
+          </ac:cxnSpMkLst>
+        </pc:cxnChg>
+        <pc:cxnChg chg="add mod">
+          <ac:chgData name="Leonardo Nogueira" userId="fc98997527d23258" providerId="LiveId" clId="{7546ED72-4C51-4777-B3A9-6B225E75A8CD}" dt="2024-11-04T19:42:59.523" v="553" actId="13822"/>
+          <ac:cxnSpMkLst>
+            <pc:docMk/>
+            <pc:sldMk cId="1062064496" sldId="269"/>
+            <ac:cxnSpMk id="19" creationId="{DF977129-CD08-CFF4-DC16-E1CCECCE5A45}"/>
+          </ac:cxnSpMkLst>
+        </pc:cxnChg>
+        <pc:cxnChg chg="add mod">
+          <ac:chgData name="Leonardo Nogueira" userId="fc98997527d23258" providerId="LiveId" clId="{7546ED72-4C51-4777-B3A9-6B225E75A8CD}" dt="2024-11-04T19:42:59.523" v="553" actId="13822"/>
+          <ac:cxnSpMkLst>
+            <pc:docMk/>
+            <pc:sldMk cId="1062064496" sldId="269"/>
+            <ac:cxnSpMk id="21" creationId="{7ED30F86-EEEF-8276-9C43-EAB182E19FF2}"/>
+          </ac:cxnSpMkLst>
+        </pc:cxnChg>
+      </pc:sldChg>
+      <pc:sldChg chg="addSp modSp new del mod ord modAnim">
+        <pc:chgData name="Leonardo Nogueira" userId="fc98997527d23258" providerId="LiveId" clId="{7546ED72-4C51-4777-B3A9-6B225E75A8CD}" dt="2024-11-04T19:38:16.984" v="536" actId="47"/>
+        <pc:sldMkLst>
+          <pc:docMk/>
+          <pc:sldMk cId="3676648501" sldId="270"/>
+        </pc:sldMkLst>
+        <pc:picChg chg="add mod">
+          <ac:chgData name="Leonardo Nogueira" userId="fc98997527d23258" providerId="LiveId" clId="{7546ED72-4C51-4777-B3A9-6B225E75A8CD}" dt="2024-11-04T19:25:02.900" v="515"/>
+          <ac:picMkLst>
+            <pc:docMk/>
+            <pc:sldMk cId="3676648501" sldId="270"/>
+            <ac:picMk id="2" creationId="{4E91772A-5E60-8065-12C8-F890F898A172}"/>
+          </ac:picMkLst>
+        </pc:picChg>
+        <pc:picChg chg="add mod">
+          <ac:chgData name="Leonardo Nogueira" userId="fc98997527d23258" providerId="LiveId" clId="{7546ED72-4C51-4777-B3A9-6B225E75A8CD}" dt="2024-11-04T19:26:15.385" v="520" actId="1076"/>
+          <ac:picMkLst>
+            <pc:docMk/>
+            <pc:sldMk cId="3676648501" sldId="270"/>
+            <ac:picMk id="3" creationId="{26873A9C-8462-D380-6396-6F0DC43D077B}"/>
+          </ac:picMkLst>
+        </pc:picChg>
+      </pc:sldChg>
+      <pc:sldChg chg="delSp new mod ord modTransition modClrScheme chgLayout">
+        <pc:chgData name="Leonardo Nogueira" userId="fc98997527d23258" providerId="LiveId" clId="{7546ED72-4C51-4777-B3A9-6B225E75A8CD}" dt="2024-11-04T20:09:24.013" v="641"/>
+        <pc:sldMkLst>
+          <pc:docMk/>
+          <pc:sldMk cId="621375562" sldId="271"/>
+        </pc:sldMkLst>
+        <pc:spChg chg="del">
+          <ac:chgData name="Leonardo Nogueira" userId="fc98997527d23258" providerId="LiveId" clId="{7546ED72-4C51-4777-B3A9-6B225E75A8CD}" dt="2024-11-04T19:26:34.585" v="523" actId="700"/>
+          <ac:spMkLst>
+            <pc:docMk/>
+            <pc:sldMk cId="621375562" sldId="271"/>
+            <ac:spMk id="2" creationId="{832D3F85-C9F2-351D-8424-5646D142F59B}"/>
+          </ac:spMkLst>
+        </pc:spChg>
+        <pc:spChg chg="del">
+          <ac:chgData name="Leonardo Nogueira" userId="fc98997527d23258" providerId="LiveId" clId="{7546ED72-4C51-4777-B3A9-6B225E75A8CD}" dt="2024-11-04T19:26:34.585" v="523" actId="700"/>
+          <ac:spMkLst>
+            <pc:docMk/>
+            <pc:sldMk cId="621375562" sldId="271"/>
+            <ac:spMk id="3" creationId="{59D356B6-CE1D-5E97-2262-5C9A3ABE7DDB}"/>
+          </ac:spMkLst>
+        </pc:spChg>
+      </pc:sldChg>
+      <pc:sldChg chg="addSp delSp modSp add mod delAnim modAnim">
+        <pc:chgData name="Leonardo Nogueira" userId="fc98997527d23258" providerId="LiveId" clId="{7546ED72-4C51-4777-B3A9-6B225E75A8CD}" dt="2024-11-04T19:38:13.118" v="535"/>
+        <pc:sldMkLst>
+          <pc:docMk/>
+          <pc:sldMk cId="2497066725" sldId="272"/>
+        </pc:sldMkLst>
+        <pc:picChg chg="del">
+          <ac:chgData name="Leonardo Nogueira" userId="fc98997527d23258" providerId="LiveId" clId="{7546ED72-4C51-4777-B3A9-6B225E75A8CD}" dt="2024-11-04T19:27:10.427" v="527" actId="478"/>
+          <ac:picMkLst>
+            <pc:docMk/>
+            <pc:sldMk cId="2497066725" sldId="272"/>
+            <ac:picMk id="3" creationId="{26873A9C-8462-D380-6396-6F0DC43D077B}"/>
+          </ac:picMkLst>
+        </pc:picChg>
+        <pc:picChg chg="add mod">
+          <ac:chgData name="Leonardo Nogueira" userId="fc98997527d23258" providerId="LiveId" clId="{7546ED72-4C51-4777-B3A9-6B225E75A8CD}" dt="2024-11-04T19:38:13.118" v="535"/>
+          <ac:picMkLst>
+            <pc:docMk/>
+            <pc:sldMk cId="2497066725" sldId="272"/>
+            <ac:picMk id="4" creationId="{FACD58DD-21DD-B24F-C6A1-1AF99C910870}"/>
+          </ac:picMkLst>
+        </pc:picChg>
+        <pc:picChg chg="add mod">
+          <ac:chgData name="Leonardo Nogueira" userId="fc98997527d23258" providerId="LiveId" clId="{7546ED72-4C51-4777-B3A9-6B225E75A8CD}" dt="2024-11-04T19:37:28.165" v="532" actId="1076"/>
+          <ac:picMkLst>
+            <pc:docMk/>
+            <pc:sldMk cId="2497066725" sldId="272"/>
+            <ac:picMk id="6" creationId="{862891F6-6A62-C0D9-A925-CA7B50FE529B}"/>
+          </ac:picMkLst>
+        </pc:picChg>
+        <pc:picChg chg="add mod">
+          <ac:chgData name="Leonardo Nogueira" userId="fc98997527d23258" providerId="LiveId" clId="{7546ED72-4C51-4777-B3A9-6B225E75A8CD}" dt="2024-11-04T19:37:19.788" v="531" actId="1076"/>
+          <ac:picMkLst>
+            <pc:docMk/>
+            <pc:sldMk cId="2497066725" sldId="272"/>
+            <ac:picMk id="8" creationId="{1171B10D-7346-DD92-7CA9-D529CAB42314}"/>
+          </ac:picMkLst>
+        </pc:picChg>
+      </pc:sldChg>
+      <pc:sldChg chg="addSp delSp modSp add mod ord modTransition modAnim">
+        <pc:chgData name="Leonardo Nogueira" userId="fc98997527d23258" providerId="LiveId" clId="{7546ED72-4C51-4777-B3A9-6B225E75A8CD}" dt="2024-11-04T20:13:20.797" v="657" actId="21"/>
+        <pc:sldMkLst>
+          <pc:docMk/>
+          <pc:sldMk cId="4280030687" sldId="273"/>
+        </pc:sldMkLst>
+        <pc:spChg chg="add mod">
+          <ac:chgData name="Leonardo Nogueira" userId="fc98997527d23258" providerId="LiveId" clId="{7546ED72-4C51-4777-B3A9-6B225E75A8CD}" dt="2024-11-04T19:53:41.304" v="602" actId="1035"/>
+          <ac:spMkLst>
+            <pc:docMk/>
+            <pc:sldMk cId="4280030687" sldId="273"/>
+            <ac:spMk id="6" creationId="{75730835-86DA-D63E-9DAD-6F5640A2E667}"/>
+          </ac:spMkLst>
+        </pc:spChg>
+        <pc:spChg chg="add mod">
+          <ac:chgData name="Leonardo Nogueira" userId="fc98997527d23258" providerId="LiveId" clId="{7546ED72-4C51-4777-B3A9-6B225E75A8CD}" dt="2024-11-04T19:53:53.455" v="605" actId="14100"/>
+          <ac:spMkLst>
+            <pc:docMk/>
+            <pc:sldMk cId="4280030687" sldId="273"/>
+            <ac:spMk id="7" creationId="{0A747C04-A5E6-6256-0671-94242E76BD2B}"/>
+          </ac:spMkLst>
+        </pc:spChg>
+        <pc:spChg chg="add mod">
+          <ac:chgData name="Leonardo Nogueira" userId="fc98997527d23258" providerId="LiveId" clId="{7546ED72-4C51-4777-B3A9-6B225E75A8CD}" dt="2024-11-04T19:56:35.698" v="618" actId="14100"/>
+          <ac:spMkLst>
+            <pc:docMk/>
+            <pc:sldMk cId="4280030687" sldId="273"/>
+            <ac:spMk id="8" creationId="{EEFB4953-76C5-61DD-BCEF-A051CB2317FC}"/>
+          </ac:spMkLst>
+        </pc:spChg>
+        <pc:spChg chg="add mod">
+          <ac:chgData name="Leonardo Nogueira" userId="fc98997527d23258" providerId="LiveId" clId="{7546ED72-4C51-4777-B3A9-6B225E75A8CD}" dt="2024-11-04T19:58:32.881" v="619"/>
+          <ac:spMkLst>
+            <pc:docMk/>
+            <pc:sldMk cId="4280030687" sldId="273"/>
+            <ac:spMk id="9" creationId="{3EA480D6-1321-DD04-2051-1377951DBDD7}"/>
+          </ac:spMkLst>
+        </pc:spChg>
+        <pc:picChg chg="add mod modCrop">
+          <ac:chgData name="Leonardo Nogueira" userId="fc98997527d23258" providerId="LiveId" clId="{7546ED72-4C51-4777-B3A9-6B225E75A8CD}" dt="2024-11-04T19:52:39.985" v="594" actId="732"/>
+          <ac:picMkLst>
+            <pc:docMk/>
+            <pc:sldMk cId="4280030687" sldId="273"/>
+            <ac:picMk id="3" creationId="{C9E36E7E-0594-85A7-657C-5A053165EAEA}"/>
+          </ac:picMkLst>
+        </pc:picChg>
+        <pc:picChg chg="add mod modCrop">
+          <ac:chgData name="Leonardo Nogueira" userId="fc98997527d23258" providerId="LiveId" clId="{7546ED72-4C51-4777-B3A9-6B225E75A8CD}" dt="2024-11-04T19:59:09.124" v="623" actId="1076"/>
+          <ac:picMkLst>
+            <pc:docMk/>
+            <pc:sldMk cId="4280030687" sldId="273"/>
+            <ac:picMk id="10" creationId="{764F7BEE-9271-3366-2737-496CEBA8C21C}"/>
+          </ac:picMkLst>
+        </pc:picChg>
+        <pc:picChg chg="add mod modCrop">
+          <ac:chgData name="Leonardo Nogueira" userId="fc98997527d23258" providerId="LiveId" clId="{7546ED72-4C51-4777-B3A9-6B225E75A8CD}" dt="2024-11-04T19:59:59.454" v="628" actId="732"/>
+          <ac:picMkLst>
+            <pc:docMk/>
+            <pc:sldMk cId="4280030687" sldId="273"/>
+            <ac:picMk id="11" creationId="{CC9421D9-BA0D-C065-D286-4F68DD29559A}"/>
+          </ac:picMkLst>
+        </pc:picChg>
+        <pc:picChg chg="add del mod">
+          <ac:chgData name="Leonardo Nogueira" userId="fc98997527d23258" providerId="LiveId" clId="{7546ED72-4C51-4777-B3A9-6B225E75A8CD}" dt="2024-11-04T20:13:20.797" v="657" actId="21"/>
+          <ac:picMkLst>
+            <pc:docMk/>
+            <pc:sldMk cId="4280030687" sldId="273"/>
+            <ac:picMk id="18" creationId="{CD3AF1C3-661E-6A3A-5161-4968A906978D}"/>
+          </ac:picMkLst>
+        </pc:picChg>
+        <pc:cxnChg chg="add mod">
+          <ac:chgData name="Leonardo Nogueira" userId="fc98997527d23258" providerId="LiveId" clId="{7546ED72-4C51-4777-B3A9-6B225E75A8CD}" dt="2024-11-04T19:52:55.773" v="596" actId="208"/>
+          <ac:cxnSpMkLst>
+            <pc:docMk/>
+            <pc:sldMk cId="4280030687" sldId="273"/>
+            <ac:cxnSpMk id="5" creationId="{005B2EF8-6EE9-EDE4-1572-588EC51EC0DF}"/>
+          </ac:cxnSpMkLst>
+        </pc:cxnChg>
+        <pc:cxnChg chg="add">
+          <ac:chgData name="Leonardo Nogueira" userId="fc98997527d23258" providerId="LiveId" clId="{7546ED72-4C51-4777-B3A9-6B225E75A8CD}" dt="2024-11-04T20:00:13.729" v="629" actId="11529"/>
+          <ac:cxnSpMkLst>
+            <pc:docMk/>
+            <pc:sldMk cId="4280030687" sldId="273"/>
+            <ac:cxnSpMk id="14" creationId="{09EDB861-35AC-3E82-0117-B765BE73B0C1}"/>
+          </ac:cxnSpMkLst>
+        </pc:cxnChg>
+        <pc:cxnChg chg="add">
+          <ac:chgData name="Leonardo Nogueira" userId="fc98997527d23258" providerId="LiveId" clId="{7546ED72-4C51-4777-B3A9-6B225E75A8CD}" dt="2024-11-04T20:00:19.509" v="630" actId="11529"/>
+          <ac:cxnSpMkLst>
+            <pc:docMk/>
+            <pc:sldMk cId="4280030687" sldId="273"/>
+            <ac:cxnSpMk id="16" creationId="{28DA1A46-01DE-4B2A-FC8E-0BA1C67F9450}"/>
+          </ac:cxnSpMkLst>
+        </pc:cxnChg>
+      </pc:sldChg>
+      <pc:sldChg chg="addSp delSp modSp add mod delAnim modAnim">
+        <pc:chgData name="Leonardo Nogueira" userId="fc98997527d23258" providerId="LiveId" clId="{7546ED72-4C51-4777-B3A9-6B225E75A8CD}" dt="2024-11-04T20:16:41.153" v="687" actId="21"/>
+        <pc:sldMkLst>
+          <pc:docMk/>
+          <pc:sldMk cId="4111522650" sldId="274"/>
+        </pc:sldMkLst>
+        <pc:spChg chg="del">
+          <ac:chgData name="Leonardo Nogueira" userId="fc98997527d23258" providerId="LiveId" clId="{7546ED72-4C51-4777-B3A9-6B225E75A8CD}" dt="2024-11-04T20:13:40.452" v="659" actId="478"/>
+          <ac:spMkLst>
+            <pc:docMk/>
+            <pc:sldMk cId="4111522650" sldId="274"/>
+            <ac:spMk id="9" creationId="{3EA480D6-1321-DD04-2051-1377951DBDD7}"/>
+          </ac:spMkLst>
+        </pc:spChg>
+        <pc:spChg chg="del">
+          <ac:chgData name="Leonardo Nogueira" userId="fc98997527d23258" providerId="LiveId" clId="{7546ED72-4C51-4777-B3A9-6B225E75A8CD}" dt="2024-11-04T20:13:40.452" v="659" actId="478"/>
+          <ac:spMkLst>
+            <pc:docMk/>
+            <pc:sldMk cId="4111522650" sldId="274"/>
+            <ac:spMk id="13" creationId="{990A1764-1427-24A6-368A-37BE9AFFD4E0}"/>
+          </ac:spMkLst>
+        </pc:spChg>
+        <pc:spChg chg="del">
+          <ac:chgData name="Leonardo Nogueira" userId="fc98997527d23258" providerId="LiveId" clId="{7546ED72-4C51-4777-B3A9-6B225E75A8CD}" dt="2024-11-04T20:13:40.452" v="659" actId="478"/>
+          <ac:spMkLst>
+            <pc:docMk/>
+            <pc:sldMk cId="4111522650" sldId="274"/>
+            <ac:spMk id="19" creationId="{184BD004-3F75-3C20-EA98-A16B06339F9A}"/>
+          </ac:spMkLst>
+        </pc:spChg>
+        <pc:spChg chg="del">
+          <ac:chgData name="Leonardo Nogueira" userId="fc98997527d23258" providerId="LiveId" clId="{7546ED72-4C51-4777-B3A9-6B225E75A8CD}" dt="2024-11-04T20:13:40.452" v="659" actId="478"/>
+          <ac:spMkLst>
+            <pc:docMk/>
+            <pc:sldMk cId="4111522650" sldId="274"/>
+            <ac:spMk id="27" creationId="{1E240444-77D5-80D1-2D32-9F066C522140}"/>
+          </ac:spMkLst>
+        </pc:spChg>
+        <pc:spChg chg="del">
+          <ac:chgData name="Leonardo Nogueira" userId="fc98997527d23258" providerId="LiveId" clId="{7546ED72-4C51-4777-B3A9-6B225E75A8CD}" dt="2024-11-04T20:13:40.452" v="659" actId="478"/>
+          <ac:spMkLst>
+            <pc:docMk/>
+            <pc:sldMk cId="4111522650" sldId="274"/>
+            <ac:spMk id="28" creationId="{44CC7EF7-B79B-FF0B-CF0F-08B45BDA91B6}"/>
+          </ac:spMkLst>
+        </pc:spChg>
+        <pc:picChg chg="add mod">
+          <ac:chgData name="Leonardo Nogueira" userId="fc98997527d23258" providerId="LiveId" clId="{7546ED72-4C51-4777-B3A9-6B225E75A8CD}" dt="2024-11-04T20:15:40.114" v="678" actId="1076"/>
+          <ac:picMkLst>
+            <pc:docMk/>
+            <pc:sldMk cId="4111522650" sldId="274"/>
+            <ac:picMk id="2" creationId="{3E3BCE5C-0813-BA79-BDCE-FBC789499951}"/>
+          </ac:picMkLst>
+        </pc:picChg>
+        <pc:picChg chg="mod">
+          <ac:chgData name="Leonardo Nogueira" userId="fc98997527d23258" providerId="LiveId" clId="{7546ED72-4C51-4777-B3A9-6B225E75A8CD}" dt="2024-11-04T20:14:56.460" v="673" actId="1076"/>
+          <ac:picMkLst>
+            <pc:docMk/>
+            <pc:sldMk cId="4111522650" sldId="274"/>
+            <ac:picMk id="3" creationId="{C9E36E7E-0594-85A7-657C-5A053165EAEA}"/>
+          </ac:picMkLst>
+        </pc:picChg>
+        <pc:picChg chg="del">
+          <ac:chgData name="Leonardo Nogueira" userId="fc98997527d23258" providerId="LiveId" clId="{7546ED72-4C51-4777-B3A9-6B225E75A8CD}" dt="2024-11-04T20:13:40.452" v="659" actId="478"/>
+          <ac:picMkLst>
+            <pc:docMk/>
+            <pc:sldMk cId="4111522650" sldId="274"/>
+            <ac:picMk id="10" creationId="{764F7BEE-9271-3366-2737-496CEBA8C21C}"/>
+          </ac:picMkLst>
+        </pc:picChg>
+        <pc:picChg chg="del">
+          <ac:chgData name="Leonardo Nogueira" userId="fc98997527d23258" providerId="LiveId" clId="{7546ED72-4C51-4777-B3A9-6B225E75A8CD}" dt="2024-11-04T20:13:40.452" v="659" actId="478"/>
+          <ac:picMkLst>
+            <pc:docMk/>
+            <pc:sldMk cId="4111522650" sldId="274"/>
+            <ac:picMk id="11" creationId="{CC9421D9-BA0D-C065-D286-4F68DD29559A}"/>
+          </ac:picMkLst>
+        </pc:picChg>
+        <pc:picChg chg="add del mod">
+          <ac:chgData name="Leonardo Nogueira" userId="fc98997527d23258" providerId="LiveId" clId="{7546ED72-4C51-4777-B3A9-6B225E75A8CD}" dt="2024-11-04T20:16:41.153" v="687" actId="21"/>
+          <ac:picMkLst>
+            <pc:docMk/>
+            <pc:sldMk cId="4111522650" sldId="274"/>
+            <ac:picMk id="12" creationId="{A5A36EF9-88E9-3EA9-563C-9664F3CD4A56}"/>
+          </ac:picMkLst>
+        </pc:picChg>
+        <pc:picChg chg="add mod">
+          <ac:chgData name="Leonardo Nogueira" userId="fc98997527d23258" providerId="LiveId" clId="{7546ED72-4C51-4777-B3A9-6B225E75A8CD}" dt="2024-11-04T20:13:23.421" v="658"/>
+          <ac:picMkLst>
+            <pc:docMk/>
+            <pc:sldMk cId="4111522650" sldId="274"/>
+            <ac:picMk id="18" creationId="{CD3AF1C3-661E-6A3A-5161-4968A906978D}"/>
+          </ac:picMkLst>
+        </pc:picChg>
+        <pc:picChg chg="del">
+          <ac:chgData name="Leonardo Nogueira" userId="fc98997527d23258" providerId="LiveId" clId="{7546ED72-4C51-4777-B3A9-6B225E75A8CD}" dt="2024-11-04T20:13:40.452" v="659" actId="478"/>
+          <ac:picMkLst>
+            <pc:docMk/>
+            <pc:sldMk cId="4111522650" sldId="274"/>
+            <ac:picMk id="26" creationId="{5408B3FB-FE2A-35E5-3A71-A18DF05B0C5B}"/>
+          </ac:picMkLst>
+        </pc:picChg>
+        <pc:picChg chg="del">
+          <ac:chgData name="Leonardo Nogueira" userId="fc98997527d23258" providerId="LiveId" clId="{7546ED72-4C51-4777-B3A9-6B225E75A8CD}" dt="2024-11-04T20:13:40.452" v="659" actId="478"/>
+          <ac:picMkLst>
+            <pc:docMk/>
+            <pc:sldMk cId="4111522650" sldId="274"/>
+            <ac:picMk id="30" creationId="{A6734CDE-8C2A-0FD8-4889-E8DE71781962}"/>
+          </ac:picMkLst>
+        </pc:picChg>
+        <pc:picChg chg="del">
+          <ac:chgData name="Leonardo Nogueira" userId="fc98997527d23258" providerId="LiveId" clId="{7546ED72-4C51-4777-B3A9-6B225E75A8CD}" dt="2024-11-04T20:13:40.452" v="659" actId="478"/>
+          <ac:picMkLst>
+            <pc:docMk/>
+            <pc:sldMk cId="4111522650" sldId="274"/>
+            <ac:picMk id="37" creationId="{E5C1619F-0D98-CD50-4503-2CC568DF8AD9}"/>
+          </ac:picMkLst>
+        </pc:picChg>
+        <pc:cxnChg chg="del mod">
+          <ac:chgData name="Leonardo Nogueira" userId="fc98997527d23258" providerId="LiveId" clId="{7546ED72-4C51-4777-B3A9-6B225E75A8CD}" dt="2024-11-04T20:13:40.452" v="659" actId="478"/>
+          <ac:cxnSpMkLst>
+            <pc:docMk/>
+            <pc:sldMk cId="4111522650" sldId="274"/>
+            <ac:cxnSpMk id="5" creationId="{005B2EF8-6EE9-EDE4-1572-588EC51EC0DF}"/>
+          </ac:cxnSpMkLst>
+        </pc:cxnChg>
+        <pc:cxnChg chg="del mod">
+          <ac:chgData name="Leonardo Nogueira" userId="fc98997527d23258" providerId="LiveId" clId="{7546ED72-4C51-4777-B3A9-6B225E75A8CD}" dt="2024-11-04T20:13:40.452" v="659" actId="478"/>
+          <ac:cxnSpMkLst>
+            <pc:docMk/>
+            <pc:sldMk cId="4111522650" sldId="274"/>
+            <ac:cxnSpMk id="14" creationId="{09EDB861-35AC-3E82-0117-B765BE73B0C1}"/>
+          </ac:cxnSpMkLst>
+        </pc:cxnChg>
+        <pc:cxnChg chg="del mod">
+          <ac:chgData name="Leonardo Nogueira" userId="fc98997527d23258" providerId="LiveId" clId="{7546ED72-4C51-4777-B3A9-6B225E75A8CD}" dt="2024-11-04T20:13:40.452" v="659" actId="478"/>
+          <ac:cxnSpMkLst>
+            <pc:docMk/>
+            <pc:sldMk cId="4111522650" sldId="274"/>
+            <ac:cxnSpMk id="16" creationId="{28DA1A46-01DE-4B2A-FC8E-0BA1C67F9450}"/>
+          </ac:cxnSpMkLst>
+        </pc:cxnChg>
+        <pc:cxnChg chg="del mod">
+          <ac:chgData name="Leonardo Nogueira" userId="fc98997527d23258" providerId="LiveId" clId="{7546ED72-4C51-4777-B3A9-6B225E75A8CD}" dt="2024-11-04T20:13:40.452" v="659" actId="478"/>
+          <ac:cxnSpMkLst>
+            <pc:docMk/>
+            <pc:sldMk cId="4111522650" sldId="274"/>
+            <ac:cxnSpMk id="32" creationId="{4C83BAEB-33B1-EC30-EAC6-C600932B4E3E}"/>
+          </ac:cxnSpMkLst>
+        </pc:cxnChg>
+        <pc:cxnChg chg="del mod">
+          <ac:chgData name="Leonardo Nogueira" userId="fc98997527d23258" providerId="LiveId" clId="{7546ED72-4C51-4777-B3A9-6B225E75A8CD}" dt="2024-11-04T20:13:40.452" v="659" actId="478"/>
+          <ac:cxnSpMkLst>
+            <pc:docMk/>
+            <pc:sldMk cId="4111522650" sldId="274"/>
+            <ac:cxnSpMk id="39" creationId="{9084CE56-339D-C33A-B4D4-D6DBD706B0E1}"/>
+          </ac:cxnSpMkLst>
+        </pc:cxnChg>
+        <pc:cxnChg chg="del mod">
+          <ac:chgData name="Leonardo Nogueira" userId="fc98997527d23258" providerId="LiveId" clId="{7546ED72-4C51-4777-B3A9-6B225E75A8CD}" dt="2024-11-04T20:13:40.452" v="659" actId="478"/>
+          <ac:cxnSpMkLst>
+            <pc:docMk/>
+            <pc:sldMk cId="4111522650" sldId="274"/>
+            <ac:cxnSpMk id="41" creationId="{BB49FF68-FA8D-339D-F493-7DC352D19BCE}"/>
+          </ac:cxnSpMkLst>
+        </pc:cxnChg>
+      </pc:sldChg>
+    </pc:docChg>
+  </pc:docChgLst>
+</pc:chgInfo>
 </file>
 
 <file path=ppt/slideLayouts/slideLayout1.xml><?xml version="1.0" encoding="utf-8"?>
@@ -258,7 +1401,7 @@
           <a:p>
             <a:fld id="{4C8A2F4F-ADF2-4A90-8DAD-958DB6526A88}" type="datetimeFigureOut">
               <a:rPr lang="pt-BR" smtClean="0"/>
-              <a:t>01/11/2024</a:t>
+              <a:t>04/11/2024</a:t>
             </a:fld>
             <a:endParaRPr lang="pt-BR"/>
           </a:p>
@@ -456,7 +1599,7 @@
           <a:p>
             <a:fld id="{4C8A2F4F-ADF2-4A90-8DAD-958DB6526A88}" type="datetimeFigureOut">
               <a:rPr lang="pt-BR" smtClean="0"/>
-              <a:t>01/11/2024</a:t>
+              <a:t>04/11/2024</a:t>
             </a:fld>
             <a:endParaRPr lang="pt-BR"/>
           </a:p>
@@ -664,7 +1807,7 @@
           <a:p>
             <a:fld id="{4C8A2F4F-ADF2-4A90-8DAD-958DB6526A88}" type="datetimeFigureOut">
               <a:rPr lang="pt-BR" smtClean="0"/>
-              <a:t>01/11/2024</a:t>
+              <a:t>04/11/2024</a:t>
             </a:fld>
             <a:endParaRPr lang="pt-BR"/>
           </a:p>
@@ -862,7 +2005,7 @@
           <a:p>
             <a:fld id="{4C8A2F4F-ADF2-4A90-8DAD-958DB6526A88}" type="datetimeFigureOut">
               <a:rPr lang="pt-BR" smtClean="0"/>
-              <a:t>01/11/2024</a:t>
+              <a:t>04/11/2024</a:t>
             </a:fld>
             <a:endParaRPr lang="pt-BR"/>
           </a:p>
@@ -1137,7 +2280,7 @@
           <a:p>
             <a:fld id="{4C8A2F4F-ADF2-4A90-8DAD-958DB6526A88}" type="datetimeFigureOut">
               <a:rPr lang="pt-BR" smtClean="0"/>
-              <a:t>01/11/2024</a:t>
+              <a:t>04/11/2024</a:t>
             </a:fld>
             <a:endParaRPr lang="pt-BR"/>
           </a:p>
@@ -1402,7 +2545,7 @@
           <a:p>
             <a:fld id="{4C8A2F4F-ADF2-4A90-8DAD-958DB6526A88}" type="datetimeFigureOut">
               <a:rPr lang="pt-BR" smtClean="0"/>
-              <a:t>01/11/2024</a:t>
+              <a:t>04/11/2024</a:t>
             </a:fld>
             <a:endParaRPr lang="pt-BR"/>
           </a:p>
@@ -1814,7 +2957,7 @@
           <a:p>
             <a:fld id="{4C8A2F4F-ADF2-4A90-8DAD-958DB6526A88}" type="datetimeFigureOut">
               <a:rPr lang="pt-BR" smtClean="0"/>
-              <a:t>01/11/2024</a:t>
+              <a:t>04/11/2024</a:t>
             </a:fld>
             <a:endParaRPr lang="pt-BR"/>
           </a:p>
@@ -1955,7 +3098,7 @@
           <a:p>
             <a:fld id="{4C8A2F4F-ADF2-4A90-8DAD-958DB6526A88}" type="datetimeFigureOut">
               <a:rPr lang="pt-BR" smtClean="0"/>
-              <a:t>01/11/2024</a:t>
+              <a:t>04/11/2024</a:t>
             </a:fld>
             <a:endParaRPr lang="pt-BR"/>
           </a:p>
@@ -2068,7 +3211,7 @@
           <a:p>
             <a:fld id="{4C8A2F4F-ADF2-4A90-8DAD-958DB6526A88}" type="datetimeFigureOut">
               <a:rPr lang="pt-BR" smtClean="0"/>
-              <a:t>01/11/2024</a:t>
+              <a:t>04/11/2024</a:t>
             </a:fld>
             <a:endParaRPr lang="pt-BR"/>
           </a:p>
@@ -2379,7 +3522,7 @@
           <a:p>
             <a:fld id="{4C8A2F4F-ADF2-4A90-8DAD-958DB6526A88}" type="datetimeFigureOut">
               <a:rPr lang="pt-BR" smtClean="0"/>
-              <a:t>01/11/2024</a:t>
+              <a:t>04/11/2024</a:t>
             </a:fld>
             <a:endParaRPr lang="pt-BR"/>
           </a:p>
@@ -2667,7 +3810,7 @@
           <a:p>
             <a:fld id="{4C8A2F4F-ADF2-4A90-8DAD-958DB6526A88}" type="datetimeFigureOut">
               <a:rPr lang="pt-BR" smtClean="0"/>
-              <a:t>01/11/2024</a:t>
+              <a:t>04/11/2024</a:t>
             </a:fld>
             <a:endParaRPr lang="pt-BR"/>
           </a:p>
@@ -2908,7 +4051,7 @@
           <a:p>
             <a:fld id="{4C8A2F4F-ADF2-4A90-8DAD-958DB6526A88}" type="datetimeFigureOut">
               <a:rPr lang="pt-BR" smtClean="0"/>
-              <a:t>01/11/2024</a:t>
+              <a:t>04/11/2024</a:t>
             </a:fld>
             <a:endParaRPr lang="pt-BR"/>
           </a:p>
@@ -3311,6 +4454,119 @@
 <file path=ppt/slides/slide1.xml><?xml version="1.0" encoding="utf-8"?>
 <p:sld xmlns:a="http://schemas.openxmlformats.org/drawingml/2006/main" xmlns:r="http://schemas.openxmlformats.org/officeDocument/2006/relationships" xmlns:p="http://schemas.openxmlformats.org/presentationml/2006/main">
   <p:cSld>
+    <p:bg>
+      <p:bgPr>
+        <a:solidFill>
+          <a:schemeClr val="bg1"/>
+        </a:solidFill>
+        <a:effectLst/>
+      </p:bgPr>
+    </p:bg>
+    <p:spTree>
+      <p:nvGrpSpPr>
+        <p:cNvPr id="1" name=""/>
+        <p:cNvGrpSpPr/>
+        <p:nvPr/>
+      </p:nvGrpSpPr>
+      <p:grpSpPr>
+        <a:xfrm>
+          <a:off x="0" y="0"/>
+          <a:ext cx="0" cy="0"/>
+          <a:chOff x="0" y="0"/>
+          <a:chExt cx="0" cy="0"/>
+        </a:xfrm>
+      </p:grpSpPr>
+      <p:sp>
+        <p:nvSpPr>
+          <p:cNvPr id="2" name="Título 1">
+            <a:extLst>
+              <a:ext uri="{FF2B5EF4-FFF2-40B4-BE49-F238E27FC236}">
+                <a16:creationId xmlns:a16="http://schemas.microsoft.com/office/drawing/2014/main" id="{D862A5C5-9810-DD04-565B-59618F6F3311}"/>
+              </a:ext>
+            </a:extLst>
+          </p:cNvPr>
+          <p:cNvSpPr>
+            <a:spLocks noGrp="1"/>
+          </p:cNvSpPr>
+          <p:nvPr>
+            <p:ph type="ctrTitle"/>
+          </p:nvPr>
+        </p:nvSpPr>
+        <p:spPr>
+          <a:xfrm>
+            <a:off x="584200" y="1122363"/>
+            <a:ext cx="11023600" cy="2387600"/>
+          </a:xfrm>
+        </p:spPr>
+        <p:txBody>
+          <a:bodyPr anchor="ctr">
+            <a:normAutofit/>
+          </a:bodyPr>
+          <a:lstStyle/>
+          <a:p>
+            <a:r>
+              <a:rPr lang="pt-BR" sz="3600" dirty="0">
+                <a:solidFill>
+                  <a:schemeClr val="tx2"/>
+                </a:solidFill>
+              </a:rPr>
+              <a:t>Trabalho – Processos Estocásticos e Vibrações Aleatórias</a:t>
+            </a:r>
+          </a:p>
+        </p:txBody>
+      </p:sp>
+      <p:sp>
+        <p:nvSpPr>
+          <p:cNvPr id="18" name="Subtítulo 17">
+            <a:extLst>
+              <a:ext uri="{FF2B5EF4-FFF2-40B4-BE49-F238E27FC236}">
+                <a16:creationId xmlns:a16="http://schemas.microsoft.com/office/drawing/2014/main" id="{3EF8D0CC-B4D0-8D8B-C16C-853A4BF78607}"/>
+              </a:ext>
+            </a:extLst>
+          </p:cNvPr>
+          <p:cNvSpPr>
+            <a:spLocks noGrp="1"/>
+          </p:cNvSpPr>
+          <p:nvPr>
+            <p:ph type="subTitle" idx="1"/>
+          </p:nvPr>
+        </p:nvSpPr>
+        <p:spPr/>
+        <p:txBody>
+          <a:bodyPr/>
+          <a:lstStyle/>
+          <a:p>
+            <a:r>
+              <a:rPr lang="pt-BR" dirty="0"/>
+              <a:t>Leonardo Maia Nogueira</a:t>
+            </a:r>
+          </a:p>
+        </p:txBody>
+      </p:sp>
+    </p:spTree>
+    <p:extLst>
+      <p:ext uri="{BB962C8B-B14F-4D97-AF65-F5344CB8AC3E}">
+        <p14:creationId xmlns:p14="http://schemas.microsoft.com/office/powerpoint/2010/main" val="1800751252"/>
+      </p:ext>
+    </p:extLst>
+  </p:cSld>
+  <p:clrMapOvr>
+    <a:masterClrMapping/>
+  </p:clrMapOvr>
+</p:sld>
+</file>
+
+<file path=ppt/slides/slide10.xml><?xml version="1.0" encoding="utf-8"?>
+<p:sld xmlns:a="http://schemas.openxmlformats.org/drawingml/2006/main" xmlns:r="http://schemas.openxmlformats.org/officeDocument/2006/relationships" xmlns:p="http://schemas.openxmlformats.org/presentationml/2006/main">
+  <p:cSld>
+    <p:bg>
+      <p:bgPr>
+        <a:solidFill>
+          <a:schemeClr val="bg1"/>
+        </a:solidFill>
+        <a:effectLst/>
+      </p:bgPr>
+    </p:bg>
     <p:spTree>
       <p:nvGrpSpPr>
         <p:cNvPr id="1" name=""/>
@@ -3327,10 +4583,10 @@
       </p:grpSpPr>
       <p:pic>
         <p:nvPicPr>
-          <p:cNvPr id="5" name="Imagem 4" descr="Uma imagem contendo Gráfico&#10;&#10;Descrição gerada automaticamente">
-            <a:extLst>
-              <a:ext uri="{FF2B5EF4-FFF2-40B4-BE49-F238E27FC236}">
-                <a16:creationId xmlns:a16="http://schemas.microsoft.com/office/drawing/2014/main" id="{E3CC7272-4851-61A3-8427-754BE48CD9E4}"/>
+          <p:cNvPr id="26" name="Imagem 25">
+            <a:extLst>
+              <a:ext uri="{FF2B5EF4-FFF2-40B4-BE49-F238E27FC236}">
+                <a16:creationId xmlns:a16="http://schemas.microsoft.com/office/drawing/2014/main" id="{5408B3FB-FE2A-35E5-3A71-A18DF05B0C5B}"/>
               </a:ext>
             </a:extLst>
           </p:cNvPr>
@@ -3340,7 +4596,2145 @@
           <p:nvPr/>
         </p:nvPicPr>
         <p:blipFill>
-          <a:blip r:embed="rId2">
+          <a:blip r:embed="rId2"/>
+          <a:stretch>
+            <a:fillRect/>
+          </a:stretch>
+        </p:blipFill>
+        <p:spPr>
+          <a:xfrm>
+            <a:off x="3353615" y="1666070"/>
+            <a:ext cx="3867690" cy="495369"/>
+          </a:xfrm>
+          <a:prstGeom prst="rect">
+            <a:avLst/>
+          </a:prstGeom>
+          <a:ln w="28575">
+            <a:solidFill>
+              <a:srgbClr val="00B0F0"/>
+            </a:solidFill>
+          </a:ln>
+        </p:spPr>
+      </p:pic>
+      <p:pic>
+        <p:nvPicPr>
+          <p:cNvPr id="30" name="Imagem 29">
+            <a:extLst>
+              <a:ext uri="{FF2B5EF4-FFF2-40B4-BE49-F238E27FC236}">
+                <a16:creationId xmlns:a16="http://schemas.microsoft.com/office/drawing/2014/main" id="{A6734CDE-8C2A-0FD8-4889-E8DE71781962}"/>
+              </a:ext>
+            </a:extLst>
+          </p:cNvPr>
+          <p:cNvPicPr>
+            <a:picLocks noChangeAspect="1"/>
+          </p:cNvPicPr>
+          <p:nvPr/>
+        </p:nvPicPr>
+        <p:blipFill>
+          <a:blip r:embed="rId3"/>
+          <a:stretch>
+            <a:fillRect/>
+          </a:stretch>
+        </p:blipFill>
+        <p:spPr>
+          <a:xfrm>
+            <a:off x="2151216" y="3115762"/>
+            <a:ext cx="7992590" cy="800212"/>
+          </a:xfrm>
+          <a:prstGeom prst="rect">
+            <a:avLst/>
+          </a:prstGeom>
+        </p:spPr>
+      </p:pic>
+      <p:sp>
+        <p:nvSpPr>
+          <p:cNvPr id="13" name="Retângulo: Cantos Arredondados 12">
+            <a:extLst>
+              <a:ext uri="{FF2B5EF4-FFF2-40B4-BE49-F238E27FC236}">
+                <a16:creationId xmlns:a16="http://schemas.microsoft.com/office/drawing/2014/main" id="{990A1764-1427-24A6-368A-37BE9AFFD4E0}"/>
+              </a:ext>
+            </a:extLst>
+          </p:cNvPr>
+          <p:cNvSpPr/>
+          <p:nvPr/>
+        </p:nvSpPr>
+        <p:spPr>
+          <a:xfrm>
+            <a:off x="2121408" y="3310128"/>
+            <a:ext cx="1517904" cy="411480"/>
+          </a:xfrm>
+          <a:prstGeom prst="roundRect">
+            <a:avLst/>
+          </a:prstGeom>
+          <a:noFill/>
+          <a:ln w="28575" cap="flat" cmpd="sng" algn="ctr">
+            <a:solidFill>
+              <a:schemeClr val="accent2"/>
+            </a:solidFill>
+            <a:prstDash val="solid"/>
+            <a:round/>
+            <a:headEnd type="none" w="med" len="med"/>
+            <a:tailEnd type="none" w="med" len="med"/>
+          </a:ln>
+        </p:spPr>
+        <p:style>
+          <a:lnRef idx="0">
+            <a:scrgbClr r="0" g="0" b="0"/>
+          </a:lnRef>
+          <a:fillRef idx="0">
+            <a:scrgbClr r="0" g="0" b="0"/>
+          </a:fillRef>
+          <a:effectRef idx="0">
+            <a:scrgbClr r="0" g="0" b="0"/>
+          </a:effectRef>
+          <a:fontRef idx="minor">
+            <a:schemeClr val="accent2"/>
+          </a:fontRef>
+        </p:style>
+        <p:txBody>
+          <a:bodyPr rtlCol="0" anchor="ctr"/>
+          <a:lstStyle/>
+          <a:p>
+            <a:pPr algn="ctr"/>
+            <a:endParaRPr lang="pt-BR"/>
+          </a:p>
+        </p:txBody>
+      </p:sp>
+      <p:sp>
+        <p:nvSpPr>
+          <p:cNvPr id="19" name="Retângulo: Cantos Arredondados 18">
+            <a:extLst>
+              <a:ext uri="{FF2B5EF4-FFF2-40B4-BE49-F238E27FC236}">
+                <a16:creationId xmlns:a16="http://schemas.microsoft.com/office/drawing/2014/main" id="{184BD004-3F75-3C20-EA98-A16B06339F9A}"/>
+              </a:ext>
+            </a:extLst>
+          </p:cNvPr>
+          <p:cNvSpPr/>
+          <p:nvPr/>
+        </p:nvSpPr>
+        <p:spPr>
+          <a:xfrm>
+            <a:off x="6601968" y="3310128"/>
+            <a:ext cx="1554480" cy="411480"/>
+          </a:xfrm>
+          <a:prstGeom prst="roundRect">
+            <a:avLst/>
+          </a:prstGeom>
+          <a:noFill/>
+          <a:ln w="28575" cap="flat" cmpd="sng" algn="ctr">
+            <a:solidFill>
+              <a:srgbClr val="00B0F0"/>
+            </a:solidFill>
+            <a:prstDash val="solid"/>
+            <a:round/>
+            <a:headEnd type="none" w="med" len="med"/>
+            <a:tailEnd type="none" w="med" len="med"/>
+          </a:ln>
+        </p:spPr>
+        <p:style>
+          <a:lnRef idx="0">
+            <a:scrgbClr r="0" g="0" b="0"/>
+          </a:lnRef>
+          <a:fillRef idx="0">
+            <a:scrgbClr r="0" g="0" b="0"/>
+          </a:fillRef>
+          <a:effectRef idx="0">
+            <a:scrgbClr r="0" g="0" b="0"/>
+          </a:effectRef>
+          <a:fontRef idx="minor">
+            <a:schemeClr val="accent2"/>
+          </a:fontRef>
+        </p:style>
+        <p:txBody>
+          <a:bodyPr rtlCol="0" anchor="ctr"/>
+          <a:lstStyle/>
+          <a:p>
+            <a:pPr algn="ctr"/>
+            <a:endParaRPr lang="pt-BR"/>
+          </a:p>
+        </p:txBody>
+      </p:sp>
+      <p:sp>
+        <p:nvSpPr>
+          <p:cNvPr id="27" name="Retângulo: Cantos Arredondados 26">
+            <a:extLst>
+              <a:ext uri="{FF2B5EF4-FFF2-40B4-BE49-F238E27FC236}">
+                <a16:creationId xmlns:a16="http://schemas.microsoft.com/office/drawing/2014/main" id="{1E240444-77D5-80D1-2D32-9F066C522140}"/>
+              </a:ext>
+            </a:extLst>
+          </p:cNvPr>
+          <p:cNvSpPr/>
+          <p:nvPr/>
+        </p:nvSpPr>
+        <p:spPr>
+          <a:xfrm>
+            <a:off x="8531352" y="3310128"/>
+            <a:ext cx="1600653" cy="411480"/>
+          </a:xfrm>
+          <a:prstGeom prst="roundRect">
+            <a:avLst/>
+          </a:prstGeom>
+          <a:noFill/>
+          <a:ln w="28575" cap="flat" cmpd="sng" algn="ctr">
+            <a:solidFill>
+              <a:srgbClr val="7030A0"/>
+            </a:solidFill>
+            <a:prstDash val="solid"/>
+            <a:round/>
+            <a:headEnd type="none" w="med" len="med"/>
+            <a:tailEnd type="none" w="med" len="med"/>
+          </a:ln>
+        </p:spPr>
+        <p:style>
+          <a:lnRef idx="0">
+            <a:scrgbClr r="0" g="0" b="0"/>
+          </a:lnRef>
+          <a:fillRef idx="0">
+            <a:scrgbClr r="0" g="0" b="0"/>
+          </a:fillRef>
+          <a:effectRef idx="0">
+            <a:scrgbClr r="0" g="0" b="0"/>
+          </a:effectRef>
+          <a:fontRef idx="minor">
+            <a:schemeClr val="accent2"/>
+          </a:fontRef>
+        </p:style>
+        <p:txBody>
+          <a:bodyPr rtlCol="0" anchor="ctr"/>
+          <a:lstStyle/>
+          <a:p>
+            <a:pPr algn="ctr"/>
+            <a:endParaRPr lang="pt-BR"/>
+          </a:p>
+        </p:txBody>
+      </p:sp>
+      <p:sp>
+        <p:nvSpPr>
+          <p:cNvPr id="28" name="Retângulo: Cantos Arredondados 27">
+            <a:extLst>
+              <a:ext uri="{FF2B5EF4-FFF2-40B4-BE49-F238E27FC236}">
+                <a16:creationId xmlns:a16="http://schemas.microsoft.com/office/drawing/2014/main" id="{44CC7EF7-B79B-FF0B-CF0F-08B45BDA91B6}"/>
+              </a:ext>
+            </a:extLst>
+          </p:cNvPr>
+          <p:cNvSpPr/>
+          <p:nvPr/>
+        </p:nvSpPr>
+        <p:spPr>
+          <a:xfrm>
+            <a:off x="4626410" y="3315719"/>
+            <a:ext cx="1600653" cy="411480"/>
+          </a:xfrm>
+          <a:prstGeom prst="roundRect">
+            <a:avLst/>
+          </a:prstGeom>
+          <a:noFill/>
+          <a:ln w="28575" cap="flat" cmpd="sng" algn="ctr">
+            <a:solidFill>
+              <a:srgbClr val="7030A0"/>
+            </a:solidFill>
+            <a:prstDash val="solid"/>
+            <a:round/>
+            <a:headEnd type="none" w="med" len="med"/>
+            <a:tailEnd type="none" w="med" len="med"/>
+          </a:ln>
+        </p:spPr>
+        <p:style>
+          <a:lnRef idx="0">
+            <a:scrgbClr r="0" g="0" b="0"/>
+          </a:lnRef>
+          <a:fillRef idx="0">
+            <a:scrgbClr r="0" g="0" b="0"/>
+          </a:fillRef>
+          <a:effectRef idx="0">
+            <a:scrgbClr r="0" g="0" b="0"/>
+          </a:effectRef>
+          <a:fontRef idx="minor">
+            <a:schemeClr val="accent2"/>
+          </a:fontRef>
+        </p:style>
+        <p:txBody>
+          <a:bodyPr rtlCol="0" anchor="ctr"/>
+          <a:lstStyle/>
+          <a:p>
+            <a:pPr algn="ctr"/>
+            <a:endParaRPr lang="pt-BR"/>
+          </a:p>
+        </p:txBody>
+      </p:sp>
+      <p:cxnSp>
+        <p:nvCxnSpPr>
+          <p:cNvPr id="32" name="Conector: Angulado 31">
+            <a:extLst>
+              <a:ext uri="{FF2B5EF4-FFF2-40B4-BE49-F238E27FC236}">
+                <a16:creationId xmlns:a16="http://schemas.microsoft.com/office/drawing/2014/main" id="{4C83BAEB-33B1-EC30-EAC6-C600932B4E3E}"/>
+              </a:ext>
+            </a:extLst>
+          </p:cNvPr>
+          <p:cNvCxnSpPr>
+            <a:stCxn id="19" idx="0"/>
+            <a:endCxn id="26" idx="2"/>
+          </p:cNvCxnSpPr>
+          <p:nvPr/>
+        </p:nvCxnSpPr>
+        <p:spPr>
+          <a:xfrm rot="16200000" flipV="1">
+            <a:off x="5758990" y="1689910"/>
+            <a:ext cx="1148689" cy="2091748"/>
+          </a:xfrm>
+          <a:prstGeom prst="bentConnector3">
+            <a:avLst/>
+          </a:prstGeom>
+          <a:ln>
+            <a:solidFill>
+              <a:srgbClr val="00B0F0"/>
+            </a:solidFill>
+            <a:tailEnd type="triangle"/>
+          </a:ln>
+        </p:spPr>
+        <p:style>
+          <a:lnRef idx="2">
+            <a:schemeClr val="accent1"/>
+          </a:lnRef>
+          <a:fillRef idx="0">
+            <a:schemeClr val="accent1"/>
+          </a:fillRef>
+          <a:effectRef idx="1">
+            <a:schemeClr val="accent1"/>
+          </a:effectRef>
+          <a:fontRef idx="minor">
+            <a:schemeClr val="tx1"/>
+          </a:fontRef>
+        </p:style>
+      </p:cxnSp>
+      <p:pic>
+        <p:nvPicPr>
+          <p:cNvPr id="37" name="Imagem 36">
+            <a:extLst>
+              <a:ext uri="{FF2B5EF4-FFF2-40B4-BE49-F238E27FC236}">
+                <a16:creationId xmlns:a16="http://schemas.microsoft.com/office/drawing/2014/main" id="{E5C1619F-0D98-CD50-4503-2CC568DF8AD9}"/>
+              </a:ext>
+            </a:extLst>
+          </p:cNvPr>
+          <p:cNvPicPr>
+            <a:picLocks noChangeAspect="1"/>
+          </p:cNvPicPr>
+          <p:nvPr/>
+        </p:nvPicPr>
+        <p:blipFill>
+          <a:blip r:embed="rId4"/>
+          <a:srcRect l="7889" t="12406" r="6616" b="22509"/>
+          <a:stretch/>
+        </p:blipFill>
+        <p:spPr>
+          <a:xfrm>
+            <a:off x="6605271" y="5099814"/>
+            <a:ext cx="2402645" cy="719225"/>
+          </a:xfrm>
+          <a:prstGeom prst="rect">
+            <a:avLst/>
+          </a:prstGeom>
+          <a:ln w="28575">
+            <a:solidFill>
+              <a:srgbClr val="7030A0"/>
+            </a:solidFill>
+          </a:ln>
+        </p:spPr>
+      </p:pic>
+      <p:cxnSp>
+        <p:nvCxnSpPr>
+          <p:cNvPr id="39" name="Conector: Angulado 38">
+            <a:extLst>
+              <a:ext uri="{FF2B5EF4-FFF2-40B4-BE49-F238E27FC236}">
+                <a16:creationId xmlns:a16="http://schemas.microsoft.com/office/drawing/2014/main" id="{9084CE56-339D-C33A-B4D4-D6DBD706B0E1}"/>
+              </a:ext>
+            </a:extLst>
+          </p:cNvPr>
+          <p:cNvCxnSpPr>
+            <a:stCxn id="28" idx="2"/>
+            <a:endCxn id="37" idx="0"/>
+          </p:cNvCxnSpPr>
+          <p:nvPr/>
+        </p:nvCxnSpPr>
+        <p:spPr>
+          <a:xfrm rot="16200000" flipH="1">
+            <a:off x="5930358" y="3223577"/>
+            <a:ext cx="1372615" cy="2379857"/>
+          </a:xfrm>
+          <a:prstGeom prst="bentConnector3">
+            <a:avLst/>
+          </a:prstGeom>
+          <a:ln>
+            <a:solidFill>
+              <a:srgbClr val="7030A0"/>
+            </a:solidFill>
+            <a:tailEnd type="triangle"/>
+          </a:ln>
+        </p:spPr>
+        <p:style>
+          <a:lnRef idx="2">
+            <a:schemeClr val="accent5"/>
+          </a:lnRef>
+          <a:fillRef idx="0">
+            <a:schemeClr val="accent5"/>
+          </a:fillRef>
+          <a:effectRef idx="1">
+            <a:schemeClr val="accent5"/>
+          </a:effectRef>
+          <a:fontRef idx="minor">
+            <a:schemeClr val="tx1"/>
+          </a:fontRef>
+        </p:style>
+      </p:cxnSp>
+      <p:cxnSp>
+        <p:nvCxnSpPr>
+          <p:cNvPr id="41" name="Conector: Angulado 40">
+            <a:extLst>
+              <a:ext uri="{FF2B5EF4-FFF2-40B4-BE49-F238E27FC236}">
+                <a16:creationId xmlns:a16="http://schemas.microsoft.com/office/drawing/2014/main" id="{BB49FF68-FA8D-339D-F493-7DC352D19BCE}"/>
+              </a:ext>
+            </a:extLst>
+          </p:cNvPr>
+          <p:cNvCxnSpPr>
+            <a:stCxn id="27" idx="2"/>
+            <a:endCxn id="37" idx="0"/>
+          </p:cNvCxnSpPr>
+          <p:nvPr/>
+        </p:nvCxnSpPr>
+        <p:spPr>
+          <a:xfrm rot="5400000">
+            <a:off x="7880034" y="3648169"/>
+            <a:ext cx="1378206" cy="1525085"/>
+          </a:xfrm>
+          <a:prstGeom prst="bentConnector3">
+            <a:avLst>
+              <a:gd name="adj1" fmla="val 50663"/>
+            </a:avLst>
+          </a:prstGeom>
+          <a:ln>
+            <a:solidFill>
+              <a:srgbClr val="7030A0"/>
+            </a:solidFill>
+            <a:tailEnd type="triangle"/>
+          </a:ln>
+        </p:spPr>
+        <p:style>
+          <a:lnRef idx="2">
+            <a:schemeClr val="accent1"/>
+          </a:lnRef>
+          <a:fillRef idx="0">
+            <a:schemeClr val="accent1"/>
+          </a:fillRef>
+          <a:effectRef idx="1">
+            <a:schemeClr val="accent1"/>
+          </a:effectRef>
+          <a:fontRef idx="minor">
+            <a:schemeClr val="tx1"/>
+          </a:fontRef>
+        </p:style>
+      </p:cxnSp>
+      <p:pic>
+        <p:nvPicPr>
+          <p:cNvPr id="3" name="Imagem 2">
+            <a:extLst>
+              <a:ext uri="{FF2B5EF4-FFF2-40B4-BE49-F238E27FC236}">
+                <a16:creationId xmlns:a16="http://schemas.microsoft.com/office/drawing/2014/main" id="{C9E36E7E-0594-85A7-657C-5A053165EAEA}"/>
+              </a:ext>
+            </a:extLst>
+          </p:cNvPr>
+          <p:cNvPicPr>
+            <a:picLocks noChangeAspect="1"/>
+          </p:cNvPicPr>
+          <p:nvPr/>
+        </p:nvPicPr>
+        <p:blipFill>
+          <a:blip r:embed="rId5"/>
+          <a:srcRect l="4364" t="14709" r="5821" b="29194"/>
+          <a:stretch/>
+        </p:blipFill>
+        <p:spPr>
+          <a:xfrm>
+            <a:off x="514350" y="1749960"/>
+            <a:ext cx="2062026" cy="411480"/>
+          </a:xfrm>
+          <a:prstGeom prst="rect">
+            <a:avLst/>
+          </a:prstGeom>
+          <a:ln w="28575">
+            <a:solidFill>
+              <a:schemeClr val="accent2"/>
+            </a:solidFill>
+          </a:ln>
+        </p:spPr>
+      </p:pic>
+      <p:cxnSp>
+        <p:nvCxnSpPr>
+          <p:cNvPr id="5" name="Conector: Angulado 4">
+            <a:extLst>
+              <a:ext uri="{FF2B5EF4-FFF2-40B4-BE49-F238E27FC236}">
+                <a16:creationId xmlns:a16="http://schemas.microsoft.com/office/drawing/2014/main" id="{005B2EF8-6EE9-EDE4-1572-588EC51EC0DF}"/>
+              </a:ext>
+            </a:extLst>
+          </p:cNvPr>
+          <p:cNvCxnSpPr>
+            <a:stCxn id="13" idx="0"/>
+            <a:endCxn id="3" idx="2"/>
+          </p:cNvCxnSpPr>
+          <p:nvPr/>
+        </p:nvCxnSpPr>
+        <p:spPr>
+          <a:xfrm rot="16200000" flipV="1">
+            <a:off x="1638518" y="2068285"/>
+            <a:ext cx="1148688" cy="1334997"/>
+          </a:xfrm>
+          <a:prstGeom prst="bentConnector3">
+            <a:avLst/>
+          </a:prstGeom>
+          <a:ln>
+            <a:solidFill>
+              <a:schemeClr val="accent2"/>
+            </a:solidFill>
+            <a:tailEnd type="triangle"/>
+          </a:ln>
+        </p:spPr>
+        <p:style>
+          <a:lnRef idx="2">
+            <a:schemeClr val="accent1"/>
+          </a:lnRef>
+          <a:fillRef idx="0">
+            <a:schemeClr val="accent1"/>
+          </a:fillRef>
+          <a:effectRef idx="1">
+            <a:schemeClr val="accent1"/>
+          </a:effectRef>
+          <a:fontRef idx="minor">
+            <a:schemeClr val="tx1"/>
+          </a:fontRef>
+        </p:style>
+      </p:cxnSp>
+      <p:sp>
+        <p:nvSpPr>
+          <p:cNvPr id="6" name="Retângulo: Cantos Arredondados 5">
+            <a:extLst>
+              <a:ext uri="{FF2B5EF4-FFF2-40B4-BE49-F238E27FC236}">
+                <a16:creationId xmlns:a16="http://schemas.microsoft.com/office/drawing/2014/main" id="{75730835-86DA-D63E-9DAD-6F5640A2E667}"/>
+              </a:ext>
+            </a:extLst>
+          </p:cNvPr>
+          <p:cNvSpPr/>
+          <p:nvPr/>
+        </p:nvSpPr>
+        <p:spPr>
+          <a:xfrm>
+            <a:off x="2090475" y="1810511"/>
+            <a:ext cx="485901" cy="318005"/>
+          </a:xfrm>
+          <a:prstGeom prst="roundRect">
+            <a:avLst/>
+          </a:prstGeom>
+          <a:noFill/>
+          <a:ln w="28575" cap="flat" cmpd="sng" algn="ctr">
+            <a:solidFill>
+              <a:srgbClr val="7030A0"/>
+            </a:solidFill>
+            <a:prstDash val="solid"/>
+            <a:round/>
+            <a:headEnd type="none" w="med" len="med"/>
+            <a:tailEnd type="none" w="med" len="med"/>
+          </a:ln>
+        </p:spPr>
+        <p:style>
+          <a:lnRef idx="0">
+            <a:scrgbClr r="0" g="0" b="0"/>
+          </a:lnRef>
+          <a:fillRef idx="0">
+            <a:scrgbClr r="0" g="0" b="0"/>
+          </a:fillRef>
+          <a:effectRef idx="0">
+            <a:scrgbClr r="0" g="0" b="0"/>
+          </a:effectRef>
+          <a:fontRef idx="minor">
+            <a:schemeClr val="accent2"/>
+          </a:fontRef>
+        </p:style>
+        <p:txBody>
+          <a:bodyPr rtlCol="0" anchor="ctr"/>
+          <a:lstStyle/>
+          <a:p>
+            <a:pPr algn="ctr"/>
+            <a:endParaRPr lang="pt-BR"/>
+          </a:p>
+        </p:txBody>
+      </p:sp>
+      <p:sp>
+        <p:nvSpPr>
+          <p:cNvPr id="7" name="Retângulo: Cantos Arredondados 6">
+            <a:extLst>
+              <a:ext uri="{FF2B5EF4-FFF2-40B4-BE49-F238E27FC236}">
+                <a16:creationId xmlns:a16="http://schemas.microsoft.com/office/drawing/2014/main" id="{0A747C04-A5E6-6256-0671-94242E76BD2B}"/>
+              </a:ext>
+            </a:extLst>
+          </p:cNvPr>
+          <p:cNvSpPr/>
+          <p:nvPr/>
+        </p:nvSpPr>
+        <p:spPr>
+          <a:xfrm>
+            <a:off x="1215954" y="1810512"/>
+            <a:ext cx="485901" cy="329590"/>
+          </a:xfrm>
+          <a:prstGeom prst="roundRect">
+            <a:avLst/>
+          </a:prstGeom>
+          <a:noFill/>
+          <a:ln w="28575" cap="flat" cmpd="sng" algn="ctr">
+            <a:solidFill>
+              <a:srgbClr val="7030A0"/>
+            </a:solidFill>
+            <a:prstDash val="solid"/>
+            <a:round/>
+            <a:headEnd type="none" w="med" len="med"/>
+            <a:tailEnd type="none" w="med" len="med"/>
+          </a:ln>
+        </p:spPr>
+        <p:style>
+          <a:lnRef idx="0">
+            <a:scrgbClr r="0" g="0" b="0"/>
+          </a:lnRef>
+          <a:fillRef idx="0">
+            <a:scrgbClr r="0" g="0" b="0"/>
+          </a:fillRef>
+          <a:effectRef idx="0">
+            <a:scrgbClr r="0" g="0" b="0"/>
+          </a:effectRef>
+          <a:fontRef idx="minor">
+            <a:schemeClr val="accent2"/>
+          </a:fontRef>
+        </p:style>
+        <p:txBody>
+          <a:bodyPr rtlCol="0" anchor="ctr"/>
+          <a:lstStyle/>
+          <a:p>
+            <a:pPr algn="ctr"/>
+            <a:endParaRPr lang="pt-BR"/>
+          </a:p>
+        </p:txBody>
+      </p:sp>
+      <p:sp>
+        <p:nvSpPr>
+          <p:cNvPr id="8" name="Retângulo: Cantos Arredondados 7">
+            <a:extLst>
+              <a:ext uri="{FF2B5EF4-FFF2-40B4-BE49-F238E27FC236}">
+                <a16:creationId xmlns:a16="http://schemas.microsoft.com/office/drawing/2014/main" id="{EEFB4953-76C5-61DD-BCEF-A051CB2317FC}"/>
+              </a:ext>
+            </a:extLst>
+          </p:cNvPr>
+          <p:cNvSpPr/>
+          <p:nvPr/>
+        </p:nvSpPr>
+        <p:spPr>
+          <a:xfrm>
+            <a:off x="1701855" y="1761545"/>
+            <a:ext cx="388620" cy="378557"/>
+          </a:xfrm>
+          <a:prstGeom prst="roundRect">
+            <a:avLst/>
+          </a:prstGeom>
+          <a:noFill/>
+          <a:ln w="28575" cap="flat" cmpd="sng" algn="ctr">
+            <a:solidFill>
+              <a:srgbClr val="00B0F0"/>
+            </a:solidFill>
+            <a:prstDash val="solid"/>
+            <a:round/>
+            <a:headEnd type="none" w="med" len="med"/>
+            <a:tailEnd type="none" w="med" len="med"/>
+          </a:ln>
+        </p:spPr>
+        <p:style>
+          <a:lnRef idx="0">
+            <a:scrgbClr r="0" g="0" b="0"/>
+          </a:lnRef>
+          <a:fillRef idx="0">
+            <a:scrgbClr r="0" g="0" b="0"/>
+          </a:fillRef>
+          <a:effectRef idx="0">
+            <a:scrgbClr r="0" g="0" b="0"/>
+          </a:effectRef>
+          <a:fontRef idx="minor">
+            <a:schemeClr val="accent2"/>
+          </a:fontRef>
+        </p:style>
+        <p:txBody>
+          <a:bodyPr rtlCol="0" anchor="ctr"/>
+          <a:lstStyle/>
+          <a:p>
+            <a:pPr algn="ctr"/>
+            <a:endParaRPr lang="pt-BR"/>
+          </a:p>
+        </p:txBody>
+      </p:sp>
+      <p:sp>
+        <p:nvSpPr>
+          <p:cNvPr id="9" name="Retângulo: Cantos Arredondados 8">
+            <a:extLst>
+              <a:ext uri="{FF2B5EF4-FFF2-40B4-BE49-F238E27FC236}">
+                <a16:creationId xmlns:a16="http://schemas.microsoft.com/office/drawing/2014/main" id="{3EA480D6-1321-DD04-2051-1377951DBDD7}"/>
+              </a:ext>
+            </a:extLst>
+          </p:cNvPr>
+          <p:cNvSpPr/>
+          <p:nvPr/>
+        </p:nvSpPr>
+        <p:spPr>
+          <a:xfrm>
+            <a:off x="6032499" y="1757408"/>
+            <a:ext cx="1188806" cy="312692"/>
+          </a:xfrm>
+          <a:prstGeom prst="roundRect">
+            <a:avLst/>
+          </a:prstGeom>
+          <a:noFill/>
+          <a:ln w="28575" cap="flat" cmpd="sng" algn="ctr">
+            <a:solidFill>
+              <a:schemeClr val="accent4">
+                <a:lumMod val="75000"/>
+              </a:schemeClr>
+            </a:solidFill>
+            <a:prstDash val="solid"/>
+            <a:round/>
+            <a:headEnd type="none" w="med" len="med"/>
+            <a:tailEnd type="none" w="med" len="med"/>
+          </a:ln>
+        </p:spPr>
+        <p:style>
+          <a:lnRef idx="0">
+            <a:scrgbClr r="0" g="0" b="0"/>
+          </a:lnRef>
+          <a:fillRef idx="0">
+            <a:scrgbClr r="0" g="0" b="0"/>
+          </a:fillRef>
+          <a:effectRef idx="0">
+            <a:scrgbClr r="0" g="0" b="0"/>
+          </a:effectRef>
+          <a:fontRef idx="minor">
+            <a:schemeClr val="accent2"/>
+          </a:fontRef>
+        </p:style>
+        <p:txBody>
+          <a:bodyPr rtlCol="0" anchor="ctr"/>
+          <a:lstStyle/>
+          <a:p>
+            <a:pPr algn="ctr"/>
+            <a:endParaRPr lang="pt-BR"/>
+          </a:p>
+        </p:txBody>
+      </p:sp>
+      <p:pic>
+        <p:nvPicPr>
+          <p:cNvPr id="10" name="Imagem 9">
+            <a:extLst>
+              <a:ext uri="{FF2B5EF4-FFF2-40B4-BE49-F238E27FC236}">
+                <a16:creationId xmlns:a16="http://schemas.microsoft.com/office/drawing/2014/main" id="{764F7BEE-9271-3366-2737-496CEBA8C21C}"/>
+              </a:ext>
+            </a:extLst>
+          </p:cNvPr>
+          <p:cNvPicPr>
+            <a:picLocks noChangeAspect="1"/>
+          </p:cNvPicPr>
+          <p:nvPr/>
+        </p:nvPicPr>
+        <p:blipFill>
+          <a:blip r:embed="rId6"/>
+          <a:srcRect l="39272"/>
+          <a:stretch/>
+        </p:blipFill>
+        <p:spPr>
+          <a:xfrm>
+            <a:off x="6457363" y="344935"/>
+            <a:ext cx="2487621" cy="457264"/>
+          </a:xfrm>
+          <a:prstGeom prst="rect">
+            <a:avLst/>
+          </a:prstGeom>
+          <a:ln w="28575">
+            <a:solidFill>
+              <a:schemeClr val="accent4">
+                <a:lumMod val="50000"/>
+              </a:schemeClr>
+            </a:solidFill>
+          </a:ln>
+        </p:spPr>
+      </p:pic>
+      <p:pic>
+        <p:nvPicPr>
+          <p:cNvPr id="11" name="Imagem 10">
+            <a:extLst>
+              <a:ext uri="{FF2B5EF4-FFF2-40B4-BE49-F238E27FC236}">
+                <a16:creationId xmlns:a16="http://schemas.microsoft.com/office/drawing/2014/main" id="{CC9421D9-BA0D-C065-D286-4F68DD29559A}"/>
+              </a:ext>
+            </a:extLst>
+          </p:cNvPr>
+          <p:cNvPicPr>
+            <a:picLocks noChangeAspect="1"/>
+          </p:cNvPicPr>
+          <p:nvPr/>
+        </p:nvPicPr>
+        <p:blipFill>
+          <a:blip r:embed="rId7"/>
+          <a:srcRect l="62400"/>
+          <a:stretch/>
+        </p:blipFill>
+        <p:spPr>
+          <a:xfrm>
+            <a:off x="9125712" y="1245547"/>
+            <a:ext cx="774477" cy="564964"/>
+          </a:xfrm>
+          <a:prstGeom prst="rect">
+            <a:avLst/>
+          </a:prstGeom>
+          <a:ln w="28575">
+            <a:solidFill>
+              <a:schemeClr val="accent4">
+                <a:lumMod val="50000"/>
+              </a:schemeClr>
+            </a:solidFill>
+          </a:ln>
+        </p:spPr>
+      </p:pic>
+      <p:cxnSp>
+        <p:nvCxnSpPr>
+          <p:cNvPr id="14" name="Conector: Angulado 13">
+            <a:extLst>
+              <a:ext uri="{FF2B5EF4-FFF2-40B4-BE49-F238E27FC236}">
+                <a16:creationId xmlns:a16="http://schemas.microsoft.com/office/drawing/2014/main" id="{09EDB861-35AC-3E82-0117-B765BE73B0C1}"/>
+              </a:ext>
+            </a:extLst>
+          </p:cNvPr>
+          <p:cNvCxnSpPr>
+            <a:stCxn id="9" idx="0"/>
+            <a:endCxn id="10" idx="2"/>
+          </p:cNvCxnSpPr>
+          <p:nvPr/>
+        </p:nvCxnSpPr>
+        <p:spPr>
+          <a:xfrm rot="5400000" flipH="1" flipV="1">
+            <a:off x="6686434" y="742668"/>
+            <a:ext cx="955209" cy="1074272"/>
+          </a:xfrm>
+          <a:prstGeom prst="bentConnector3">
+            <a:avLst/>
+          </a:prstGeom>
+          <a:ln>
+            <a:tailEnd type="triangle"/>
+          </a:ln>
+        </p:spPr>
+        <p:style>
+          <a:lnRef idx="2">
+            <a:schemeClr val="accent1"/>
+          </a:lnRef>
+          <a:fillRef idx="0">
+            <a:schemeClr val="accent1"/>
+          </a:fillRef>
+          <a:effectRef idx="1">
+            <a:schemeClr val="accent1"/>
+          </a:effectRef>
+          <a:fontRef idx="minor">
+            <a:schemeClr val="tx1"/>
+          </a:fontRef>
+        </p:style>
+      </p:cxnSp>
+      <p:cxnSp>
+        <p:nvCxnSpPr>
+          <p:cNvPr id="16" name="Conector: Angulado 15">
+            <a:extLst>
+              <a:ext uri="{FF2B5EF4-FFF2-40B4-BE49-F238E27FC236}">
+                <a16:creationId xmlns:a16="http://schemas.microsoft.com/office/drawing/2014/main" id="{28DA1A46-01DE-4B2A-FC8E-0BA1C67F9450}"/>
+              </a:ext>
+            </a:extLst>
+          </p:cNvPr>
+          <p:cNvCxnSpPr>
+            <a:stCxn id="9" idx="3"/>
+            <a:endCxn id="11" idx="1"/>
+          </p:cNvCxnSpPr>
+          <p:nvPr/>
+        </p:nvCxnSpPr>
+        <p:spPr>
+          <a:xfrm flipV="1">
+            <a:off x="7221305" y="1528029"/>
+            <a:ext cx="1904407" cy="385725"/>
+          </a:xfrm>
+          <a:prstGeom prst="bentConnector3">
+            <a:avLst/>
+          </a:prstGeom>
+          <a:ln>
+            <a:tailEnd type="triangle"/>
+          </a:ln>
+        </p:spPr>
+        <p:style>
+          <a:lnRef idx="2">
+            <a:schemeClr val="accent1"/>
+          </a:lnRef>
+          <a:fillRef idx="0">
+            <a:schemeClr val="accent1"/>
+          </a:fillRef>
+          <a:effectRef idx="1">
+            <a:schemeClr val="accent1"/>
+          </a:effectRef>
+          <a:fontRef idx="minor">
+            <a:schemeClr val="tx1"/>
+          </a:fontRef>
+        </p:style>
+      </p:cxnSp>
+    </p:spTree>
+    <p:extLst>
+      <p:ext uri="{BB962C8B-B14F-4D97-AF65-F5344CB8AC3E}">
+        <p14:creationId xmlns:p14="http://schemas.microsoft.com/office/powerpoint/2010/main" val="4280030687"/>
+      </p:ext>
+    </p:extLst>
+  </p:cSld>
+  <p:clrMapOvr>
+    <a:masterClrMapping/>
+  </p:clrMapOvr>
+  <mc:AlternateContent xmlns:mc="http://schemas.openxmlformats.org/markup-compatibility/2006">
+    <mc:Choice xmlns:p14="http://schemas.microsoft.com/office/powerpoint/2010/main" Requires="p14">
+      <p:transition spd="med" p14:dur="700">
+        <p:fade/>
+      </p:transition>
+    </mc:Choice>
+    <mc:Fallback>
+      <p:transition spd="med">
+        <p:fade/>
+      </p:transition>
+    </mc:Fallback>
+  </mc:AlternateContent>
+  <p:timing>
+    <p:tnLst>
+      <p:par>
+        <p:cTn id="1" dur="indefinite" restart="never" nodeType="tmRoot">
+          <p:childTnLst>
+            <p:seq concurrent="1" nextAc="seek">
+              <p:cTn id="2" dur="indefinite" nodeType="mainSeq">
+                <p:childTnLst>
+                  <p:par>
+                    <p:cTn id="3" fill="hold">
+                      <p:stCondLst>
+                        <p:cond delay="indefinite"/>
+                      </p:stCondLst>
+                      <p:childTnLst>
+                        <p:par>
+                          <p:cTn id="4" fill="hold">
+                            <p:stCondLst>
+                              <p:cond delay="0"/>
+                            </p:stCondLst>
+                            <p:childTnLst>
+                              <p:par>
+                                <p:cTn id="5" presetID="10" presetClass="entr" presetSubtype="0" fill="hold" nodeType="clickEffect">
+                                  <p:stCondLst>
+                                    <p:cond delay="0"/>
+                                  </p:stCondLst>
+                                  <p:childTnLst>
+                                    <p:set>
+                                      <p:cBhvr>
+                                        <p:cTn id="6" dur="1" fill="hold">
+                                          <p:stCondLst>
+                                            <p:cond delay="0"/>
+                                          </p:stCondLst>
+                                        </p:cTn>
+                                        <p:tgtEl>
+                                          <p:spTgt spid="11"/>
+                                        </p:tgtEl>
+                                        <p:attrNameLst>
+                                          <p:attrName>style.visibility</p:attrName>
+                                        </p:attrNameLst>
+                                      </p:cBhvr>
+                                      <p:to>
+                                        <p:strVal val="visible"/>
+                                      </p:to>
+                                    </p:set>
+                                    <p:animEffect transition="in" filter="fade">
+                                      <p:cBhvr>
+                                        <p:cTn id="7" dur="500"/>
+                                        <p:tgtEl>
+                                          <p:spTgt spid="11"/>
+                                        </p:tgtEl>
+                                      </p:cBhvr>
+                                    </p:animEffect>
+                                  </p:childTnLst>
+                                </p:cTn>
+                              </p:par>
+                              <p:par>
+                                <p:cTn id="8" presetID="10" presetClass="entr" presetSubtype="0" fill="hold" nodeType="withEffect">
+                                  <p:stCondLst>
+                                    <p:cond delay="0"/>
+                                  </p:stCondLst>
+                                  <p:childTnLst>
+                                    <p:set>
+                                      <p:cBhvr>
+                                        <p:cTn id="9" dur="1" fill="hold">
+                                          <p:stCondLst>
+                                            <p:cond delay="0"/>
+                                          </p:stCondLst>
+                                        </p:cTn>
+                                        <p:tgtEl>
+                                          <p:spTgt spid="16"/>
+                                        </p:tgtEl>
+                                        <p:attrNameLst>
+                                          <p:attrName>style.visibility</p:attrName>
+                                        </p:attrNameLst>
+                                      </p:cBhvr>
+                                      <p:to>
+                                        <p:strVal val="visible"/>
+                                      </p:to>
+                                    </p:set>
+                                    <p:animEffect transition="in" filter="fade">
+                                      <p:cBhvr>
+                                        <p:cTn id="10" dur="500"/>
+                                        <p:tgtEl>
+                                          <p:spTgt spid="16"/>
+                                        </p:tgtEl>
+                                      </p:cBhvr>
+                                    </p:animEffect>
+                                  </p:childTnLst>
+                                </p:cTn>
+                              </p:par>
+                              <p:par>
+                                <p:cTn id="11" presetID="10" presetClass="entr" presetSubtype="0" fill="hold" nodeType="withEffect">
+                                  <p:stCondLst>
+                                    <p:cond delay="0"/>
+                                  </p:stCondLst>
+                                  <p:childTnLst>
+                                    <p:set>
+                                      <p:cBhvr>
+                                        <p:cTn id="12" dur="1" fill="hold">
+                                          <p:stCondLst>
+                                            <p:cond delay="0"/>
+                                          </p:stCondLst>
+                                        </p:cTn>
+                                        <p:tgtEl>
+                                          <p:spTgt spid="10"/>
+                                        </p:tgtEl>
+                                        <p:attrNameLst>
+                                          <p:attrName>style.visibility</p:attrName>
+                                        </p:attrNameLst>
+                                      </p:cBhvr>
+                                      <p:to>
+                                        <p:strVal val="visible"/>
+                                      </p:to>
+                                    </p:set>
+                                    <p:animEffect transition="in" filter="fade">
+                                      <p:cBhvr>
+                                        <p:cTn id="13" dur="500"/>
+                                        <p:tgtEl>
+                                          <p:spTgt spid="10"/>
+                                        </p:tgtEl>
+                                      </p:cBhvr>
+                                    </p:animEffect>
+                                  </p:childTnLst>
+                                </p:cTn>
+                              </p:par>
+                              <p:par>
+                                <p:cTn id="14" presetID="10" presetClass="entr" presetSubtype="0" fill="hold" nodeType="withEffect">
+                                  <p:stCondLst>
+                                    <p:cond delay="0"/>
+                                  </p:stCondLst>
+                                  <p:childTnLst>
+                                    <p:set>
+                                      <p:cBhvr>
+                                        <p:cTn id="15" dur="1" fill="hold">
+                                          <p:stCondLst>
+                                            <p:cond delay="0"/>
+                                          </p:stCondLst>
+                                        </p:cTn>
+                                        <p:tgtEl>
+                                          <p:spTgt spid="14"/>
+                                        </p:tgtEl>
+                                        <p:attrNameLst>
+                                          <p:attrName>style.visibility</p:attrName>
+                                        </p:attrNameLst>
+                                      </p:cBhvr>
+                                      <p:to>
+                                        <p:strVal val="visible"/>
+                                      </p:to>
+                                    </p:set>
+                                    <p:animEffect transition="in" filter="fade">
+                                      <p:cBhvr>
+                                        <p:cTn id="16" dur="500"/>
+                                        <p:tgtEl>
+                                          <p:spTgt spid="14"/>
+                                        </p:tgtEl>
+                                      </p:cBhvr>
+                                    </p:animEffect>
+                                  </p:childTnLst>
+                                </p:cTn>
+                              </p:par>
+                            </p:childTnLst>
+                          </p:cTn>
+                        </p:par>
+                      </p:childTnLst>
+                    </p:cTn>
+                  </p:par>
+                  <p:par>
+                    <p:cTn id="17" fill="hold">
+                      <p:stCondLst>
+                        <p:cond delay="indefinite"/>
+                      </p:stCondLst>
+                      <p:childTnLst>
+                        <p:par>
+                          <p:cTn id="18" fill="hold">
+                            <p:stCondLst>
+                              <p:cond delay="0"/>
+                            </p:stCondLst>
+                            <p:childTnLst>
+                              <p:par>
+                                <p:cTn id="19" presetID="10" presetClass="entr" presetSubtype="0" fill="hold" nodeType="clickEffect">
+                                  <p:stCondLst>
+                                    <p:cond delay="0"/>
+                                  </p:stCondLst>
+                                  <p:childTnLst>
+                                    <p:set>
+                                      <p:cBhvr>
+                                        <p:cTn id="20" dur="1" fill="hold">
+                                          <p:stCondLst>
+                                            <p:cond delay="0"/>
+                                          </p:stCondLst>
+                                        </p:cTn>
+                                        <p:tgtEl>
+                                          <p:spTgt spid="3"/>
+                                        </p:tgtEl>
+                                        <p:attrNameLst>
+                                          <p:attrName>style.visibility</p:attrName>
+                                        </p:attrNameLst>
+                                      </p:cBhvr>
+                                      <p:to>
+                                        <p:strVal val="visible"/>
+                                      </p:to>
+                                    </p:set>
+                                    <p:animEffect transition="in" filter="fade">
+                                      <p:cBhvr>
+                                        <p:cTn id="21" dur="500"/>
+                                        <p:tgtEl>
+                                          <p:spTgt spid="3"/>
+                                        </p:tgtEl>
+                                      </p:cBhvr>
+                                    </p:animEffect>
+                                  </p:childTnLst>
+                                </p:cTn>
+                              </p:par>
+                              <p:par>
+                                <p:cTn id="22" presetID="10" presetClass="entr" presetSubtype="0" fill="hold" nodeType="withEffect">
+                                  <p:stCondLst>
+                                    <p:cond delay="0"/>
+                                  </p:stCondLst>
+                                  <p:childTnLst>
+                                    <p:set>
+                                      <p:cBhvr>
+                                        <p:cTn id="23" dur="1" fill="hold">
+                                          <p:stCondLst>
+                                            <p:cond delay="0"/>
+                                          </p:stCondLst>
+                                        </p:cTn>
+                                        <p:tgtEl>
+                                          <p:spTgt spid="5"/>
+                                        </p:tgtEl>
+                                        <p:attrNameLst>
+                                          <p:attrName>style.visibility</p:attrName>
+                                        </p:attrNameLst>
+                                      </p:cBhvr>
+                                      <p:to>
+                                        <p:strVal val="visible"/>
+                                      </p:to>
+                                    </p:set>
+                                    <p:animEffect transition="in" filter="fade">
+                                      <p:cBhvr>
+                                        <p:cTn id="24" dur="500"/>
+                                        <p:tgtEl>
+                                          <p:spTgt spid="5"/>
+                                        </p:tgtEl>
+                                      </p:cBhvr>
+                                    </p:animEffect>
+                                  </p:childTnLst>
+                                </p:cTn>
+                              </p:par>
+                            </p:childTnLst>
+                          </p:cTn>
+                        </p:par>
+                      </p:childTnLst>
+                    </p:cTn>
+                  </p:par>
+                  <p:par>
+                    <p:cTn id="25" fill="hold">
+                      <p:stCondLst>
+                        <p:cond delay="indefinite"/>
+                      </p:stCondLst>
+                      <p:childTnLst>
+                        <p:par>
+                          <p:cTn id="26" fill="hold">
+                            <p:stCondLst>
+                              <p:cond delay="0"/>
+                            </p:stCondLst>
+                            <p:childTnLst>
+                              <p:par>
+                                <p:cTn id="27" presetID="10" presetClass="entr" presetSubtype="0" fill="hold" grpId="0" nodeType="clickEffect">
+                                  <p:stCondLst>
+                                    <p:cond delay="0"/>
+                                  </p:stCondLst>
+                                  <p:childTnLst>
+                                    <p:set>
+                                      <p:cBhvr>
+                                        <p:cTn id="28" dur="1" fill="hold">
+                                          <p:stCondLst>
+                                            <p:cond delay="0"/>
+                                          </p:stCondLst>
+                                        </p:cTn>
+                                        <p:tgtEl>
+                                          <p:spTgt spid="6"/>
+                                        </p:tgtEl>
+                                        <p:attrNameLst>
+                                          <p:attrName>style.visibility</p:attrName>
+                                        </p:attrNameLst>
+                                      </p:cBhvr>
+                                      <p:to>
+                                        <p:strVal val="visible"/>
+                                      </p:to>
+                                    </p:set>
+                                    <p:animEffect transition="in" filter="fade">
+                                      <p:cBhvr>
+                                        <p:cTn id="29" dur="500"/>
+                                        <p:tgtEl>
+                                          <p:spTgt spid="6"/>
+                                        </p:tgtEl>
+                                      </p:cBhvr>
+                                    </p:animEffect>
+                                  </p:childTnLst>
+                                </p:cTn>
+                              </p:par>
+                              <p:par>
+                                <p:cTn id="30" presetID="10" presetClass="entr" presetSubtype="0" fill="hold" grpId="0" nodeType="withEffect">
+                                  <p:stCondLst>
+                                    <p:cond delay="0"/>
+                                  </p:stCondLst>
+                                  <p:childTnLst>
+                                    <p:set>
+                                      <p:cBhvr>
+                                        <p:cTn id="31" dur="1" fill="hold">
+                                          <p:stCondLst>
+                                            <p:cond delay="0"/>
+                                          </p:stCondLst>
+                                        </p:cTn>
+                                        <p:tgtEl>
+                                          <p:spTgt spid="7"/>
+                                        </p:tgtEl>
+                                        <p:attrNameLst>
+                                          <p:attrName>style.visibility</p:attrName>
+                                        </p:attrNameLst>
+                                      </p:cBhvr>
+                                      <p:to>
+                                        <p:strVal val="visible"/>
+                                      </p:to>
+                                    </p:set>
+                                    <p:animEffect transition="in" filter="fade">
+                                      <p:cBhvr>
+                                        <p:cTn id="32" dur="500"/>
+                                        <p:tgtEl>
+                                          <p:spTgt spid="7"/>
+                                        </p:tgtEl>
+                                      </p:cBhvr>
+                                    </p:animEffect>
+                                  </p:childTnLst>
+                                </p:cTn>
+                              </p:par>
+                              <p:par>
+                                <p:cTn id="33" presetID="10" presetClass="entr" presetSubtype="0" fill="hold" grpId="0" nodeType="withEffect">
+                                  <p:stCondLst>
+                                    <p:cond delay="0"/>
+                                  </p:stCondLst>
+                                  <p:childTnLst>
+                                    <p:set>
+                                      <p:cBhvr>
+                                        <p:cTn id="34" dur="1" fill="hold">
+                                          <p:stCondLst>
+                                            <p:cond delay="0"/>
+                                          </p:stCondLst>
+                                        </p:cTn>
+                                        <p:tgtEl>
+                                          <p:spTgt spid="8"/>
+                                        </p:tgtEl>
+                                        <p:attrNameLst>
+                                          <p:attrName>style.visibility</p:attrName>
+                                        </p:attrNameLst>
+                                      </p:cBhvr>
+                                      <p:to>
+                                        <p:strVal val="visible"/>
+                                      </p:to>
+                                    </p:set>
+                                    <p:animEffect transition="in" filter="fade">
+                                      <p:cBhvr>
+                                        <p:cTn id="35" dur="500"/>
+                                        <p:tgtEl>
+                                          <p:spTgt spid="8"/>
+                                        </p:tgtEl>
+                                      </p:cBhvr>
+                                    </p:animEffect>
+                                  </p:childTnLst>
+                                </p:cTn>
+                              </p:par>
+                            </p:childTnLst>
+                          </p:cTn>
+                        </p:par>
+                      </p:childTnLst>
+                    </p:cTn>
+                  </p:par>
+                  <p:par>
+                    <p:cTn id="36" fill="hold">
+                      <p:stCondLst>
+                        <p:cond delay="indefinite"/>
+                      </p:stCondLst>
+                      <p:childTnLst>
+                        <p:par>
+                          <p:cTn id="37" fill="hold">
+                            <p:stCondLst>
+                              <p:cond delay="0"/>
+                            </p:stCondLst>
+                            <p:childTnLst>
+                              <p:par>
+                                <p:cTn id="38" presetID="22" presetClass="exit" presetSubtype="4" fill="hold" nodeType="clickEffect">
+                                  <p:stCondLst>
+                                    <p:cond delay="0"/>
+                                  </p:stCondLst>
+                                  <p:childTnLst>
+                                    <p:animEffect transition="out" filter="wipe(down)">
+                                      <p:cBhvr>
+                                        <p:cTn id="39" dur="500"/>
+                                        <p:tgtEl>
+                                          <p:spTgt spid="11"/>
+                                        </p:tgtEl>
+                                      </p:cBhvr>
+                                    </p:animEffect>
+                                    <p:set>
+                                      <p:cBhvr>
+                                        <p:cTn id="40" dur="1" fill="hold">
+                                          <p:stCondLst>
+                                            <p:cond delay="499"/>
+                                          </p:stCondLst>
+                                        </p:cTn>
+                                        <p:tgtEl>
+                                          <p:spTgt spid="11"/>
+                                        </p:tgtEl>
+                                        <p:attrNameLst>
+                                          <p:attrName>style.visibility</p:attrName>
+                                        </p:attrNameLst>
+                                      </p:cBhvr>
+                                      <p:to>
+                                        <p:strVal val="hidden"/>
+                                      </p:to>
+                                    </p:set>
+                                  </p:childTnLst>
+                                </p:cTn>
+                              </p:par>
+                              <p:par>
+                                <p:cTn id="41" presetID="22" presetClass="exit" presetSubtype="4" fill="hold" nodeType="withEffect">
+                                  <p:stCondLst>
+                                    <p:cond delay="0"/>
+                                  </p:stCondLst>
+                                  <p:childTnLst>
+                                    <p:animEffect transition="out" filter="wipe(down)">
+                                      <p:cBhvr>
+                                        <p:cTn id="42" dur="500"/>
+                                        <p:tgtEl>
+                                          <p:spTgt spid="16"/>
+                                        </p:tgtEl>
+                                      </p:cBhvr>
+                                    </p:animEffect>
+                                    <p:set>
+                                      <p:cBhvr>
+                                        <p:cTn id="43" dur="1" fill="hold">
+                                          <p:stCondLst>
+                                            <p:cond delay="499"/>
+                                          </p:stCondLst>
+                                        </p:cTn>
+                                        <p:tgtEl>
+                                          <p:spTgt spid="16"/>
+                                        </p:tgtEl>
+                                        <p:attrNameLst>
+                                          <p:attrName>style.visibility</p:attrName>
+                                        </p:attrNameLst>
+                                      </p:cBhvr>
+                                      <p:to>
+                                        <p:strVal val="hidden"/>
+                                      </p:to>
+                                    </p:set>
+                                  </p:childTnLst>
+                                </p:cTn>
+                              </p:par>
+                              <p:par>
+                                <p:cTn id="44" presetID="22" presetClass="exit" presetSubtype="4" fill="hold" nodeType="withEffect">
+                                  <p:stCondLst>
+                                    <p:cond delay="0"/>
+                                  </p:stCondLst>
+                                  <p:childTnLst>
+                                    <p:animEffect transition="out" filter="wipe(down)">
+                                      <p:cBhvr>
+                                        <p:cTn id="45" dur="500"/>
+                                        <p:tgtEl>
+                                          <p:spTgt spid="10"/>
+                                        </p:tgtEl>
+                                      </p:cBhvr>
+                                    </p:animEffect>
+                                    <p:set>
+                                      <p:cBhvr>
+                                        <p:cTn id="46" dur="1" fill="hold">
+                                          <p:stCondLst>
+                                            <p:cond delay="499"/>
+                                          </p:stCondLst>
+                                        </p:cTn>
+                                        <p:tgtEl>
+                                          <p:spTgt spid="10"/>
+                                        </p:tgtEl>
+                                        <p:attrNameLst>
+                                          <p:attrName>style.visibility</p:attrName>
+                                        </p:attrNameLst>
+                                      </p:cBhvr>
+                                      <p:to>
+                                        <p:strVal val="hidden"/>
+                                      </p:to>
+                                    </p:set>
+                                  </p:childTnLst>
+                                </p:cTn>
+                              </p:par>
+                              <p:par>
+                                <p:cTn id="47" presetID="22" presetClass="exit" presetSubtype="4" fill="hold" nodeType="withEffect">
+                                  <p:stCondLst>
+                                    <p:cond delay="0"/>
+                                  </p:stCondLst>
+                                  <p:childTnLst>
+                                    <p:animEffect transition="out" filter="wipe(down)">
+                                      <p:cBhvr>
+                                        <p:cTn id="48" dur="500"/>
+                                        <p:tgtEl>
+                                          <p:spTgt spid="14"/>
+                                        </p:tgtEl>
+                                      </p:cBhvr>
+                                    </p:animEffect>
+                                    <p:set>
+                                      <p:cBhvr>
+                                        <p:cTn id="49" dur="1" fill="hold">
+                                          <p:stCondLst>
+                                            <p:cond delay="499"/>
+                                          </p:stCondLst>
+                                        </p:cTn>
+                                        <p:tgtEl>
+                                          <p:spTgt spid="14"/>
+                                        </p:tgtEl>
+                                        <p:attrNameLst>
+                                          <p:attrName>style.visibility</p:attrName>
+                                        </p:attrNameLst>
+                                      </p:cBhvr>
+                                      <p:to>
+                                        <p:strVal val="hidden"/>
+                                      </p:to>
+                                    </p:set>
+                                  </p:childTnLst>
+                                </p:cTn>
+                              </p:par>
+                              <p:par>
+                                <p:cTn id="50" presetID="22" presetClass="exit" presetSubtype="4" fill="hold" nodeType="withEffect">
+                                  <p:stCondLst>
+                                    <p:cond delay="0"/>
+                                  </p:stCondLst>
+                                  <p:childTnLst>
+                                    <p:animEffect transition="out" filter="wipe(down)">
+                                      <p:cBhvr>
+                                        <p:cTn id="51" dur="500"/>
+                                        <p:tgtEl>
+                                          <p:spTgt spid="5"/>
+                                        </p:tgtEl>
+                                      </p:cBhvr>
+                                    </p:animEffect>
+                                    <p:set>
+                                      <p:cBhvr>
+                                        <p:cTn id="52" dur="1" fill="hold">
+                                          <p:stCondLst>
+                                            <p:cond delay="499"/>
+                                          </p:stCondLst>
+                                        </p:cTn>
+                                        <p:tgtEl>
+                                          <p:spTgt spid="5"/>
+                                        </p:tgtEl>
+                                        <p:attrNameLst>
+                                          <p:attrName>style.visibility</p:attrName>
+                                        </p:attrNameLst>
+                                      </p:cBhvr>
+                                      <p:to>
+                                        <p:strVal val="hidden"/>
+                                      </p:to>
+                                    </p:set>
+                                  </p:childTnLst>
+                                </p:cTn>
+                              </p:par>
+                              <p:par>
+                                <p:cTn id="53" presetID="22" presetClass="exit" presetSubtype="4" fill="hold" nodeType="withEffect">
+                                  <p:stCondLst>
+                                    <p:cond delay="0"/>
+                                  </p:stCondLst>
+                                  <p:childTnLst>
+                                    <p:animEffect transition="out" filter="wipe(down)">
+                                      <p:cBhvr>
+                                        <p:cTn id="54" dur="500"/>
+                                        <p:tgtEl>
+                                          <p:spTgt spid="26"/>
+                                        </p:tgtEl>
+                                      </p:cBhvr>
+                                    </p:animEffect>
+                                    <p:set>
+                                      <p:cBhvr>
+                                        <p:cTn id="55" dur="1" fill="hold">
+                                          <p:stCondLst>
+                                            <p:cond delay="499"/>
+                                          </p:stCondLst>
+                                        </p:cTn>
+                                        <p:tgtEl>
+                                          <p:spTgt spid="26"/>
+                                        </p:tgtEl>
+                                        <p:attrNameLst>
+                                          <p:attrName>style.visibility</p:attrName>
+                                        </p:attrNameLst>
+                                      </p:cBhvr>
+                                      <p:to>
+                                        <p:strVal val="hidden"/>
+                                      </p:to>
+                                    </p:set>
+                                  </p:childTnLst>
+                                </p:cTn>
+                              </p:par>
+                              <p:par>
+                                <p:cTn id="56" presetID="22" presetClass="exit" presetSubtype="4" fill="hold" grpId="0" nodeType="withEffect">
+                                  <p:stCondLst>
+                                    <p:cond delay="0"/>
+                                  </p:stCondLst>
+                                  <p:childTnLst>
+                                    <p:animEffect transition="out" filter="wipe(down)">
+                                      <p:cBhvr>
+                                        <p:cTn id="57" dur="500"/>
+                                        <p:tgtEl>
+                                          <p:spTgt spid="19"/>
+                                        </p:tgtEl>
+                                      </p:cBhvr>
+                                    </p:animEffect>
+                                    <p:set>
+                                      <p:cBhvr>
+                                        <p:cTn id="58" dur="1" fill="hold">
+                                          <p:stCondLst>
+                                            <p:cond delay="499"/>
+                                          </p:stCondLst>
+                                        </p:cTn>
+                                        <p:tgtEl>
+                                          <p:spTgt spid="19"/>
+                                        </p:tgtEl>
+                                        <p:attrNameLst>
+                                          <p:attrName>style.visibility</p:attrName>
+                                        </p:attrNameLst>
+                                      </p:cBhvr>
+                                      <p:to>
+                                        <p:strVal val="hidden"/>
+                                      </p:to>
+                                    </p:set>
+                                  </p:childTnLst>
+                                </p:cTn>
+                              </p:par>
+                              <p:par>
+                                <p:cTn id="59" presetID="22" presetClass="exit" presetSubtype="4" fill="hold" grpId="0" nodeType="withEffect">
+                                  <p:stCondLst>
+                                    <p:cond delay="0"/>
+                                  </p:stCondLst>
+                                  <p:childTnLst>
+                                    <p:animEffect transition="out" filter="wipe(down)">
+                                      <p:cBhvr>
+                                        <p:cTn id="60" dur="500"/>
+                                        <p:tgtEl>
+                                          <p:spTgt spid="27"/>
+                                        </p:tgtEl>
+                                      </p:cBhvr>
+                                    </p:animEffect>
+                                    <p:set>
+                                      <p:cBhvr>
+                                        <p:cTn id="61" dur="1" fill="hold">
+                                          <p:stCondLst>
+                                            <p:cond delay="499"/>
+                                          </p:stCondLst>
+                                        </p:cTn>
+                                        <p:tgtEl>
+                                          <p:spTgt spid="27"/>
+                                        </p:tgtEl>
+                                        <p:attrNameLst>
+                                          <p:attrName>style.visibility</p:attrName>
+                                        </p:attrNameLst>
+                                      </p:cBhvr>
+                                      <p:to>
+                                        <p:strVal val="hidden"/>
+                                      </p:to>
+                                    </p:set>
+                                  </p:childTnLst>
+                                </p:cTn>
+                              </p:par>
+                              <p:par>
+                                <p:cTn id="62" presetID="22" presetClass="exit" presetSubtype="4" fill="hold" grpId="0" nodeType="withEffect">
+                                  <p:stCondLst>
+                                    <p:cond delay="0"/>
+                                  </p:stCondLst>
+                                  <p:childTnLst>
+                                    <p:animEffect transition="out" filter="wipe(down)">
+                                      <p:cBhvr>
+                                        <p:cTn id="63" dur="500"/>
+                                        <p:tgtEl>
+                                          <p:spTgt spid="28"/>
+                                        </p:tgtEl>
+                                      </p:cBhvr>
+                                    </p:animEffect>
+                                    <p:set>
+                                      <p:cBhvr>
+                                        <p:cTn id="64" dur="1" fill="hold">
+                                          <p:stCondLst>
+                                            <p:cond delay="499"/>
+                                          </p:stCondLst>
+                                        </p:cTn>
+                                        <p:tgtEl>
+                                          <p:spTgt spid="28"/>
+                                        </p:tgtEl>
+                                        <p:attrNameLst>
+                                          <p:attrName>style.visibility</p:attrName>
+                                        </p:attrNameLst>
+                                      </p:cBhvr>
+                                      <p:to>
+                                        <p:strVal val="hidden"/>
+                                      </p:to>
+                                    </p:set>
+                                  </p:childTnLst>
+                                </p:cTn>
+                              </p:par>
+                              <p:par>
+                                <p:cTn id="65" presetID="22" presetClass="exit" presetSubtype="4" fill="hold" nodeType="withEffect">
+                                  <p:stCondLst>
+                                    <p:cond delay="0"/>
+                                  </p:stCondLst>
+                                  <p:childTnLst>
+                                    <p:animEffect transition="out" filter="wipe(down)">
+                                      <p:cBhvr>
+                                        <p:cTn id="66" dur="500"/>
+                                        <p:tgtEl>
+                                          <p:spTgt spid="32"/>
+                                        </p:tgtEl>
+                                      </p:cBhvr>
+                                    </p:animEffect>
+                                    <p:set>
+                                      <p:cBhvr>
+                                        <p:cTn id="67" dur="1" fill="hold">
+                                          <p:stCondLst>
+                                            <p:cond delay="499"/>
+                                          </p:stCondLst>
+                                        </p:cTn>
+                                        <p:tgtEl>
+                                          <p:spTgt spid="32"/>
+                                        </p:tgtEl>
+                                        <p:attrNameLst>
+                                          <p:attrName>style.visibility</p:attrName>
+                                        </p:attrNameLst>
+                                      </p:cBhvr>
+                                      <p:to>
+                                        <p:strVal val="hidden"/>
+                                      </p:to>
+                                    </p:set>
+                                  </p:childTnLst>
+                                </p:cTn>
+                              </p:par>
+                              <p:par>
+                                <p:cTn id="68" presetID="22" presetClass="exit" presetSubtype="4" fill="hold" nodeType="withEffect">
+                                  <p:stCondLst>
+                                    <p:cond delay="0"/>
+                                  </p:stCondLst>
+                                  <p:childTnLst>
+                                    <p:animEffect transition="out" filter="wipe(down)">
+                                      <p:cBhvr>
+                                        <p:cTn id="69" dur="500"/>
+                                        <p:tgtEl>
+                                          <p:spTgt spid="37"/>
+                                        </p:tgtEl>
+                                      </p:cBhvr>
+                                    </p:animEffect>
+                                    <p:set>
+                                      <p:cBhvr>
+                                        <p:cTn id="70" dur="1" fill="hold">
+                                          <p:stCondLst>
+                                            <p:cond delay="499"/>
+                                          </p:stCondLst>
+                                        </p:cTn>
+                                        <p:tgtEl>
+                                          <p:spTgt spid="37"/>
+                                        </p:tgtEl>
+                                        <p:attrNameLst>
+                                          <p:attrName>style.visibility</p:attrName>
+                                        </p:attrNameLst>
+                                      </p:cBhvr>
+                                      <p:to>
+                                        <p:strVal val="hidden"/>
+                                      </p:to>
+                                    </p:set>
+                                  </p:childTnLst>
+                                </p:cTn>
+                              </p:par>
+                              <p:par>
+                                <p:cTn id="71" presetID="22" presetClass="exit" presetSubtype="4" fill="hold" nodeType="withEffect">
+                                  <p:stCondLst>
+                                    <p:cond delay="0"/>
+                                  </p:stCondLst>
+                                  <p:childTnLst>
+                                    <p:animEffect transition="out" filter="wipe(down)">
+                                      <p:cBhvr>
+                                        <p:cTn id="72" dur="500"/>
+                                        <p:tgtEl>
+                                          <p:spTgt spid="39"/>
+                                        </p:tgtEl>
+                                      </p:cBhvr>
+                                    </p:animEffect>
+                                    <p:set>
+                                      <p:cBhvr>
+                                        <p:cTn id="73" dur="1" fill="hold">
+                                          <p:stCondLst>
+                                            <p:cond delay="499"/>
+                                          </p:stCondLst>
+                                        </p:cTn>
+                                        <p:tgtEl>
+                                          <p:spTgt spid="39"/>
+                                        </p:tgtEl>
+                                        <p:attrNameLst>
+                                          <p:attrName>style.visibility</p:attrName>
+                                        </p:attrNameLst>
+                                      </p:cBhvr>
+                                      <p:to>
+                                        <p:strVal val="hidden"/>
+                                      </p:to>
+                                    </p:set>
+                                  </p:childTnLst>
+                                </p:cTn>
+                              </p:par>
+                              <p:par>
+                                <p:cTn id="74" presetID="22" presetClass="exit" presetSubtype="4" fill="hold" nodeType="withEffect">
+                                  <p:stCondLst>
+                                    <p:cond delay="0"/>
+                                  </p:stCondLst>
+                                  <p:childTnLst>
+                                    <p:animEffect transition="out" filter="wipe(down)">
+                                      <p:cBhvr>
+                                        <p:cTn id="75" dur="500"/>
+                                        <p:tgtEl>
+                                          <p:spTgt spid="41"/>
+                                        </p:tgtEl>
+                                      </p:cBhvr>
+                                    </p:animEffect>
+                                    <p:set>
+                                      <p:cBhvr>
+                                        <p:cTn id="76" dur="1" fill="hold">
+                                          <p:stCondLst>
+                                            <p:cond delay="499"/>
+                                          </p:stCondLst>
+                                        </p:cTn>
+                                        <p:tgtEl>
+                                          <p:spTgt spid="41"/>
+                                        </p:tgtEl>
+                                        <p:attrNameLst>
+                                          <p:attrName>style.visibility</p:attrName>
+                                        </p:attrNameLst>
+                                      </p:cBhvr>
+                                      <p:to>
+                                        <p:strVal val="hidden"/>
+                                      </p:to>
+                                    </p:set>
+                                  </p:childTnLst>
+                                </p:cTn>
+                              </p:par>
+                              <p:par>
+                                <p:cTn id="77" presetID="22" presetClass="exit" presetSubtype="4" fill="hold" grpId="0" nodeType="withEffect">
+                                  <p:stCondLst>
+                                    <p:cond delay="0"/>
+                                  </p:stCondLst>
+                                  <p:childTnLst>
+                                    <p:animEffect transition="out" filter="wipe(down)">
+                                      <p:cBhvr>
+                                        <p:cTn id="78" dur="500"/>
+                                        <p:tgtEl>
+                                          <p:spTgt spid="9"/>
+                                        </p:tgtEl>
+                                      </p:cBhvr>
+                                    </p:animEffect>
+                                    <p:set>
+                                      <p:cBhvr>
+                                        <p:cTn id="79" dur="1" fill="hold">
+                                          <p:stCondLst>
+                                            <p:cond delay="499"/>
+                                          </p:stCondLst>
+                                        </p:cTn>
+                                        <p:tgtEl>
+                                          <p:spTgt spid="9"/>
+                                        </p:tgtEl>
+                                        <p:attrNameLst>
+                                          <p:attrName>style.visibility</p:attrName>
+                                        </p:attrNameLst>
+                                      </p:cBhvr>
+                                      <p:to>
+                                        <p:strVal val="hidden"/>
+                                      </p:to>
+                                    </p:set>
+                                  </p:childTnLst>
+                                </p:cTn>
+                              </p:par>
+                              <p:par>
+                                <p:cTn id="80" presetID="22" presetClass="exit" presetSubtype="4" fill="hold" nodeType="withEffect">
+                                  <p:stCondLst>
+                                    <p:cond delay="0"/>
+                                  </p:stCondLst>
+                                  <p:childTnLst>
+                                    <p:animEffect transition="out" filter="wipe(down)">
+                                      <p:cBhvr>
+                                        <p:cTn id="81" dur="500"/>
+                                        <p:tgtEl>
+                                          <p:spTgt spid="30"/>
+                                        </p:tgtEl>
+                                      </p:cBhvr>
+                                    </p:animEffect>
+                                    <p:set>
+                                      <p:cBhvr>
+                                        <p:cTn id="82" dur="1" fill="hold">
+                                          <p:stCondLst>
+                                            <p:cond delay="499"/>
+                                          </p:stCondLst>
+                                        </p:cTn>
+                                        <p:tgtEl>
+                                          <p:spTgt spid="30"/>
+                                        </p:tgtEl>
+                                        <p:attrNameLst>
+                                          <p:attrName>style.visibility</p:attrName>
+                                        </p:attrNameLst>
+                                      </p:cBhvr>
+                                      <p:to>
+                                        <p:strVal val="hidden"/>
+                                      </p:to>
+                                    </p:set>
+                                  </p:childTnLst>
+                                </p:cTn>
+                              </p:par>
+                              <p:par>
+                                <p:cTn id="83" presetID="22" presetClass="exit" presetSubtype="4" fill="hold" grpId="0" nodeType="withEffect">
+                                  <p:stCondLst>
+                                    <p:cond delay="0"/>
+                                  </p:stCondLst>
+                                  <p:childTnLst>
+                                    <p:animEffect transition="out" filter="wipe(down)">
+                                      <p:cBhvr>
+                                        <p:cTn id="84" dur="500"/>
+                                        <p:tgtEl>
+                                          <p:spTgt spid="13"/>
+                                        </p:tgtEl>
+                                      </p:cBhvr>
+                                    </p:animEffect>
+                                    <p:set>
+                                      <p:cBhvr>
+                                        <p:cTn id="85" dur="1" fill="hold">
+                                          <p:stCondLst>
+                                            <p:cond delay="499"/>
+                                          </p:stCondLst>
+                                        </p:cTn>
+                                        <p:tgtEl>
+                                          <p:spTgt spid="13"/>
+                                        </p:tgtEl>
+                                        <p:attrNameLst>
+                                          <p:attrName>style.visibility</p:attrName>
+                                        </p:attrNameLst>
+                                      </p:cBhvr>
+                                      <p:to>
+                                        <p:strVal val="hidden"/>
+                                      </p:to>
+                                    </p:set>
+                                  </p:childTnLst>
+                                </p:cTn>
+                              </p:par>
+                            </p:childTnLst>
+                          </p:cTn>
+                        </p:par>
+                      </p:childTnLst>
+                    </p:cTn>
+                  </p:par>
+                </p:childTnLst>
+              </p:cTn>
+              <p:prevCondLst>
+                <p:cond evt="onPrev" delay="0">
+                  <p:tgtEl>
+                    <p:sldTgt/>
+                  </p:tgtEl>
+                </p:cond>
+              </p:prevCondLst>
+              <p:nextCondLst>
+                <p:cond evt="onNext" delay="0">
+                  <p:tgtEl>
+                    <p:sldTgt/>
+                  </p:tgtEl>
+                </p:cond>
+              </p:nextCondLst>
+            </p:seq>
+          </p:childTnLst>
+        </p:cTn>
+      </p:par>
+    </p:tnLst>
+    <p:bldLst>
+      <p:bldP spid="13" grpId="0" animBg="1"/>
+      <p:bldP spid="19" grpId="0" animBg="1"/>
+      <p:bldP spid="27" grpId="0" animBg="1"/>
+      <p:bldP spid="28" grpId="0" animBg="1"/>
+      <p:bldP spid="6" grpId="0" animBg="1"/>
+      <p:bldP spid="7" grpId="0" animBg="1"/>
+      <p:bldP spid="8" grpId="0" animBg="1"/>
+      <p:bldP spid="9" grpId="0" animBg="1"/>
+    </p:bldLst>
+  </p:timing>
+</p:sld>
+</file>
+
+<file path=ppt/slides/slide11.xml><?xml version="1.0" encoding="utf-8"?>
+<p:sld xmlns:a="http://schemas.openxmlformats.org/drawingml/2006/main" xmlns:r="http://schemas.openxmlformats.org/officeDocument/2006/relationships" xmlns:p="http://schemas.openxmlformats.org/presentationml/2006/main">
+  <p:cSld>
+    <p:bg>
+      <p:bgPr>
+        <a:solidFill>
+          <a:schemeClr val="bg1"/>
+        </a:solidFill>
+        <a:effectLst/>
+      </p:bgPr>
+    </p:bg>
+    <p:spTree>
+      <p:nvGrpSpPr>
+        <p:cNvPr id="1" name=""/>
+        <p:cNvGrpSpPr/>
+        <p:nvPr/>
+      </p:nvGrpSpPr>
+      <p:grpSpPr>
+        <a:xfrm>
+          <a:off x="0" y="0"/>
+          <a:ext cx="0" cy="0"/>
+          <a:chOff x="0" y="0"/>
+          <a:chExt cx="0" cy="0"/>
+        </a:xfrm>
+      </p:grpSpPr>
+      <p:pic>
+        <p:nvPicPr>
+          <p:cNvPr id="3" name="Imagem 2">
+            <a:extLst>
+              <a:ext uri="{FF2B5EF4-FFF2-40B4-BE49-F238E27FC236}">
+                <a16:creationId xmlns:a16="http://schemas.microsoft.com/office/drawing/2014/main" id="{C9E36E7E-0594-85A7-657C-5A053165EAEA}"/>
+              </a:ext>
+            </a:extLst>
+          </p:cNvPr>
+          <p:cNvPicPr>
+            <a:picLocks noChangeAspect="1"/>
+          </p:cNvPicPr>
+          <p:nvPr/>
+        </p:nvPicPr>
+        <p:blipFill>
+          <a:blip r:embed="rId2"/>
+          <a:srcRect l="4364" t="14709" r="5821" b="29194"/>
+          <a:stretch/>
+        </p:blipFill>
+        <p:spPr>
+          <a:xfrm>
+            <a:off x="514350" y="1749960"/>
+            <a:ext cx="2062026" cy="411480"/>
+          </a:xfrm>
+          <a:prstGeom prst="rect">
+            <a:avLst/>
+          </a:prstGeom>
+          <a:ln w="28575">
+            <a:solidFill>
+              <a:schemeClr val="accent2"/>
+            </a:solidFill>
+          </a:ln>
+        </p:spPr>
+      </p:pic>
+      <p:sp>
+        <p:nvSpPr>
+          <p:cNvPr id="6" name="Retângulo: Cantos Arredondados 5">
+            <a:extLst>
+              <a:ext uri="{FF2B5EF4-FFF2-40B4-BE49-F238E27FC236}">
+                <a16:creationId xmlns:a16="http://schemas.microsoft.com/office/drawing/2014/main" id="{75730835-86DA-D63E-9DAD-6F5640A2E667}"/>
+              </a:ext>
+            </a:extLst>
+          </p:cNvPr>
+          <p:cNvSpPr/>
+          <p:nvPr/>
+        </p:nvSpPr>
+        <p:spPr>
+          <a:xfrm>
+            <a:off x="2090475" y="1810511"/>
+            <a:ext cx="485901" cy="318005"/>
+          </a:xfrm>
+          <a:prstGeom prst="roundRect">
+            <a:avLst/>
+          </a:prstGeom>
+          <a:noFill/>
+          <a:ln w="28575" cap="flat" cmpd="sng" algn="ctr">
+            <a:solidFill>
+              <a:srgbClr val="7030A0"/>
+            </a:solidFill>
+            <a:prstDash val="solid"/>
+            <a:round/>
+            <a:headEnd type="none" w="med" len="med"/>
+            <a:tailEnd type="none" w="med" len="med"/>
+          </a:ln>
+        </p:spPr>
+        <p:style>
+          <a:lnRef idx="0">
+            <a:scrgbClr r="0" g="0" b="0"/>
+          </a:lnRef>
+          <a:fillRef idx="0">
+            <a:scrgbClr r="0" g="0" b="0"/>
+          </a:fillRef>
+          <a:effectRef idx="0">
+            <a:scrgbClr r="0" g="0" b="0"/>
+          </a:effectRef>
+          <a:fontRef idx="minor">
+            <a:schemeClr val="accent2"/>
+          </a:fontRef>
+        </p:style>
+        <p:txBody>
+          <a:bodyPr rtlCol="0" anchor="ctr"/>
+          <a:lstStyle/>
+          <a:p>
+            <a:pPr algn="ctr"/>
+            <a:endParaRPr lang="pt-BR"/>
+          </a:p>
+        </p:txBody>
+      </p:sp>
+      <p:sp>
+        <p:nvSpPr>
+          <p:cNvPr id="7" name="Retângulo: Cantos Arredondados 6">
+            <a:extLst>
+              <a:ext uri="{FF2B5EF4-FFF2-40B4-BE49-F238E27FC236}">
+                <a16:creationId xmlns:a16="http://schemas.microsoft.com/office/drawing/2014/main" id="{0A747C04-A5E6-6256-0671-94242E76BD2B}"/>
+              </a:ext>
+            </a:extLst>
+          </p:cNvPr>
+          <p:cNvSpPr/>
+          <p:nvPr/>
+        </p:nvSpPr>
+        <p:spPr>
+          <a:xfrm>
+            <a:off x="1215954" y="1810512"/>
+            <a:ext cx="485901" cy="329590"/>
+          </a:xfrm>
+          <a:prstGeom prst="roundRect">
+            <a:avLst/>
+          </a:prstGeom>
+          <a:noFill/>
+          <a:ln w="28575" cap="flat" cmpd="sng" algn="ctr">
+            <a:solidFill>
+              <a:srgbClr val="7030A0"/>
+            </a:solidFill>
+            <a:prstDash val="solid"/>
+            <a:round/>
+            <a:headEnd type="none" w="med" len="med"/>
+            <a:tailEnd type="none" w="med" len="med"/>
+          </a:ln>
+        </p:spPr>
+        <p:style>
+          <a:lnRef idx="0">
+            <a:scrgbClr r="0" g="0" b="0"/>
+          </a:lnRef>
+          <a:fillRef idx="0">
+            <a:scrgbClr r="0" g="0" b="0"/>
+          </a:fillRef>
+          <a:effectRef idx="0">
+            <a:scrgbClr r="0" g="0" b="0"/>
+          </a:effectRef>
+          <a:fontRef idx="minor">
+            <a:schemeClr val="accent2"/>
+          </a:fontRef>
+        </p:style>
+        <p:txBody>
+          <a:bodyPr rtlCol="0" anchor="ctr"/>
+          <a:lstStyle/>
+          <a:p>
+            <a:pPr algn="ctr"/>
+            <a:endParaRPr lang="pt-BR"/>
+          </a:p>
+        </p:txBody>
+      </p:sp>
+      <p:sp>
+        <p:nvSpPr>
+          <p:cNvPr id="8" name="Retângulo: Cantos Arredondados 7">
+            <a:extLst>
+              <a:ext uri="{FF2B5EF4-FFF2-40B4-BE49-F238E27FC236}">
+                <a16:creationId xmlns:a16="http://schemas.microsoft.com/office/drawing/2014/main" id="{EEFB4953-76C5-61DD-BCEF-A051CB2317FC}"/>
+              </a:ext>
+            </a:extLst>
+          </p:cNvPr>
+          <p:cNvSpPr/>
+          <p:nvPr/>
+        </p:nvSpPr>
+        <p:spPr>
+          <a:xfrm>
+            <a:off x="1701855" y="1761545"/>
+            <a:ext cx="388620" cy="378557"/>
+          </a:xfrm>
+          <a:prstGeom prst="roundRect">
+            <a:avLst/>
+          </a:prstGeom>
+          <a:noFill/>
+          <a:ln w="28575" cap="flat" cmpd="sng" algn="ctr">
+            <a:solidFill>
+              <a:srgbClr val="00B0F0"/>
+            </a:solidFill>
+            <a:prstDash val="solid"/>
+            <a:round/>
+            <a:headEnd type="none" w="med" len="med"/>
+            <a:tailEnd type="none" w="med" len="med"/>
+          </a:ln>
+        </p:spPr>
+        <p:style>
+          <a:lnRef idx="0">
+            <a:scrgbClr r="0" g="0" b="0"/>
+          </a:lnRef>
+          <a:fillRef idx="0">
+            <a:scrgbClr r="0" g="0" b="0"/>
+          </a:fillRef>
+          <a:effectRef idx="0">
+            <a:scrgbClr r="0" g="0" b="0"/>
+          </a:effectRef>
+          <a:fontRef idx="minor">
+            <a:schemeClr val="accent2"/>
+          </a:fontRef>
+        </p:style>
+        <p:txBody>
+          <a:bodyPr rtlCol="0" anchor="ctr"/>
+          <a:lstStyle/>
+          <a:p>
+            <a:pPr algn="ctr"/>
+            <a:endParaRPr lang="pt-BR"/>
+          </a:p>
+        </p:txBody>
+      </p:sp>
+      <p:pic>
+        <p:nvPicPr>
+          <p:cNvPr id="2" name="Imagem 1" descr="Gráfico, Gráfico de linhas, Histograma&#10;&#10;Descrição gerada automaticamente">
+            <a:extLst>
+              <a:ext uri="{FF2B5EF4-FFF2-40B4-BE49-F238E27FC236}">
+                <a16:creationId xmlns:a16="http://schemas.microsoft.com/office/drawing/2014/main" id="{3E3BCE5C-0813-BA79-BDCE-FBC789499951}"/>
+              </a:ext>
+            </a:extLst>
+          </p:cNvPr>
+          <p:cNvPicPr>
+            <a:picLocks noChangeAspect="1"/>
+          </p:cNvPicPr>
+          <p:nvPr/>
+        </p:nvPicPr>
+        <p:blipFill>
+          <a:blip r:embed="rId3">
             <a:extLst>
               <a:ext uri="{28A0092B-C50C-407E-A947-70E740481C1C}">
                 <a14:useLocalDpi xmlns:a14="http://schemas.microsoft.com/office/drawing/2010/main" val="0"/>
@@ -3353,8 +6747,8 @@
         </p:blipFill>
         <p:spPr>
           <a:xfrm>
-            <a:off x="3413743" y="1200145"/>
-            <a:ext cx="8778257" cy="4457709"/>
+            <a:off x="696252" y="1373881"/>
+            <a:ext cx="10799495" cy="5484119"/>
           </a:xfrm>
           <a:prstGeom prst="rect">
             <a:avLst/>
@@ -3364,17 +6758,244 @@
     </p:spTree>
     <p:extLst>
       <p:ext uri="{BB962C8B-B14F-4D97-AF65-F5344CB8AC3E}">
-        <p14:creationId xmlns:p14="http://schemas.microsoft.com/office/powerpoint/2010/main" val="1396090738"/>
+        <p14:creationId xmlns:p14="http://schemas.microsoft.com/office/powerpoint/2010/main" val="4111522650"/>
       </p:ext>
     </p:extLst>
   </p:cSld>
   <p:clrMapOvr>
     <a:masterClrMapping/>
   </p:clrMapOvr>
+  <p:timing>
+    <p:tnLst>
+      <p:par>
+        <p:cTn id="1" dur="indefinite" restart="never" nodeType="tmRoot">
+          <p:childTnLst>
+            <p:seq concurrent="1" nextAc="seek">
+              <p:cTn id="2" dur="indefinite" nodeType="mainSeq">
+                <p:childTnLst>
+                  <p:par>
+                    <p:cTn id="3" fill="hold">
+                      <p:stCondLst>
+                        <p:cond delay="indefinite"/>
+                      </p:stCondLst>
+                      <p:childTnLst>
+                        <p:par>
+                          <p:cTn id="4" fill="hold">
+                            <p:stCondLst>
+                              <p:cond delay="0"/>
+                            </p:stCondLst>
+                            <p:childTnLst>
+                              <p:par>
+                                <p:cTn id="5" presetID="1" presetClass="exit" presetSubtype="0" fill="hold" grpId="0" nodeType="clickEffect">
+                                  <p:stCondLst>
+                                    <p:cond delay="0"/>
+                                  </p:stCondLst>
+                                  <p:childTnLst>
+                                    <p:set>
+                                      <p:cBhvr>
+                                        <p:cTn id="6" dur="1" fill="hold">
+                                          <p:stCondLst>
+                                            <p:cond delay="0"/>
+                                          </p:stCondLst>
+                                        </p:cTn>
+                                        <p:tgtEl>
+                                          <p:spTgt spid="7"/>
+                                        </p:tgtEl>
+                                        <p:attrNameLst>
+                                          <p:attrName>style.visibility</p:attrName>
+                                        </p:attrNameLst>
+                                      </p:cBhvr>
+                                      <p:to>
+                                        <p:strVal val="hidden"/>
+                                      </p:to>
+                                    </p:set>
+                                  </p:childTnLst>
+                                </p:cTn>
+                              </p:par>
+                              <p:par>
+                                <p:cTn id="7" presetID="1" presetClass="exit" presetSubtype="0" fill="hold" grpId="0" nodeType="withEffect">
+                                  <p:stCondLst>
+                                    <p:cond delay="0"/>
+                                  </p:stCondLst>
+                                  <p:childTnLst>
+                                    <p:set>
+                                      <p:cBhvr>
+                                        <p:cTn id="8" dur="1" fill="hold">
+                                          <p:stCondLst>
+                                            <p:cond delay="0"/>
+                                          </p:stCondLst>
+                                        </p:cTn>
+                                        <p:tgtEl>
+                                          <p:spTgt spid="8"/>
+                                        </p:tgtEl>
+                                        <p:attrNameLst>
+                                          <p:attrName>style.visibility</p:attrName>
+                                        </p:attrNameLst>
+                                      </p:cBhvr>
+                                      <p:to>
+                                        <p:strVal val="hidden"/>
+                                      </p:to>
+                                    </p:set>
+                                  </p:childTnLst>
+                                </p:cTn>
+                              </p:par>
+                              <p:par>
+                                <p:cTn id="9" presetID="1" presetClass="exit" presetSubtype="0" fill="hold" grpId="0" nodeType="withEffect">
+                                  <p:stCondLst>
+                                    <p:cond delay="0"/>
+                                  </p:stCondLst>
+                                  <p:childTnLst>
+                                    <p:set>
+                                      <p:cBhvr>
+                                        <p:cTn id="10" dur="1" fill="hold">
+                                          <p:stCondLst>
+                                            <p:cond delay="0"/>
+                                          </p:stCondLst>
+                                        </p:cTn>
+                                        <p:tgtEl>
+                                          <p:spTgt spid="6"/>
+                                        </p:tgtEl>
+                                        <p:attrNameLst>
+                                          <p:attrName>style.visibility</p:attrName>
+                                        </p:attrNameLst>
+                                      </p:cBhvr>
+                                      <p:to>
+                                        <p:strVal val="hidden"/>
+                                      </p:to>
+                                    </p:set>
+                                  </p:childTnLst>
+                                </p:cTn>
+                              </p:par>
+                            </p:childTnLst>
+                          </p:cTn>
+                        </p:par>
+                      </p:childTnLst>
+                    </p:cTn>
+                  </p:par>
+                  <p:par>
+                    <p:cTn id="11" fill="hold">
+                      <p:stCondLst>
+                        <p:cond delay="indefinite"/>
+                      </p:stCondLst>
+                      <p:childTnLst>
+                        <p:par>
+                          <p:cTn id="12" fill="hold">
+                            <p:stCondLst>
+                              <p:cond delay="0"/>
+                            </p:stCondLst>
+                            <p:childTnLst>
+                              <p:par>
+                                <p:cTn id="13" presetID="42" presetClass="path" presetSubtype="0" accel="50000" decel="50000" fill="hold" nodeType="clickEffect">
+                                  <p:stCondLst>
+                                    <p:cond delay="0"/>
+                                  </p:stCondLst>
+                                  <p:childTnLst>
+                                    <p:animMotion origin="layout" path="M -2.70833E-6 4.81481E-6 L 0.37331 -0.24399 " pathEditMode="relative" rAng="0" ptsTypes="AA">
+                                      <p:cBhvr>
+                                        <p:cTn id="14" dur="2000" fill="hold"/>
+                                        <p:tgtEl>
+                                          <p:spTgt spid="3"/>
+                                        </p:tgtEl>
+                                        <p:attrNameLst>
+                                          <p:attrName>ppt_x</p:attrName>
+                                          <p:attrName>ppt_y</p:attrName>
+                                        </p:attrNameLst>
+                                      </p:cBhvr>
+                                      <p:rCtr x="18659" y="-12199"/>
+                                    </p:animMotion>
+                                  </p:childTnLst>
+                                </p:cTn>
+                              </p:par>
+                            </p:childTnLst>
+                          </p:cTn>
+                        </p:par>
+                      </p:childTnLst>
+                    </p:cTn>
+                  </p:par>
+                  <p:par>
+                    <p:cTn id="15" fill="hold">
+                      <p:stCondLst>
+                        <p:cond delay="indefinite"/>
+                      </p:stCondLst>
+                      <p:childTnLst>
+                        <p:par>
+                          <p:cTn id="16" fill="hold">
+                            <p:stCondLst>
+                              <p:cond delay="0"/>
+                            </p:stCondLst>
+                            <p:childTnLst>
+                              <p:par>
+                                <p:cTn id="17" presetID="10" presetClass="entr" presetSubtype="0" fill="hold" nodeType="clickEffect">
+                                  <p:stCondLst>
+                                    <p:cond delay="0"/>
+                                  </p:stCondLst>
+                                  <p:childTnLst>
+                                    <p:set>
+                                      <p:cBhvr>
+                                        <p:cTn id="18" dur="1" fill="hold">
+                                          <p:stCondLst>
+                                            <p:cond delay="0"/>
+                                          </p:stCondLst>
+                                        </p:cTn>
+                                        <p:tgtEl>
+                                          <p:spTgt spid="2"/>
+                                        </p:tgtEl>
+                                        <p:attrNameLst>
+                                          <p:attrName>style.visibility</p:attrName>
+                                        </p:attrNameLst>
+                                      </p:cBhvr>
+                                      <p:to>
+                                        <p:strVal val="visible"/>
+                                      </p:to>
+                                    </p:set>
+                                    <p:animEffect transition="in" filter="fade">
+                                      <p:cBhvr>
+                                        <p:cTn id="19" dur="500"/>
+                                        <p:tgtEl>
+                                          <p:spTgt spid="2"/>
+                                        </p:tgtEl>
+                                      </p:cBhvr>
+                                    </p:animEffect>
+                                  </p:childTnLst>
+                                </p:cTn>
+                              </p:par>
+                            </p:childTnLst>
+                          </p:cTn>
+                        </p:par>
+                      </p:childTnLst>
+                    </p:cTn>
+                  </p:par>
+                </p:childTnLst>
+              </p:cTn>
+              <p:prevCondLst>
+                <p:cond evt="onPrev" delay="0">
+                  <p:tgtEl>
+                    <p:sldTgt/>
+                  </p:tgtEl>
+                </p:cond>
+              </p:prevCondLst>
+              <p:nextCondLst>
+                <p:cond evt="onNext" delay="0">
+                  <p:tgtEl>
+                    <p:sldTgt/>
+                  </p:tgtEl>
+                </p:cond>
+              </p:nextCondLst>
+            </p:seq>
+          </p:childTnLst>
+        </p:cTn>
+      </p:par>
+    </p:tnLst>
+    <p:bldLst>
+      <p:bldP spid="6" grpId="0" animBg="1"/>
+      <p:bldP spid="7" grpId="0" animBg="1"/>
+      <p:bldP spid="8" grpId="0" animBg="1"/>
+    </p:bldLst>
+  </p:timing>
 </p:sld>
 </file>
 
-<file path=ppt/slides/slide2.xml><?xml version="1.0" encoding="utf-8"?>
+<file path=ppt/slides/slide12.xml><?xml version="1.0" encoding="utf-8"?>
 <p:sld xmlns:a="http://schemas.openxmlformats.org/drawingml/2006/main" xmlns:r="http://schemas.openxmlformats.org/officeDocument/2006/relationships" xmlns:p="http://schemas.openxmlformats.org/presentationml/2006/main">
   <p:cSld>
     <p:spTree>
@@ -3396,7 +7017,7 @@
           <p:cNvPr id="3" name="Imagem 2" descr="Gráfico, Histograma&#10;&#10;Descrição gerada automaticamente">
             <a:extLst>
               <a:ext uri="{FF2B5EF4-FFF2-40B4-BE49-F238E27FC236}">
-                <a16:creationId xmlns:a16="http://schemas.microsoft.com/office/drawing/2014/main" id="{DCCB705F-E61D-7B83-C1C1-1CDE87ADC369}"/>
+                <a16:creationId xmlns:a16="http://schemas.microsoft.com/office/drawing/2014/main" id="{A808908F-8BFE-463B-015C-BD2BAB6EE8CB}"/>
               </a:ext>
             </a:extLst>
           </p:cNvPr>
@@ -3419,8 +7040,8 @@
         </p:blipFill>
         <p:spPr>
           <a:xfrm>
-            <a:off x="5282009" y="0"/>
-            <a:ext cx="6909991" cy="3508980"/>
+            <a:off x="5439509" y="3429000"/>
+            <a:ext cx="6752492" cy="3429000"/>
           </a:xfrm>
           <a:prstGeom prst="rect">
             <a:avLst/>
@@ -3429,10 +7050,10 @@
       </p:pic>
       <p:pic>
         <p:nvPicPr>
-          <p:cNvPr id="5" name="Imagem 4" descr="Gráfico, Gráfico de barras, Histograma&#10;&#10;Descrição gerada automaticamente">
-            <a:extLst>
-              <a:ext uri="{FF2B5EF4-FFF2-40B4-BE49-F238E27FC236}">
-                <a16:creationId xmlns:a16="http://schemas.microsoft.com/office/drawing/2014/main" id="{7A32E6E1-8A66-258D-A262-FDE2E87223BE}"/>
+          <p:cNvPr id="5" name="Imagem 4" descr="Gráfico&#10;&#10;Descrição gerada automaticamente">
+            <a:extLst>
+              <a:ext uri="{FF2B5EF4-FFF2-40B4-BE49-F238E27FC236}">
+                <a16:creationId xmlns:a16="http://schemas.microsoft.com/office/drawing/2014/main" id="{D1BC4A62-4B1A-E2E5-ABE9-AEEBF621591A}"/>
               </a:ext>
             </a:extLst>
           </p:cNvPr>
@@ -3455,8 +7076,78 @@
         </p:blipFill>
         <p:spPr>
           <a:xfrm>
-            <a:off x="5282009" y="3349020"/>
-            <a:ext cx="6909991" cy="3508980"/>
+            <a:off x="5439509" y="0"/>
+            <a:ext cx="6752492" cy="3429000"/>
+          </a:xfrm>
+          <a:prstGeom prst="rect">
+            <a:avLst/>
+          </a:prstGeom>
+        </p:spPr>
+      </p:pic>
+      <p:pic>
+        <p:nvPicPr>
+          <p:cNvPr id="2" name="Imagem 1" descr="Gráfico, Gráfico de barras, Histograma&#10;&#10;Descrição gerada automaticamente">
+            <a:extLst>
+              <a:ext uri="{FF2B5EF4-FFF2-40B4-BE49-F238E27FC236}">
+                <a16:creationId xmlns:a16="http://schemas.microsoft.com/office/drawing/2014/main" id="{3E8F0D22-9A18-DC7B-5AF4-E1DFA8FF0277}"/>
+              </a:ext>
+            </a:extLst>
+          </p:cNvPr>
+          <p:cNvPicPr>
+            <a:picLocks noChangeAspect="1"/>
+          </p:cNvPicPr>
+          <p:nvPr/>
+        </p:nvPicPr>
+        <p:blipFill>
+          <a:blip r:embed="rId4">
+            <a:extLst>
+              <a:ext uri="{28A0092B-C50C-407E-A947-70E740481C1C}">
+                <a14:useLocalDpi xmlns:a14="http://schemas.microsoft.com/office/drawing/2010/main" val="0"/>
+              </a:ext>
+            </a:extLst>
+          </a:blip>
+          <a:srcRect l="1126" r="9058"/>
+          <a:stretch/>
+        </p:blipFill>
+        <p:spPr>
+          <a:xfrm>
+            <a:off x="0" y="198338"/>
+            <a:ext cx="5363200" cy="3032325"/>
+          </a:xfrm>
+          <a:prstGeom prst="rect">
+            <a:avLst/>
+          </a:prstGeom>
+        </p:spPr>
+      </p:pic>
+      <p:pic>
+        <p:nvPicPr>
+          <p:cNvPr id="4" name="Imagem 3" descr="Gráfico, Histograma&#10;&#10;Descrição gerada automaticamente">
+            <a:extLst>
+              <a:ext uri="{FF2B5EF4-FFF2-40B4-BE49-F238E27FC236}">
+                <a16:creationId xmlns:a16="http://schemas.microsoft.com/office/drawing/2014/main" id="{0C93EA4D-CCAA-0382-C7F6-37BB9DC58001}"/>
+              </a:ext>
+            </a:extLst>
+          </p:cNvPr>
+          <p:cNvPicPr>
+            <a:picLocks noChangeAspect="1"/>
+          </p:cNvPicPr>
+          <p:nvPr/>
+        </p:nvPicPr>
+        <p:blipFill>
+          <a:blip r:embed="rId5">
+            <a:extLst>
+              <a:ext uri="{28A0092B-C50C-407E-A947-70E740481C1C}">
+                <a14:useLocalDpi xmlns:a14="http://schemas.microsoft.com/office/drawing/2010/main" val="0"/>
+              </a:ext>
+            </a:extLst>
+          </a:blip>
+          <a:srcRect l="1049" r="9136"/>
+          <a:stretch/>
+        </p:blipFill>
+        <p:spPr>
+          <a:xfrm>
+            <a:off x="0" y="3627337"/>
+            <a:ext cx="5363200" cy="3032325"/>
           </a:xfrm>
           <a:prstGeom prst="rect">
             <a:avLst/>
@@ -3466,7 +7157,349 @@
     </p:spTree>
     <p:extLst>
       <p:ext uri="{BB962C8B-B14F-4D97-AF65-F5344CB8AC3E}">
-        <p14:creationId xmlns:p14="http://schemas.microsoft.com/office/powerpoint/2010/main" val="865715751"/>
+        <p14:creationId xmlns:p14="http://schemas.microsoft.com/office/powerpoint/2010/main" val="3246687439"/>
+      </p:ext>
+    </p:extLst>
+  </p:cSld>
+  <p:clrMapOvr>
+    <a:masterClrMapping/>
+  </p:clrMapOvr>
+  <mc:AlternateContent xmlns:mc="http://schemas.openxmlformats.org/markup-compatibility/2006">
+    <mc:Choice xmlns:p159="http://schemas.microsoft.com/office/powerpoint/2015/09/main" Requires="p159">
+      <p:transition xmlns:p14="http://schemas.microsoft.com/office/powerpoint/2010/main" spd="slow" p14:dur="2000">
+        <p159:morph option="byObject"/>
+      </p:transition>
+    </mc:Choice>
+    <mc:Fallback>
+      <p:transition spd="slow">
+        <p:fade/>
+      </p:transition>
+    </mc:Fallback>
+  </mc:AlternateContent>
+  <p:timing>
+    <p:tnLst>
+      <p:par>
+        <p:cTn id="1" dur="indefinite" restart="never" nodeType="tmRoot">
+          <p:childTnLst>
+            <p:seq concurrent="1" nextAc="seek">
+              <p:cTn id="2" dur="indefinite" nodeType="mainSeq">
+                <p:childTnLst>
+                  <p:par>
+                    <p:cTn id="3" fill="hold">
+                      <p:stCondLst>
+                        <p:cond delay="indefinite"/>
+                      </p:stCondLst>
+                      <p:childTnLst>
+                        <p:par>
+                          <p:cTn id="4" fill="hold">
+                            <p:stCondLst>
+                              <p:cond delay="0"/>
+                            </p:stCondLst>
+                            <p:childTnLst>
+                              <p:par>
+                                <p:cTn id="5" presetID="10" presetClass="entr" presetSubtype="0" fill="hold" nodeType="clickEffect">
+                                  <p:stCondLst>
+                                    <p:cond delay="0"/>
+                                  </p:stCondLst>
+                                  <p:childTnLst>
+                                    <p:set>
+                                      <p:cBhvr>
+                                        <p:cTn id="6" dur="1" fill="hold">
+                                          <p:stCondLst>
+                                            <p:cond delay="0"/>
+                                          </p:stCondLst>
+                                        </p:cTn>
+                                        <p:tgtEl>
+                                          <p:spTgt spid="4"/>
+                                        </p:tgtEl>
+                                        <p:attrNameLst>
+                                          <p:attrName>style.visibility</p:attrName>
+                                        </p:attrNameLst>
+                                      </p:cBhvr>
+                                      <p:to>
+                                        <p:strVal val="visible"/>
+                                      </p:to>
+                                    </p:set>
+                                    <p:animEffect transition="in" filter="fade">
+                                      <p:cBhvr>
+                                        <p:cTn id="7" dur="500"/>
+                                        <p:tgtEl>
+                                          <p:spTgt spid="4"/>
+                                        </p:tgtEl>
+                                      </p:cBhvr>
+                                    </p:animEffect>
+                                  </p:childTnLst>
+                                </p:cTn>
+                              </p:par>
+                              <p:par>
+                                <p:cTn id="8" presetID="10" presetClass="entr" presetSubtype="0" fill="hold" nodeType="withEffect">
+                                  <p:stCondLst>
+                                    <p:cond delay="0"/>
+                                  </p:stCondLst>
+                                  <p:childTnLst>
+                                    <p:set>
+                                      <p:cBhvr>
+                                        <p:cTn id="9" dur="1" fill="hold">
+                                          <p:stCondLst>
+                                            <p:cond delay="0"/>
+                                          </p:stCondLst>
+                                        </p:cTn>
+                                        <p:tgtEl>
+                                          <p:spTgt spid="2"/>
+                                        </p:tgtEl>
+                                        <p:attrNameLst>
+                                          <p:attrName>style.visibility</p:attrName>
+                                        </p:attrNameLst>
+                                      </p:cBhvr>
+                                      <p:to>
+                                        <p:strVal val="visible"/>
+                                      </p:to>
+                                    </p:set>
+                                    <p:animEffect transition="in" filter="fade">
+                                      <p:cBhvr>
+                                        <p:cTn id="10" dur="500"/>
+                                        <p:tgtEl>
+                                          <p:spTgt spid="2"/>
+                                        </p:tgtEl>
+                                      </p:cBhvr>
+                                    </p:animEffect>
+                                  </p:childTnLst>
+                                </p:cTn>
+                              </p:par>
+                            </p:childTnLst>
+                          </p:cTn>
+                        </p:par>
+                      </p:childTnLst>
+                    </p:cTn>
+                  </p:par>
+                </p:childTnLst>
+              </p:cTn>
+              <p:prevCondLst>
+                <p:cond evt="onPrev" delay="0">
+                  <p:tgtEl>
+                    <p:sldTgt/>
+                  </p:tgtEl>
+                </p:cond>
+              </p:prevCondLst>
+              <p:nextCondLst>
+                <p:cond evt="onNext" delay="0">
+                  <p:tgtEl>
+                    <p:sldTgt/>
+                  </p:tgtEl>
+                </p:cond>
+              </p:nextCondLst>
+            </p:seq>
+          </p:childTnLst>
+        </p:cTn>
+      </p:par>
+    </p:tnLst>
+  </p:timing>
+</p:sld>
+</file>
+
+<file path=ppt/slides/slide2.xml><?xml version="1.0" encoding="utf-8"?>
+<p:sld xmlns:a="http://schemas.openxmlformats.org/drawingml/2006/main" xmlns:r="http://schemas.openxmlformats.org/officeDocument/2006/relationships" xmlns:p="http://schemas.openxmlformats.org/presentationml/2006/main">
+  <p:cSld>
+    <p:bg>
+      <p:bgPr>
+        <a:solidFill>
+          <a:schemeClr val="bg1"/>
+        </a:solidFill>
+        <a:effectLst/>
+      </p:bgPr>
+    </p:bg>
+    <p:spTree>
+      <p:nvGrpSpPr>
+        <p:cNvPr id="1" name="">
+          <a:extLst>
+            <a:ext uri="{FF2B5EF4-FFF2-40B4-BE49-F238E27FC236}">
+              <a16:creationId xmlns:a16="http://schemas.microsoft.com/office/drawing/2014/main" id="{D5370BC8-66B9-F485-8CA0-58A72F8AE321}"/>
+            </a:ext>
+          </a:extLst>
+        </p:cNvPr>
+        <p:cNvGrpSpPr/>
+        <p:nvPr/>
+      </p:nvGrpSpPr>
+      <p:grpSpPr>
+        <a:xfrm>
+          <a:off x="0" y="0"/>
+          <a:ext cx="0" cy="0"/>
+          <a:chOff x="0" y="0"/>
+          <a:chExt cx="0" cy="0"/>
+        </a:xfrm>
+      </p:grpSpPr>
+      <p:sp>
+        <p:nvSpPr>
+          <p:cNvPr id="3" name="Espaço Reservado para Conteúdo 2">
+            <a:extLst>
+              <a:ext uri="{FF2B5EF4-FFF2-40B4-BE49-F238E27FC236}">
+                <a16:creationId xmlns:a16="http://schemas.microsoft.com/office/drawing/2014/main" id="{02BF9995-5C08-1800-59DF-E237EC2833EF}"/>
+              </a:ext>
+            </a:extLst>
+          </p:cNvPr>
+          <p:cNvSpPr>
+            <a:spLocks noGrp="1"/>
+          </p:cNvSpPr>
+          <p:nvPr>
+            <p:ph idx="1"/>
+          </p:nvPr>
+        </p:nvSpPr>
+        <p:spPr>
+          <a:xfrm>
+            <a:off x="0" y="0"/>
+            <a:ext cx="4648200" cy="6858000"/>
+          </a:xfrm>
+        </p:spPr>
+        <p:txBody>
+          <a:bodyPr anchor="ctr">
+            <a:normAutofit/>
+          </a:bodyPr>
+          <a:lstStyle/>
+          <a:p>
+            <a:pPr marL="342900" indent="-342900">
+              <a:buFont typeface="+mj-lt"/>
+              <a:buAutoNum type="arabicPeriod"/>
+            </a:pPr>
+            <a:r>
+              <a:rPr lang="pt-BR" sz="2400" b="0" i="0" dirty="0">
+                <a:solidFill>
+                  <a:schemeClr val="tx2"/>
+                </a:solidFill>
+                <a:effectLst/>
+                <a:latin typeface="STIXTwoText"/>
+              </a:rPr>
+              <a:t>Reproduza os resultados do artigo Hambric et al 2004 para a condição analisada com uma borda livre;</a:t>
+            </a:r>
+          </a:p>
+          <a:p>
+            <a:pPr marL="342900" indent="-342900">
+              <a:buFont typeface="+mj-lt"/>
+              <a:buAutoNum type="arabicPeriod"/>
+            </a:pPr>
+            <a:r>
+              <a:rPr lang="pt-BR" sz="2400" b="0" i="0" dirty="0">
+                <a:solidFill>
+                  <a:schemeClr val="tx2"/>
+                </a:solidFill>
+                <a:effectLst/>
+                <a:latin typeface="STIXTwoText"/>
+              </a:rPr>
+              <a:t>Calcule a resposta da placa considerada no item 1, considerando uma excitação na forma de um campo acústico difuso. Para tanto, considere a formulação para a densidade espectral cruzada fornecida no artigo Marcheto et al 2017 e o Autoespectro encontrado no item 1.</a:t>
+            </a:r>
+          </a:p>
+          <a:p>
+            <a:pPr marL="342900" indent="-342900">
+              <a:buFont typeface="+mj-lt"/>
+              <a:buAutoNum type="arabicPeriod"/>
+            </a:pPr>
+            <a:r>
+              <a:rPr lang="pt-BR" sz="2400" b="0" i="0" dirty="0">
+                <a:solidFill>
+                  <a:schemeClr val="tx2"/>
+                </a:solidFill>
+                <a:effectLst/>
+                <a:latin typeface="STIXTwoText"/>
+              </a:rPr>
+              <a:t>Compare as resposta e discuta os resultados.</a:t>
+            </a:r>
+            <a:r>
+              <a:rPr lang="pt-BR" sz="2400" dirty="0">
+                <a:solidFill>
+                  <a:schemeClr val="tx2"/>
+                </a:solidFill>
+              </a:rPr>
+              <a:t> </a:t>
+            </a:r>
+            <a:br>
+              <a:rPr lang="pt-BR" sz="2400" dirty="0">
+                <a:solidFill>
+                  <a:schemeClr val="tx2"/>
+                </a:solidFill>
+              </a:rPr>
+            </a:br>
+            <a:endParaRPr lang="pt-BR" sz="2400" dirty="0">
+              <a:solidFill>
+                <a:schemeClr val="tx2"/>
+              </a:solidFill>
+            </a:endParaRPr>
+          </a:p>
+        </p:txBody>
+      </p:sp>
+      <p:pic>
+        <p:nvPicPr>
+          <p:cNvPr id="5" name="Imagem 4" descr="Hambric">
+            <a:extLst>
+              <a:ext uri="{FF2B5EF4-FFF2-40B4-BE49-F238E27FC236}">
+                <a16:creationId xmlns:a16="http://schemas.microsoft.com/office/drawing/2014/main" id="{716CC884-000F-0350-EB5D-3A9E8031B6A7}"/>
+              </a:ext>
+            </a:extLst>
+          </p:cNvPr>
+          <p:cNvPicPr>
+            <a:picLocks noChangeAspect="1"/>
+          </p:cNvPicPr>
+          <p:nvPr/>
+        </p:nvPicPr>
+        <p:blipFill>
+          <a:blip r:embed="rId2">
+            <a:extLst>
+              <a:ext uri="{28A0092B-C50C-407E-A947-70E740481C1C}">
+                <a14:useLocalDpi xmlns:a14="http://schemas.microsoft.com/office/drawing/2010/main" val="0"/>
+              </a:ext>
+            </a:extLst>
+          </a:blip>
+          <a:stretch>
+            <a:fillRect/>
+          </a:stretch>
+        </p:blipFill>
+        <p:spPr>
+          <a:xfrm>
+            <a:off x="4661643" y="0"/>
+            <a:ext cx="7530357" cy="3429000"/>
+          </a:xfrm>
+          <a:prstGeom prst="rect">
+            <a:avLst/>
+          </a:prstGeom>
+        </p:spPr>
+      </p:pic>
+      <p:pic>
+        <p:nvPicPr>
+          <p:cNvPr id="7" name="Imagem 6" descr="Uma imagem contendo objeto, relógio">
+            <a:extLst>
+              <a:ext uri="{FF2B5EF4-FFF2-40B4-BE49-F238E27FC236}">
+                <a16:creationId xmlns:a16="http://schemas.microsoft.com/office/drawing/2014/main" id="{B207D492-3C66-0705-6402-AE68B405629A}"/>
+              </a:ext>
+            </a:extLst>
+          </p:cNvPr>
+          <p:cNvPicPr>
+            <a:picLocks noChangeAspect="1"/>
+          </p:cNvPicPr>
+          <p:nvPr/>
+        </p:nvPicPr>
+        <p:blipFill>
+          <a:blip r:embed="rId3">
+            <a:extLst>
+              <a:ext uri="{28A0092B-C50C-407E-A947-70E740481C1C}">
+                <a14:useLocalDpi xmlns:a14="http://schemas.microsoft.com/office/drawing/2010/main" val="0"/>
+              </a:ext>
+            </a:extLst>
+          </a:blip>
+          <a:srcRect t="6670" b="3894"/>
+          <a:stretch/>
+        </p:blipFill>
+        <p:spPr>
+          <a:xfrm>
+            <a:off x="4819893" y="3429000"/>
+            <a:ext cx="7372107" cy="3429001"/>
+          </a:xfrm>
+          <a:prstGeom prst="rect">
+            <a:avLst/>
+          </a:prstGeom>
+        </p:spPr>
+      </p:pic>
+    </p:spTree>
+    <p:extLst>
+      <p:ext uri="{BB962C8B-B14F-4D97-AF65-F5344CB8AC3E}">
+        <p14:creationId xmlns:p14="http://schemas.microsoft.com/office/powerpoint/2010/main" val="3418455002"/>
       </p:ext>
     </p:extLst>
   </p:cSld>
@@ -3479,6 +7512,14 @@
 <file path=ppt/slides/slide3.xml><?xml version="1.0" encoding="utf-8"?>
 <p:sld xmlns:a="http://schemas.openxmlformats.org/drawingml/2006/main" xmlns:r="http://schemas.openxmlformats.org/officeDocument/2006/relationships" xmlns:p="http://schemas.openxmlformats.org/presentationml/2006/main">
   <p:cSld>
+    <p:bg>
+      <p:bgPr>
+        <a:solidFill>
+          <a:schemeClr val="bg1"/>
+        </a:solidFill>
+        <a:effectLst/>
+      </p:bgPr>
+    </p:bg>
     <p:spTree>
       <p:nvGrpSpPr>
         <p:cNvPr id="1" name=""/>
@@ -3493,12 +7534,52 @@
           <a:chExt cx="0" cy="0"/>
         </a:xfrm>
       </p:grpSpPr>
+      <p:sp>
+        <p:nvSpPr>
+          <p:cNvPr id="2" name="Título 1">
+            <a:extLst>
+              <a:ext uri="{FF2B5EF4-FFF2-40B4-BE49-F238E27FC236}">
+                <a16:creationId xmlns:a16="http://schemas.microsoft.com/office/drawing/2014/main" id="{2AF600FC-6339-383C-DF3F-A416B69C856B}"/>
+              </a:ext>
+            </a:extLst>
+          </p:cNvPr>
+          <p:cNvSpPr>
+            <a:spLocks noGrp="1"/>
+          </p:cNvSpPr>
+          <p:nvPr>
+            <p:ph type="title"/>
+          </p:nvPr>
+        </p:nvSpPr>
+        <p:spPr>
+          <a:xfrm>
+            <a:off x="775470" y="38100"/>
+            <a:ext cx="10640754" cy="775845"/>
+          </a:xfrm>
+        </p:spPr>
+        <p:txBody>
+          <a:bodyPr vert="horz" lIns="91440" tIns="45720" rIns="91440" bIns="45720" rtlCol="0" anchor="b">
+            <a:normAutofit/>
+          </a:bodyPr>
+          <a:lstStyle/>
+          <a:p>
+            <a:pPr algn="ctr"/>
+            <a:endParaRPr lang="en-US" sz="4000" kern="1200" dirty="0">
+              <a:solidFill>
+                <a:schemeClr val="tx2"/>
+              </a:solidFill>
+              <a:latin typeface="+mj-lt"/>
+              <a:ea typeface="+mj-ea"/>
+              <a:cs typeface="+mj-cs"/>
+            </a:endParaRPr>
+          </a:p>
+        </p:txBody>
+      </p:sp>
       <p:pic>
         <p:nvPicPr>
-          <p:cNvPr id="5" name="Imagem 4" descr="Diagrama, Histograma&#10;&#10;Descrição gerada automaticamente">
-            <a:extLst>
-              <a:ext uri="{FF2B5EF4-FFF2-40B4-BE49-F238E27FC236}">
-                <a16:creationId xmlns:a16="http://schemas.microsoft.com/office/drawing/2014/main" id="{C45B1C4B-960B-2723-7C37-2E7419805994}"/>
+          <p:cNvPr id="26" name="Imagem 25">
+            <a:extLst>
+              <a:ext uri="{FF2B5EF4-FFF2-40B4-BE49-F238E27FC236}">
+                <a16:creationId xmlns:a16="http://schemas.microsoft.com/office/drawing/2014/main" id="{5408B3FB-FE2A-35E5-3A71-A18DF05B0C5B}"/>
               </a:ext>
             </a:extLst>
           </p:cNvPr>
@@ -3508,37 +7589,840 @@
           <p:nvPr/>
         </p:nvPicPr>
         <p:blipFill>
-          <a:blip r:embed="rId2">
-            <a:extLst>
-              <a:ext uri="{28A0092B-C50C-407E-A947-70E740481C1C}">
-                <a14:useLocalDpi xmlns:a14="http://schemas.microsoft.com/office/drawing/2010/main" val="0"/>
-              </a:ext>
-            </a:extLst>
-          </a:blip>
+          <a:blip r:embed="rId2"/>
           <a:stretch>
             <a:fillRect/>
           </a:stretch>
         </p:blipFill>
         <p:spPr>
           <a:xfrm>
-            <a:off x="3413743" y="1200145"/>
-            <a:ext cx="8778257" cy="4457709"/>
+            <a:off x="3353615" y="1666070"/>
+            <a:ext cx="3867690" cy="495369"/>
+          </a:xfrm>
+          <a:prstGeom prst="rect">
+            <a:avLst/>
+          </a:prstGeom>
+          <a:ln w="28575">
+            <a:solidFill>
+              <a:srgbClr val="00B0F0"/>
+            </a:solidFill>
+          </a:ln>
+        </p:spPr>
+      </p:pic>
+      <p:pic>
+        <p:nvPicPr>
+          <p:cNvPr id="30" name="Imagem 29">
+            <a:extLst>
+              <a:ext uri="{FF2B5EF4-FFF2-40B4-BE49-F238E27FC236}">
+                <a16:creationId xmlns:a16="http://schemas.microsoft.com/office/drawing/2014/main" id="{A6734CDE-8C2A-0FD8-4889-E8DE71781962}"/>
+              </a:ext>
+            </a:extLst>
+          </p:cNvPr>
+          <p:cNvPicPr>
+            <a:picLocks noChangeAspect="1"/>
+          </p:cNvPicPr>
+          <p:nvPr/>
+        </p:nvPicPr>
+        <p:blipFill>
+          <a:blip r:embed="rId3"/>
+          <a:stretch>
+            <a:fillRect/>
+          </a:stretch>
+        </p:blipFill>
+        <p:spPr>
+          <a:xfrm>
+            <a:off x="2151216" y="3115762"/>
+            <a:ext cx="7992590" cy="800212"/>
           </a:xfrm>
           <a:prstGeom prst="rect">
             <a:avLst/>
           </a:prstGeom>
         </p:spPr>
       </p:pic>
+      <p:sp>
+        <p:nvSpPr>
+          <p:cNvPr id="13" name="Retângulo: Cantos Arredondados 12">
+            <a:extLst>
+              <a:ext uri="{FF2B5EF4-FFF2-40B4-BE49-F238E27FC236}">
+                <a16:creationId xmlns:a16="http://schemas.microsoft.com/office/drawing/2014/main" id="{990A1764-1427-24A6-368A-37BE9AFFD4E0}"/>
+              </a:ext>
+            </a:extLst>
+          </p:cNvPr>
+          <p:cNvSpPr/>
+          <p:nvPr/>
+        </p:nvSpPr>
+        <p:spPr>
+          <a:xfrm>
+            <a:off x="2121408" y="3310128"/>
+            <a:ext cx="1517904" cy="411480"/>
+          </a:xfrm>
+          <a:prstGeom prst="roundRect">
+            <a:avLst/>
+          </a:prstGeom>
+          <a:noFill/>
+          <a:ln w="28575" cap="flat" cmpd="sng" algn="ctr">
+            <a:solidFill>
+              <a:schemeClr val="accent2"/>
+            </a:solidFill>
+            <a:prstDash val="solid"/>
+            <a:round/>
+            <a:headEnd type="none" w="med" len="med"/>
+            <a:tailEnd type="none" w="med" len="med"/>
+          </a:ln>
+        </p:spPr>
+        <p:style>
+          <a:lnRef idx="0">
+            <a:scrgbClr r="0" g="0" b="0"/>
+          </a:lnRef>
+          <a:fillRef idx="0">
+            <a:scrgbClr r="0" g="0" b="0"/>
+          </a:fillRef>
+          <a:effectRef idx="0">
+            <a:scrgbClr r="0" g="0" b="0"/>
+          </a:effectRef>
+          <a:fontRef idx="minor">
+            <a:schemeClr val="accent2"/>
+          </a:fontRef>
+        </p:style>
+        <p:txBody>
+          <a:bodyPr rtlCol="0" anchor="ctr"/>
+          <a:lstStyle/>
+          <a:p>
+            <a:pPr algn="ctr"/>
+            <a:endParaRPr lang="pt-BR"/>
+          </a:p>
+        </p:txBody>
+      </p:sp>
+      <p:sp>
+        <p:nvSpPr>
+          <p:cNvPr id="19" name="Retângulo: Cantos Arredondados 18">
+            <a:extLst>
+              <a:ext uri="{FF2B5EF4-FFF2-40B4-BE49-F238E27FC236}">
+                <a16:creationId xmlns:a16="http://schemas.microsoft.com/office/drawing/2014/main" id="{184BD004-3F75-3C20-EA98-A16B06339F9A}"/>
+              </a:ext>
+            </a:extLst>
+          </p:cNvPr>
+          <p:cNvSpPr/>
+          <p:nvPr/>
+        </p:nvSpPr>
+        <p:spPr>
+          <a:xfrm>
+            <a:off x="6601968" y="3310128"/>
+            <a:ext cx="1554480" cy="411480"/>
+          </a:xfrm>
+          <a:prstGeom prst="roundRect">
+            <a:avLst/>
+          </a:prstGeom>
+          <a:noFill/>
+          <a:ln w="28575" cap="flat" cmpd="sng" algn="ctr">
+            <a:solidFill>
+              <a:srgbClr val="00B0F0"/>
+            </a:solidFill>
+            <a:prstDash val="solid"/>
+            <a:round/>
+            <a:headEnd type="none" w="med" len="med"/>
+            <a:tailEnd type="none" w="med" len="med"/>
+          </a:ln>
+        </p:spPr>
+        <p:style>
+          <a:lnRef idx="0">
+            <a:scrgbClr r="0" g="0" b="0"/>
+          </a:lnRef>
+          <a:fillRef idx="0">
+            <a:scrgbClr r="0" g="0" b="0"/>
+          </a:fillRef>
+          <a:effectRef idx="0">
+            <a:scrgbClr r="0" g="0" b="0"/>
+          </a:effectRef>
+          <a:fontRef idx="minor">
+            <a:schemeClr val="accent2"/>
+          </a:fontRef>
+        </p:style>
+        <p:txBody>
+          <a:bodyPr rtlCol="0" anchor="ctr"/>
+          <a:lstStyle/>
+          <a:p>
+            <a:pPr algn="ctr"/>
+            <a:endParaRPr lang="pt-BR"/>
+          </a:p>
+        </p:txBody>
+      </p:sp>
+      <p:sp>
+        <p:nvSpPr>
+          <p:cNvPr id="27" name="Retângulo: Cantos Arredondados 26">
+            <a:extLst>
+              <a:ext uri="{FF2B5EF4-FFF2-40B4-BE49-F238E27FC236}">
+                <a16:creationId xmlns:a16="http://schemas.microsoft.com/office/drawing/2014/main" id="{1E240444-77D5-80D1-2D32-9F066C522140}"/>
+              </a:ext>
+            </a:extLst>
+          </p:cNvPr>
+          <p:cNvSpPr/>
+          <p:nvPr/>
+        </p:nvSpPr>
+        <p:spPr>
+          <a:xfrm>
+            <a:off x="8531352" y="3310128"/>
+            <a:ext cx="1600653" cy="411480"/>
+          </a:xfrm>
+          <a:prstGeom prst="roundRect">
+            <a:avLst/>
+          </a:prstGeom>
+          <a:noFill/>
+          <a:ln w="28575" cap="flat" cmpd="sng" algn="ctr">
+            <a:solidFill>
+              <a:srgbClr val="7030A0"/>
+            </a:solidFill>
+            <a:prstDash val="solid"/>
+            <a:round/>
+            <a:headEnd type="none" w="med" len="med"/>
+            <a:tailEnd type="none" w="med" len="med"/>
+          </a:ln>
+        </p:spPr>
+        <p:style>
+          <a:lnRef idx="0">
+            <a:scrgbClr r="0" g="0" b="0"/>
+          </a:lnRef>
+          <a:fillRef idx="0">
+            <a:scrgbClr r="0" g="0" b="0"/>
+          </a:fillRef>
+          <a:effectRef idx="0">
+            <a:scrgbClr r="0" g="0" b="0"/>
+          </a:effectRef>
+          <a:fontRef idx="minor">
+            <a:schemeClr val="accent2"/>
+          </a:fontRef>
+        </p:style>
+        <p:txBody>
+          <a:bodyPr rtlCol="0" anchor="ctr"/>
+          <a:lstStyle/>
+          <a:p>
+            <a:pPr algn="ctr"/>
+            <a:endParaRPr lang="pt-BR"/>
+          </a:p>
+        </p:txBody>
+      </p:sp>
+      <p:sp>
+        <p:nvSpPr>
+          <p:cNvPr id="28" name="Retângulo: Cantos Arredondados 27">
+            <a:extLst>
+              <a:ext uri="{FF2B5EF4-FFF2-40B4-BE49-F238E27FC236}">
+                <a16:creationId xmlns:a16="http://schemas.microsoft.com/office/drawing/2014/main" id="{44CC7EF7-B79B-FF0B-CF0F-08B45BDA91B6}"/>
+              </a:ext>
+            </a:extLst>
+          </p:cNvPr>
+          <p:cNvSpPr/>
+          <p:nvPr/>
+        </p:nvSpPr>
+        <p:spPr>
+          <a:xfrm>
+            <a:off x="4626410" y="3315719"/>
+            <a:ext cx="1600653" cy="411480"/>
+          </a:xfrm>
+          <a:prstGeom prst="roundRect">
+            <a:avLst/>
+          </a:prstGeom>
+          <a:noFill/>
+          <a:ln w="28575" cap="flat" cmpd="sng" algn="ctr">
+            <a:solidFill>
+              <a:srgbClr val="7030A0"/>
+            </a:solidFill>
+            <a:prstDash val="solid"/>
+            <a:round/>
+            <a:headEnd type="none" w="med" len="med"/>
+            <a:tailEnd type="none" w="med" len="med"/>
+          </a:ln>
+        </p:spPr>
+        <p:style>
+          <a:lnRef idx="0">
+            <a:scrgbClr r="0" g="0" b="0"/>
+          </a:lnRef>
+          <a:fillRef idx="0">
+            <a:scrgbClr r="0" g="0" b="0"/>
+          </a:fillRef>
+          <a:effectRef idx="0">
+            <a:scrgbClr r="0" g="0" b="0"/>
+          </a:effectRef>
+          <a:fontRef idx="minor">
+            <a:schemeClr val="accent2"/>
+          </a:fontRef>
+        </p:style>
+        <p:txBody>
+          <a:bodyPr rtlCol="0" anchor="ctr"/>
+          <a:lstStyle/>
+          <a:p>
+            <a:pPr algn="ctr"/>
+            <a:endParaRPr lang="pt-BR"/>
+          </a:p>
+        </p:txBody>
+      </p:sp>
+      <p:cxnSp>
+        <p:nvCxnSpPr>
+          <p:cNvPr id="32" name="Conector: Angulado 31">
+            <a:extLst>
+              <a:ext uri="{FF2B5EF4-FFF2-40B4-BE49-F238E27FC236}">
+                <a16:creationId xmlns:a16="http://schemas.microsoft.com/office/drawing/2014/main" id="{4C83BAEB-33B1-EC30-EAC6-C600932B4E3E}"/>
+              </a:ext>
+            </a:extLst>
+          </p:cNvPr>
+          <p:cNvCxnSpPr>
+            <a:stCxn id="19" idx="0"/>
+            <a:endCxn id="26" idx="2"/>
+          </p:cNvCxnSpPr>
+          <p:nvPr/>
+        </p:nvCxnSpPr>
+        <p:spPr>
+          <a:xfrm rot="16200000" flipV="1">
+            <a:off x="5758990" y="1689910"/>
+            <a:ext cx="1148689" cy="2091748"/>
+          </a:xfrm>
+          <a:prstGeom prst="bentConnector3">
+            <a:avLst/>
+          </a:prstGeom>
+          <a:ln>
+            <a:solidFill>
+              <a:srgbClr val="00B0F0"/>
+            </a:solidFill>
+            <a:tailEnd type="triangle"/>
+          </a:ln>
+        </p:spPr>
+        <p:style>
+          <a:lnRef idx="2">
+            <a:schemeClr val="accent1"/>
+          </a:lnRef>
+          <a:fillRef idx="0">
+            <a:schemeClr val="accent1"/>
+          </a:fillRef>
+          <a:effectRef idx="1">
+            <a:schemeClr val="accent1"/>
+          </a:effectRef>
+          <a:fontRef idx="minor">
+            <a:schemeClr val="tx1"/>
+          </a:fontRef>
+        </p:style>
+      </p:cxnSp>
+      <p:pic>
+        <p:nvPicPr>
+          <p:cNvPr id="37" name="Imagem 36">
+            <a:extLst>
+              <a:ext uri="{FF2B5EF4-FFF2-40B4-BE49-F238E27FC236}">
+                <a16:creationId xmlns:a16="http://schemas.microsoft.com/office/drawing/2014/main" id="{E5C1619F-0D98-CD50-4503-2CC568DF8AD9}"/>
+              </a:ext>
+            </a:extLst>
+          </p:cNvPr>
+          <p:cNvPicPr>
+            <a:picLocks noChangeAspect="1"/>
+          </p:cNvPicPr>
+          <p:nvPr/>
+        </p:nvPicPr>
+        <p:blipFill>
+          <a:blip r:embed="rId4"/>
+          <a:srcRect l="7889" t="12406" r="6616" b="22509"/>
+          <a:stretch/>
+        </p:blipFill>
+        <p:spPr>
+          <a:xfrm>
+            <a:off x="6605271" y="5099814"/>
+            <a:ext cx="2402645" cy="719225"/>
+          </a:xfrm>
+          <a:prstGeom prst="rect">
+            <a:avLst/>
+          </a:prstGeom>
+          <a:ln w="28575">
+            <a:solidFill>
+              <a:srgbClr val="7030A0"/>
+            </a:solidFill>
+          </a:ln>
+        </p:spPr>
+      </p:pic>
+      <p:cxnSp>
+        <p:nvCxnSpPr>
+          <p:cNvPr id="39" name="Conector: Angulado 38">
+            <a:extLst>
+              <a:ext uri="{FF2B5EF4-FFF2-40B4-BE49-F238E27FC236}">
+                <a16:creationId xmlns:a16="http://schemas.microsoft.com/office/drawing/2014/main" id="{9084CE56-339D-C33A-B4D4-D6DBD706B0E1}"/>
+              </a:ext>
+            </a:extLst>
+          </p:cNvPr>
+          <p:cNvCxnSpPr>
+            <a:stCxn id="28" idx="2"/>
+            <a:endCxn id="37" idx="0"/>
+          </p:cNvCxnSpPr>
+          <p:nvPr/>
+        </p:nvCxnSpPr>
+        <p:spPr>
+          <a:xfrm rot="16200000" flipH="1">
+            <a:off x="5930358" y="3223577"/>
+            <a:ext cx="1372615" cy="2379857"/>
+          </a:xfrm>
+          <a:prstGeom prst="bentConnector3">
+            <a:avLst/>
+          </a:prstGeom>
+          <a:ln>
+            <a:solidFill>
+              <a:srgbClr val="7030A0"/>
+            </a:solidFill>
+            <a:tailEnd type="triangle"/>
+          </a:ln>
+        </p:spPr>
+        <p:style>
+          <a:lnRef idx="2">
+            <a:schemeClr val="accent5"/>
+          </a:lnRef>
+          <a:fillRef idx="0">
+            <a:schemeClr val="accent5"/>
+          </a:fillRef>
+          <a:effectRef idx="1">
+            <a:schemeClr val="accent5"/>
+          </a:effectRef>
+          <a:fontRef idx="minor">
+            <a:schemeClr val="tx1"/>
+          </a:fontRef>
+        </p:style>
+      </p:cxnSp>
+      <p:cxnSp>
+        <p:nvCxnSpPr>
+          <p:cNvPr id="41" name="Conector: Angulado 40">
+            <a:extLst>
+              <a:ext uri="{FF2B5EF4-FFF2-40B4-BE49-F238E27FC236}">
+                <a16:creationId xmlns:a16="http://schemas.microsoft.com/office/drawing/2014/main" id="{BB49FF68-FA8D-339D-F493-7DC352D19BCE}"/>
+              </a:ext>
+            </a:extLst>
+          </p:cNvPr>
+          <p:cNvCxnSpPr>
+            <a:stCxn id="27" idx="2"/>
+            <a:endCxn id="37" idx="0"/>
+          </p:cNvCxnSpPr>
+          <p:nvPr/>
+        </p:nvCxnSpPr>
+        <p:spPr>
+          <a:xfrm rot="5400000">
+            <a:off x="7880034" y="3648169"/>
+            <a:ext cx="1378206" cy="1525085"/>
+          </a:xfrm>
+          <a:prstGeom prst="bentConnector3">
+            <a:avLst>
+              <a:gd name="adj1" fmla="val 50663"/>
+            </a:avLst>
+          </a:prstGeom>
+          <a:ln>
+            <a:solidFill>
+              <a:srgbClr val="7030A0"/>
+            </a:solidFill>
+            <a:tailEnd type="triangle"/>
+          </a:ln>
+        </p:spPr>
+        <p:style>
+          <a:lnRef idx="2">
+            <a:schemeClr val="accent1"/>
+          </a:lnRef>
+          <a:fillRef idx="0">
+            <a:schemeClr val="accent1"/>
+          </a:fillRef>
+          <a:effectRef idx="1">
+            <a:schemeClr val="accent1"/>
+          </a:effectRef>
+          <a:fontRef idx="minor">
+            <a:schemeClr val="tx1"/>
+          </a:fontRef>
+        </p:style>
+      </p:cxnSp>
     </p:spTree>
     <p:extLst>
       <p:ext uri="{BB962C8B-B14F-4D97-AF65-F5344CB8AC3E}">
-        <p14:creationId xmlns:p14="http://schemas.microsoft.com/office/powerpoint/2010/main" val="2156733978"/>
+        <p14:creationId xmlns:p14="http://schemas.microsoft.com/office/powerpoint/2010/main" val="953077382"/>
       </p:ext>
     </p:extLst>
   </p:cSld>
   <p:clrMapOvr>
     <a:masterClrMapping/>
   </p:clrMapOvr>
+  <p:timing>
+    <p:tnLst>
+      <p:par>
+        <p:cTn id="1" dur="indefinite" restart="never" nodeType="tmRoot">
+          <p:childTnLst>
+            <p:seq concurrent="1" nextAc="seek">
+              <p:cTn id="2" dur="indefinite" nodeType="mainSeq">
+                <p:childTnLst>
+                  <p:par>
+                    <p:cTn id="3" fill="hold">
+                      <p:stCondLst>
+                        <p:cond delay="indefinite"/>
+                      </p:stCondLst>
+                      <p:childTnLst>
+                        <p:par>
+                          <p:cTn id="4" fill="hold">
+                            <p:stCondLst>
+                              <p:cond delay="0"/>
+                            </p:stCondLst>
+                            <p:childTnLst>
+                              <p:par>
+                                <p:cTn id="5" presetID="10" presetClass="entr" presetSubtype="0" fill="hold" grpId="0" nodeType="clickEffect">
+                                  <p:stCondLst>
+                                    <p:cond delay="0"/>
+                                  </p:stCondLst>
+                                  <p:childTnLst>
+                                    <p:set>
+                                      <p:cBhvr>
+                                        <p:cTn id="6" dur="1" fill="hold">
+                                          <p:stCondLst>
+                                            <p:cond delay="0"/>
+                                          </p:stCondLst>
+                                        </p:cTn>
+                                        <p:tgtEl>
+                                          <p:spTgt spid="13"/>
+                                        </p:tgtEl>
+                                        <p:attrNameLst>
+                                          <p:attrName>style.visibility</p:attrName>
+                                        </p:attrNameLst>
+                                      </p:cBhvr>
+                                      <p:to>
+                                        <p:strVal val="visible"/>
+                                      </p:to>
+                                    </p:set>
+                                    <p:animEffect transition="in" filter="fade">
+                                      <p:cBhvr>
+                                        <p:cTn id="7" dur="500"/>
+                                        <p:tgtEl>
+                                          <p:spTgt spid="13"/>
+                                        </p:tgtEl>
+                                      </p:cBhvr>
+                                    </p:animEffect>
+                                  </p:childTnLst>
+                                </p:cTn>
+                              </p:par>
+                              <p:par>
+                                <p:cTn id="8" presetID="10" presetClass="entr" presetSubtype="0" fill="hold" grpId="0" nodeType="withEffect">
+                                  <p:stCondLst>
+                                    <p:cond delay="0"/>
+                                  </p:stCondLst>
+                                  <p:childTnLst>
+                                    <p:set>
+                                      <p:cBhvr>
+                                        <p:cTn id="9" dur="1" fill="hold">
+                                          <p:stCondLst>
+                                            <p:cond delay="0"/>
+                                          </p:stCondLst>
+                                        </p:cTn>
+                                        <p:tgtEl>
+                                          <p:spTgt spid="28"/>
+                                        </p:tgtEl>
+                                        <p:attrNameLst>
+                                          <p:attrName>style.visibility</p:attrName>
+                                        </p:attrNameLst>
+                                      </p:cBhvr>
+                                      <p:to>
+                                        <p:strVal val="visible"/>
+                                      </p:to>
+                                    </p:set>
+                                    <p:animEffect transition="in" filter="fade">
+                                      <p:cBhvr>
+                                        <p:cTn id="10" dur="500"/>
+                                        <p:tgtEl>
+                                          <p:spTgt spid="28"/>
+                                        </p:tgtEl>
+                                      </p:cBhvr>
+                                    </p:animEffect>
+                                  </p:childTnLst>
+                                </p:cTn>
+                              </p:par>
+                              <p:par>
+                                <p:cTn id="11" presetID="10" presetClass="entr" presetSubtype="0" fill="hold" grpId="0" nodeType="withEffect">
+                                  <p:stCondLst>
+                                    <p:cond delay="0"/>
+                                  </p:stCondLst>
+                                  <p:childTnLst>
+                                    <p:set>
+                                      <p:cBhvr>
+                                        <p:cTn id="12" dur="1" fill="hold">
+                                          <p:stCondLst>
+                                            <p:cond delay="0"/>
+                                          </p:stCondLst>
+                                        </p:cTn>
+                                        <p:tgtEl>
+                                          <p:spTgt spid="19"/>
+                                        </p:tgtEl>
+                                        <p:attrNameLst>
+                                          <p:attrName>style.visibility</p:attrName>
+                                        </p:attrNameLst>
+                                      </p:cBhvr>
+                                      <p:to>
+                                        <p:strVal val="visible"/>
+                                      </p:to>
+                                    </p:set>
+                                    <p:animEffect transition="in" filter="fade">
+                                      <p:cBhvr>
+                                        <p:cTn id="13" dur="500"/>
+                                        <p:tgtEl>
+                                          <p:spTgt spid="19"/>
+                                        </p:tgtEl>
+                                      </p:cBhvr>
+                                    </p:animEffect>
+                                  </p:childTnLst>
+                                </p:cTn>
+                              </p:par>
+                              <p:par>
+                                <p:cTn id="14" presetID="10" presetClass="entr" presetSubtype="0" fill="hold" grpId="0" nodeType="withEffect">
+                                  <p:stCondLst>
+                                    <p:cond delay="0"/>
+                                  </p:stCondLst>
+                                  <p:childTnLst>
+                                    <p:set>
+                                      <p:cBhvr>
+                                        <p:cTn id="15" dur="1" fill="hold">
+                                          <p:stCondLst>
+                                            <p:cond delay="0"/>
+                                          </p:stCondLst>
+                                        </p:cTn>
+                                        <p:tgtEl>
+                                          <p:spTgt spid="27"/>
+                                        </p:tgtEl>
+                                        <p:attrNameLst>
+                                          <p:attrName>style.visibility</p:attrName>
+                                        </p:attrNameLst>
+                                      </p:cBhvr>
+                                      <p:to>
+                                        <p:strVal val="visible"/>
+                                      </p:to>
+                                    </p:set>
+                                    <p:animEffect transition="in" filter="fade">
+                                      <p:cBhvr>
+                                        <p:cTn id="16" dur="500"/>
+                                        <p:tgtEl>
+                                          <p:spTgt spid="27"/>
+                                        </p:tgtEl>
+                                      </p:cBhvr>
+                                    </p:animEffect>
+                                  </p:childTnLst>
+                                </p:cTn>
+                              </p:par>
+                            </p:childTnLst>
+                          </p:cTn>
+                        </p:par>
+                      </p:childTnLst>
+                    </p:cTn>
+                  </p:par>
+                  <p:par>
+                    <p:cTn id="17" fill="hold">
+                      <p:stCondLst>
+                        <p:cond delay="indefinite"/>
+                      </p:stCondLst>
+                      <p:childTnLst>
+                        <p:par>
+                          <p:cTn id="18" fill="hold">
+                            <p:stCondLst>
+                              <p:cond delay="0"/>
+                            </p:stCondLst>
+                            <p:childTnLst>
+                              <p:par>
+                                <p:cTn id="19" presetID="10" presetClass="entr" presetSubtype="0" fill="hold" nodeType="clickEffect">
+                                  <p:stCondLst>
+                                    <p:cond delay="0"/>
+                                  </p:stCondLst>
+                                  <p:childTnLst>
+                                    <p:set>
+                                      <p:cBhvr>
+                                        <p:cTn id="20" dur="1" fill="hold">
+                                          <p:stCondLst>
+                                            <p:cond delay="0"/>
+                                          </p:stCondLst>
+                                        </p:cTn>
+                                        <p:tgtEl>
+                                          <p:spTgt spid="41"/>
+                                        </p:tgtEl>
+                                        <p:attrNameLst>
+                                          <p:attrName>style.visibility</p:attrName>
+                                        </p:attrNameLst>
+                                      </p:cBhvr>
+                                      <p:to>
+                                        <p:strVal val="visible"/>
+                                      </p:to>
+                                    </p:set>
+                                    <p:animEffect transition="in" filter="fade">
+                                      <p:cBhvr>
+                                        <p:cTn id="21" dur="500"/>
+                                        <p:tgtEl>
+                                          <p:spTgt spid="41"/>
+                                        </p:tgtEl>
+                                      </p:cBhvr>
+                                    </p:animEffect>
+                                  </p:childTnLst>
+                                </p:cTn>
+                              </p:par>
+                              <p:par>
+                                <p:cTn id="22" presetID="10" presetClass="entr" presetSubtype="0" fill="hold" nodeType="withEffect">
+                                  <p:stCondLst>
+                                    <p:cond delay="0"/>
+                                  </p:stCondLst>
+                                  <p:childTnLst>
+                                    <p:set>
+                                      <p:cBhvr>
+                                        <p:cTn id="23" dur="1" fill="hold">
+                                          <p:stCondLst>
+                                            <p:cond delay="0"/>
+                                          </p:stCondLst>
+                                        </p:cTn>
+                                        <p:tgtEl>
+                                          <p:spTgt spid="39"/>
+                                        </p:tgtEl>
+                                        <p:attrNameLst>
+                                          <p:attrName>style.visibility</p:attrName>
+                                        </p:attrNameLst>
+                                      </p:cBhvr>
+                                      <p:to>
+                                        <p:strVal val="visible"/>
+                                      </p:to>
+                                    </p:set>
+                                    <p:animEffect transition="in" filter="fade">
+                                      <p:cBhvr>
+                                        <p:cTn id="24" dur="500"/>
+                                        <p:tgtEl>
+                                          <p:spTgt spid="39"/>
+                                        </p:tgtEl>
+                                      </p:cBhvr>
+                                    </p:animEffect>
+                                  </p:childTnLst>
+                                </p:cTn>
+                              </p:par>
+                              <p:par>
+                                <p:cTn id="25" presetID="10" presetClass="entr" presetSubtype="0" fill="hold" nodeType="withEffect">
+                                  <p:stCondLst>
+                                    <p:cond delay="0"/>
+                                  </p:stCondLst>
+                                  <p:childTnLst>
+                                    <p:set>
+                                      <p:cBhvr>
+                                        <p:cTn id="26" dur="1" fill="hold">
+                                          <p:stCondLst>
+                                            <p:cond delay="0"/>
+                                          </p:stCondLst>
+                                        </p:cTn>
+                                        <p:tgtEl>
+                                          <p:spTgt spid="37"/>
+                                        </p:tgtEl>
+                                        <p:attrNameLst>
+                                          <p:attrName>style.visibility</p:attrName>
+                                        </p:attrNameLst>
+                                      </p:cBhvr>
+                                      <p:to>
+                                        <p:strVal val="visible"/>
+                                      </p:to>
+                                    </p:set>
+                                    <p:animEffect transition="in" filter="fade">
+                                      <p:cBhvr>
+                                        <p:cTn id="27" dur="500"/>
+                                        <p:tgtEl>
+                                          <p:spTgt spid="37"/>
+                                        </p:tgtEl>
+                                      </p:cBhvr>
+                                    </p:animEffect>
+                                  </p:childTnLst>
+                                </p:cTn>
+                              </p:par>
+                              <p:par>
+                                <p:cTn id="28" presetID="10" presetClass="entr" presetSubtype="0" fill="hold" nodeType="withEffect">
+                                  <p:stCondLst>
+                                    <p:cond delay="0"/>
+                                  </p:stCondLst>
+                                  <p:childTnLst>
+                                    <p:set>
+                                      <p:cBhvr>
+                                        <p:cTn id="29" dur="1" fill="hold">
+                                          <p:stCondLst>
+                                            <p:cond delay="0"/>
+                                          </p:stCondLst>
+                                        </p:cTn>
+                                        <p:tgtEl>
+                                          <p:spTgt spid="26"/>
+                                        </p:tgtEl>
+                                        <p:attrNameLst>
+                                          <p:attrName>style.visibility</p:attrName>
+                                        </p:attrNameLst>
+                                      </p:cBhvr>
+                                      <p:to>
+                                        <p:strVal val="visible"/>
+                                      </p:to>
+                                    </p:set>
+                                    <p:animEffect transition="in" filter="fade">
+                                      <p:cBhvr>
+                                        <p:cTn id="30" dur="500"/>
+                                        <p:tgtEl>
+                                          <p:spTgt spid="26"/>
+                                        </p:tgtEl>
+                                      </p:cBhvr>
+                                    </p:animEffect>
+                                  </p:childTnLst>
+                                </p:cTn>
+                              </p:par>
+                              <p:par>
+                                <p:cTn id="31" presetID="10" presetClass="entr" presetSubtype="0" fill="hold" nodeType="withEffect">
+                                  <p:stCondLst>
+                                    <p:cond delay="0"/>
+                                  </p:stCondLst>
+                                  <p:childTnLst>
+                                    <p:set>
+                                      <p:cBhvr>
+                                        <p:cTn id="32" dur="1" fill="hold">
+                                          <p:stCondLst>
+                                            <p:cond delay="0"/>
+                                          </p:stCondLst>
+                                        </p:cTn>
+                                        <p:tgtEl>
+                                          <p:spTgt spid="32"/>
+                                        </p:tgtEl>
+                                        <p:attrNameLst>
+                                          <p:attrName>style.visibility</p:attrName>
+                                        </p:attrNameLst>
+                                      </p:cBhvr>
+                                      <p:to>
+                                        <p:strVal val="visible"/>
+                                      </p:to>
+                                    </p:set>
+                                    <p:animEffect transition="in" filter="fade">
+                                      <p:cBhvr>
+                                        <p:cTn id="33" dur="500"/>
+                                        <p:tgtEl>
+                                          <p:spTgt spid="32"/>
+                                        </p:tgtEl>
+                                      </p:cBhvr>
+                                    </p:animEffect>
+                                  </p:childTnLst>
+                                </p:cTn>
+                              </p:par>
+                            </p:childTnLst>
+                          </p:cTn>
+                        </p:par>
+                      </p:childTnLst>
+                    </p:cTn>
+                  </p:par>
+                </p:childTnLst>
+              </p:cTn>
+              <p:prevCondLst>
+                <p:cond evt="onPrev" delay="0">
+                  <p:tgtEl>
+                    <p:sldTgt/>
+                  </p:tgtEl>
+                </p:cond>
+              </p:prevCondLst>
+              <p:nextCondLst>
+                <p:cond evt="onNext" delay="0">
+                  <p:tgtEl>
+                    <p:sldTgt/>
+                  </p:tgtEl>
+                </p:cond>
+              </p:nextCondLst>
+            </p:seq>
+          </p:childTnLst>
+        </p:cTn>
+      </p:par>
+    </p:tnLst>
+    <p:bldLst>
+      <p:bldP spid="13" grpId="0" animBg="1"/>
+      <p:bldP spid="19" grpId="0" animBg="1"/>
+      <p:bldP spid="27" grpId="0" animBg="1"/>
+      <p:bldP spid="28" grpId="0" animBg="1"/>
+    </p:bldLst>
+  </p:timing>
 </p:sld>
 </file>
 
@@ -3561,10 +8445,10 @@
       </p:grpSpPr>
       <p:pic>
         <p:nvPicPr>
-          <p:cNvPr id="5" name="Imagem 4" descr="Gráfico, Gráfico de linhas, Histograma&#10;&#10;Descrição gerada automaticamente">
-            <a:extLst>
-              <a:ext uri="{FF2B5EF4-FFF2-40B4-BE49-F238E27FC236}">
-                <a16:creationId xmlns:a16="http://schemas.microsoft.com/office/drawing/2014/main" id="{641E9E53-83AF-EA20-AA81-AE9F2905480B}"/>
+          <p:cNvPr id="4" name="Imagem 3">
+            <a:extLst>
+              <a:ext uri="{FF2B5EF4-FFF2-40B4-BE49-F238E27FC236}">
+                <a16:creationId xmlns:a16="http://schemas.microsoft.com/office/drawing/2014/main" id="{A8B98587-6D51-448E-2D5A-98CB35B32E19}"/>
               </a:ext>
             </a:extLst>
           </p:cNvPr>
@@ -3574,7 +8458,41 @@
           <p:nvPr/>
         </p:nvPicPr>
         <p:blipFill>
-          <a:blip r:embed="rId2">
+          <a:blip r:embed="rId2"/>
+          <a:srcRect l="7889" t="12406" r="6616" b="22509"/>
+          <a:stretch/>
+        </p:blipFill>
+        <p:spPr>
+          <a:xfrm>
+            <a:off x="6605271" y="5099814"/>
+            <a:ext cx="2402645" cy="719225"/>
+          </a:xfrm>
+          <a:prstGeom prst="rect">
+            <a:avLst/>
+          </a:prstGeom>
+          <a:ln w="28575">
+            <a:solidFill>
+              <a:srgbClr val="7030A0"/>
+            </a:solidFill>
+          </a:ln>
+        </p:spPr>
+      </p:pic>
+      <p:pic>
+        <p:nvPicPr>
+          <p:cNvPr id="5" name="Imagem 4" descr="Diagrama, Histograma&#10;&#10;Descrição gerada automaticamente">
+            <a:extLst>
+              <a:ext uri="{FF2B5EF4-FFF2-40B4-BE49-F238E27FC236}">
+                <a16:creationId xmlns:a16="http://schemas.microsoft.com/office/drawing/2014/main" id="{17F36907-4DA1-E713-DDE8-3B572FD761BC}"/>
+              </a:ext>
+            </a:extLst>
+          </p:cNvPr>
+          <p:cNvPicPr>
+            <a:picLocks noChangeAspect="1"/>
+          </p:cNvPicPr>
+          <p:nvPr/>
+        </p:nvPicPr>
+        <p:blipFill>
+          <a:blip r:embed="rId3">
             <a:extLst>
               <a:ext uri="{28A0092B-C50C-407E-A947-70E740481C1C}">
                 <a14:useLocalDpi xmlns:a14="http://schemas.microsoft.com/office/drawing/2010/main" val="0"/>
@@ -3595,20 +8513,821 @@
           </a:prstGeom>
         </p:spPr>
       </p:pic>
+      <p:sp>
+        <p:nvSpPr>
+          <p:cNvPr id="6" name="CaixaDeTexto 5">
+            <a:extLst>
+              <a:ext uri="{FF2B5EF4-FFF2-40B4-BE49-F238E27FC236}">
+                <a16:creationId xmlns:a16="http://schemas.microsoft.com/office/drawing/2014/main" id="{3761F8D6-255E-C44C-EC9A-AE09494A68FA}"/>
+              </a:ext>
+            </a:extLst>
+          </p:cNvPr>
+          <p:cNvSpPr txBox="1"/>
+          <p:nvPr/>
+        </p:nvSpPr>
+        <p:spPr>
+          <a:xfrm>
+            <a:off x="293160" y="1200145"/>
+            <a:ext cx="2932640" cy="1938992"/>
+          </a:xfrm>
+          <a:prstGeom prst="rect">
+            <a:avLst/>
+          </a:prstGeom>
+          <a:noFill/>
+        </p:spPr>
+        <p:txBody>
+          <a:bodyPr wrap="square" rtlCol="0">
+            <a:spAutoFit/>
+          </a:bodyPr>
+          <a:lstStyle/>
+          <a:p>
+            <a:pPr algn="ctr"/>
+            <a:r>
+              <a:rPr lang="pt-BR" sz="2000" b="0" i="0" dirty="0">
+                <a:solidFill>
+                  <a:schemeClr val="accent1">
+                    <a:lumMod val="50000"/>
+                  </a:schemeClr>
+                </a:solidFill>
+                <a:effectLst/>
+              </a:rPr>
+              <a:t>Frequências Naturais</a:t>
+            </a:r>
+          </a:p>
+          <a:p>
+            <a:pPr algn="ctr"/>
+            <a:r>
+              <a:rPr lang="pt-BR" sz="2000" b="0" i="0" dirty="0">
+                <a:solidFill>
+                  <a:schemeClr val="accent1">
+                    <a:lumMod val="50000"/>
+                  </a:schemeClr>
+                </a:solidFill>
+                <a:effectLst/>
+              </a:rPr>
+              <a:t>641.61Hz</a:t>
+            </a:r>
+          </a:p>
+          <a:p>
+            <a:pPr algn="ctr"/>
+            <a:r>
+              <a:rPr lang="pt-BR" sz="2000" b="0" i="0" dirty="0">
+                <a:solidFill>
+                  <a:schemeClr val="accent1">
+                    <a:lumMod val="50000"/>
+                  </a:schemeClr>
+                </a:solidFill>
+                <a:effectLst/>
+              </a:rPr>
+              <a:t>890.88 Hz</a:t>
+            </a:r>
+          </a:p>
+          <a:p>
+            <a:pPr algn="ctr"/>
+            <a:r>
+              <a:rPr lang="pt-BR" sz="2000" b="0" i="0" dirty="0">
+                <a:solidFill>
+                  <a:schemeClr val="accent1">
+                    <a:lumMod val="50000"/>
+                  </a:schemeClr>
+                </a:solidFill>
+                <a:effectLst/>
+              </a:rPr>
+              <a:t>1470.65 Hz</a:t>
+            </a:r>
+          </a:p>
+          <a:p>
+            <a:pPr algn="ctr"/>
+            <a:r>
+              <a:rPr lang="pt-BR" sz="2000" b="0" i="0" dirty="0">
+                <a:solidFill>
+                  <a:schemeClr val="accent1">
+                    <a:lumMod val="50000"/>
+                  </a:schemeClr>
+                </a:solidFill>
+                <a:effectLst/>
+              </a:rPr>
+              <a:t>1680.36 Hz</a:t>
+            </a:r>
+          </a:p>
+          <a:p>
+            <a:pPr algn="ctr"/>
+            <a:r>
+              <a:rPr lang="pt-BR" sz="2000" b="0" i="0" dirty="0">
+                <a:solidFill>
+                  <a:schemeClr val="accent1">
+                    <a:lumMod val="50000"/>
+                  </a:schemeClr>
+                </a:solidFill>
+                <a:effectLst/>
+              </a:rPr>
+              <a:t>1943.24 Hz</a:t>
+            </a:r>
+            <a:endParaRPr lang="pt-BR" sz="2000" dirty="0">
+              <a:solidFill>
+                <a:schemeClr val="accent1">
+                  <a:lumMod val="50000"/>
+                </a:schemeClr>
+              </a:solidFill>
+            </a:endParaRPr>
+          </a:p>
+        </p:txBody>
+      </p:sp>
     </p:spTree>
     <p:extLst>
       <p:ext uri="{BB962C8B-B14F-4D97-AF65-F5344CB8AC3E}">
-        <p14:creationId xmlns:p14="http://schemas.microsoft.com/office/powerpoint/2010/main" val="1642011942"/>
+        <p14:creationId xmlns:p14="http://schemas.microsoft.com/office/powerpoint/2010/main" val="4187321686"/>
       </p:ext>
     </p:extLst>
   </p:cSld>
   <p:clrMapOvr>
     <a:masterClrMapping/>
   </p:clrMapOvr>
+  <p:timing>
+    <p:tnLst>
+      <p:par>
+        <p:cTn id="1" dur="indefinite" restart="never" nodeType="tmRoot">
+          <p:childTnLst>
+            <p:seq concurrent="1" nextAc="seek">
+              <p:cTn id="2" dur="indefinite" nodeType="mainSeq">
+                <p:childTnLst>
+                  <p:par>
+                    <p:cTn id="3" fill="hold">
+                      <p:stCondLst>
+                        <p:cond delay="indefinite"/>
+                      </p:stCondLst>
+                      <p:childTnLst>
+                        <p:par>
+                          <p:cTn id="4" fill="hold">
+                            <p:stCondLst>
+                              <p:cond delay="0"/>
+                            </p:stCondLst>
+                            <p:childTnLst>
+                              <p:par>
+                                <p:cTn id="5" presetID="10" presetClass="entr" presetSubtype="0" fill="hold" grpId="0" nodeType="clickEffect">
+                                  <p:stCondLst>
+                                    <p:cond delay="0"/>
+                                  </p:stCondLst>
+                                  <p:childTnLst>
+                                    <p:set>
+                                      <p:cBhvr>
+                                        <p:cTn id="6" dur="1" fill="hold">
+                                          <p:stCondLst>
+                                            <p:cond delay="0"/>
+                                          </p:stCondLst>
+                                        </p:cTn>
+                                        <p:tgtEl>
+                                          <p:spTgt spid="6"/>
+                                        </p:tgtEl>
+                                        <p:attrNameLst>
+                                          <p:attrName>style.visibility</p:attrName>
+                                        </p:attrNameLst>
+                                      </p:cBhvr>
+                                      <p:to>
+                                        <p:strVal val="visible"/>
+                                      </p:to>
+                                    </p:set>
+                                    <p:animEffect transition="in" filter="fade">
+                                      <p:cBhvr>
+                                        <p:cTn id="7" dur="500"/>
+                                        <p:tgtEl>
+                                          <p:spTgt spid="6"/>
+                                        </p:tgtEl>
+                                      </p:cBhvr>
+                                    </p:animEffect>
+                                  </p:childTnLst>
+                                </p:cTn>
+                              </p:par>
+                            </p:childTnLst>
+                          </p:cTn>
+                        </p:par>
+                      </p:childTnLst>
+                    </p:cTn>
+                  </p:par>
+                  <p:par>
+                    <p:cTn id="8" fill="hold">
+                      <p:stCondLst>
+                        <p:cond delay="indefinite"/>
+                      </p:stCondLst>
+                      <p:childTnLst>
+                        <p:par>
+                          <p:cTn id="9" fill="hold">
+                            <p:stCondLst>
+                              <p:cond delay="0"/>
+                            </p:stCondLst>
+                            <p:childTnLst>
+                              <p:par>
+                                <p:cTn id="10" presetID="42" presetClass="path" presetSubtype="0" accel="50000" decel="50000" fill="hold" nodeType="clickEffect">
+                                  <p:stCondLst>
+                                    <p:cond delay="0"/>
+                                  </p:stCondLst>
+                                  <p:childTnLst>
+                                    <p:animMotion origin="layout" path="M -4.375E-6 -4.81481E-6 L -0.49856 -0.10486 " pathEditMode="relative" rAng="0" ptsTypes="AA">
+                                      <p:cBhvr>
+                                        <p:cTn id="11" dur="2000" fill="hold"/>
+                                        <p:tgtEl>
+                                          <p:spTgt spid="4"/>
+                                        </p:tgtEl>
+                                        <p:attrNameLst>
+                                          <p:attrName>ppt_x</p:attrName>
+                                          <p:attrName>ppt_y</p:attrName>
+                                        </p:attrNameLst>
+                                      </p:cBhvr>
+                                      <p:rCtr x="-24935" y="-5255"/>
+                                    </p:animMotion>
+                                  </p:childTnLst>
+                                </p:cTn>
+                              </p:par>
+                            </p:childTnLst>
+                          </p:cTn>
+                        </p:par>
+                      </p:childTnLst>
+                    </p:cTn>
+                  </p:par>
+                  <p:par>
+                    <p:cTn id="12" fill="hold">
+                      <p:stCondLst>
+                        <p:cond delay="indefinite"/>
+                      </p:stCondLst>
+                      <p:childTnLst>
+                        <p:par>
+                          <p:cTn id="13" fill="hold">
+                            <p:stCondLst>
+                              <p:cond delay="0"/>
+                            </p:stCondLst>
+                            <p:childTnLst>
+                              <p:par>
+                                <p:cTn id="14" presetID="10" presetClass="entr" presetSubtype="0" fill="hold" nodeType="clickEffect">
+                                  <p:stCondLst>
+                                    <p:cond delay="0"/>
+                                  </p:stCondLst>
+                                  <p:childTnLst>
+                                    <p:set>
+                                      <p:cBhvr>
+                                        <p:cTn id="15" dur="1" fill="hold">
+                                          <p:stCondLst>
+                                            <p:cond delay="0"/>
+                                          </p:stCondLst>
+                                        </p:cTn>
+                                        <p:tgtEl>
+                                          <p:spTgt spid="5"/>
+                                        </p:tgtEl>
+                                        <p:attrNameLst>
+                                          <p:attrName>style.visibility</p:attrName>
+                                        </p:attrNameLst>
+                                      </p:cBhvr>
+                                      <p:to>
+                                        <p:strVal val="visible"/>
+                                      </p:to>
+                                    </p:set>
+                                    <p:animEffect transition="in" filter="fade">
+                                      <p:cBhvr>
+                                        <p:cTn id="16" dur="500"/>
+                                        <p:tgtEl>
+                                          <p:spTgt spid="5"/>
+                                        </p:tgtEl>
+                                      </p:cBhvr>
+                                    </p:animEffect>
+                                  </p:childTnLst>
+                                </p:cTn>
+                              </p:par>
+                            </p:childTnLst>
+                          </p:cTn>
+                        </p:par>
+                      </p:childTnLst>
+                    </p:cTn>
+                  </p:par>
+                </p:childTnLst>
+              </p:cTn>
+              <p:prevCondLst>
+                <p:cond evt="onPrev" delay="0">
+                  <p:tgtEl>
+                    <p:sldTgt/>
+                  </p:tgtEl>
+                </p:cond>
+              </p:prevCondLst>
+              <p:nextCondLst>
+                <p:cond evt="onNext" delay="0">
+                  <p:tgtEl>
+                    <p:sldTgt/>
+                  </p:tgtEl>
+                </p:cond>
+              </p:nextCondLst>
+            </p:seq>
+          </p:childTnLst>
+        </p:cTn>
+      </p:par>
+    </p:tnLst>
+    <p:bldLst>
+      <p:bldP spid="6" grpId="0"/>
+    </p:bldLst>
+  </p:timing>
 </p:sld>
 </file>
 
 <file path=ppt/slides/slide5.xml><?xml version="1.0" encoding="utf-8"?>
+<p:sld xmlns:a="http://schemas.openxmlformats.org/drawingml/2006/main" xmlns:r="http://schemas.openxmlformats.org/officeDocument/2006/relationships" xmlns:p="http://schemas.openxmlformats.org/presentationml/2006/main">
+  <p:cSld>
+    <p:bg>
+      <p:bgPr>
+        <a:solidFill>
+          <a:schemeClr val="bg1"/>
+        </a:solidFill>
+        <a:effectLst/>
+      </p:bgPr>
+    </p:bg>
+    <p:spTree>
+      <p:nvGrpSpPr>
+        <p:cNvPr id="1" name=""/>
+        <p:cNvGrpSpPr/>
+        <p:nvPr/>
+      </p:nvGrpSpPr>
+      <p:grpSpPr>
+        <a:xfrm>
+          <a:off x="0" y="0"/>
+          <a:ext cx="0" cy="0"/>
+          <a:chOff x="0" y="0"/>
+          <a:chExt cx="0" cy="0"/>
+        </a:xfrm>
+      </p:grpSpPr>
+      <p:pic>
+        <p:nvPicPr>
+          <p:cNvPr id="26" name="Imagem 25">
+            <a:extLst>
+              <a:ext uri="{FF2B5EF4-FFF2-40B4-BE49-F238E27FC236}">
+                <a16:creationId xmlns:a16="http://schemas.microsoft.com/office/drawing/2014/main" id="{5408B3FB-FE2A-35E5-3A71-A18DF05B0C5B}"/>
+              </a:ext>
+            </a:extLst>
+          </p:cNvPr>
+          <p:cNvPicPr>
+            <a:picLocks noChangeAspect="1"/>
+          </p:cNvPicPr>
+          <p:nvPr/>
+        </p:nvPicPr>
+        <p:blipFill>
+          <a:blip r:embed="rId2"/>
+          <a:stretch>
+            <a:fillRect/>
+          </a:stretch>
+        </p:blipFill>
+        <p:spPr>
+          <a:xfrm>
+            <a:off x="3353615" y="1666070"/>
+            <a:ext cx="3867690" cy="495369"/>
+          </a:xfrm>
+          <a:prstGeom prst="rect">
+            <a:avLst/>
+          </a:prstGeom>
+          <a:ln w="28575">
+            <a:solidFill>
+              <a:srgbClr val="00B0F0"/>
+            </a:solidFill>
+          </a:ln>
+        </p:spPr>
+      </p:pic>
+      <p:pic>
+        <p:nvPicPr>
+          <p:cNvPr id="30" name="Imagem 29">
+            <a:extLst>
+              <a:ext uri="{FF2B5EF4-FFF2-40B4-BE49-F238E27FC236}">
+                <a16:creationId xmlns:a16="http://schemas.microsoft.com/office/drawing/2014/main" id="{A6734CDE-8C2A-0FD8-4889-E8DE71781962}"/>
+              </a:ext>
+            </a:extLst>
+          </p:cNvPr>
+          <p:cNvPicPr>
+            <a:picLocks noChangeAspect="1"/>
+          </p:cNvPicPr>
+          <p:nvPr/>
+        </p:nvPicPr>
+        <p:blipFill>
+          <a:blip r:embed="rId3"/>
+          <a:stretch>
+            <a:fillRect/>
+          </a:stretch>
+        </p:blipFill>
+        <p:spPr>
+          <a:xfrm>
+            <a:off x="2151216" y="3115762"/>
+            <a:ext cx="7992590" cy="800212"/>
+          </a:xfrm>
+          <a:prstGeom prst="rect">
+            <a:avLst/>
+          </a:prstGeom>
+        </p:spPr>
+      </p:pic>
+      <p:sp>
+        <p:nvSpPr>
+          <p:cNvPr id="13" name="Retângulo: Cantos Arredondados 12">
+            <a:extLst>
+              <a:ext uri="{FF2B5EF4-FFF2-40B4-BE49-F238E27FC236}">
+                <a16:creationId xmlns:a16="http://schemas.microsoft.com/office/drawing/2014/main" id="{990A1764-1427-24A6-368A-37BE9AFFD4E0}"/>
+              </a:ext>
+            </a:extLst>
+          </p:cNvPr>
+          <p:cNvSpPr/>
+          <p:nvPr/>
+        </p:nvSpPr>
+        <p:spPr>
+          <a:xfrm>
+            <a:off x="2121408" y="3310128"/>
+            <a:ext cx="1517904" cy="411480"/>
+          </a:xfrm>
+          <a:prstGeom prst="roundRect">
+            <a:avLst/>
+          </a:prstGeom>
+          <a:noFill/>
+          <a:ln w="28575" cap="flat" cmpd="sng" algn="ctr">
+            <a:solidFill>
+              <a:schemeClr val="accent2"/>
+            </a:solidFill>
+            <a:prstDash val="solid"/>
+            <a:round/>
+            <a:headEnd type="none" w="med" len="med"/>
+            <a:tailEnd type="none" w="med" len="med"/>
+          </a:ln>
+        </p:spPr>
+        <p:style>
+          <a:lnRef idx="0">
+            <a:scrgbClr r="0" g="0" b="0"/>
+          </a:lnRef>
+          <a:fillRef idx="0">
+            <a:scrgbClr r="0" g="0" b="0"/>
+          </a:fillRef>
+          <a:effectRef idx="0">
+            <a:scrgbClr r="0" g="0" b="0"/>
+          </a:effectRef>
+          <a:fontRef idx="minor">
+            <a:schemeClr val="accent2"/>
+          </a:fontRef>
+        </p:style>
+        <p:txBody>
+          <a:bodyPr rtlCol="0" anchor="ctr"/>
+          <a:lstStyle/>
+          <a:p>
+            <a:pPr algn="ctr"/>
+            <a:endParaRPr lang="pt-BR"/>
+          </a:p>
+        </p:txBody>
+      </p:sp>
+      <p:sp>
+        <p:nvSpPr>
+          <p:cNvPr id="19" name="Retângulo: Cantos Arredondados 18">
+            <a:extLst>
+              <a:ext uri="{FF2B5EF4-FFF2-40B4-BE49-F238E27FC236}">
+                <a16:creationId xmlns:a16="http://schemas.microsoft.com/office/drawing/2014/main" id="{184BD004-3F75-3C20-EA98-A16B06339F9A}"/>
+              </a:ext>
+            </a:extLst>
+          </p:cNvPr>
+          <p:cNvSpPr/>
+          <p:nvPr/>
+        </p:nvSpPr>
+        <p:spPr>
+          <a:xfrm>
+            <a:off x="6601968" y="3310128"/>
+            <a:ext cx="1554480" cy="411480"/>
+          </a:xfrm>
+          <a:prstGeom prst="roundRect">
+            <a:avLst/>
+          </a:prstGeom>
+          <a:noFill/>
+          <a:ln w="28575" cap="flat" cmpd="sng" algn="ctr">
+            <a:solidFill>
+              <a:srgbClr val="00B0F0"/>
+            </a:solidFill>
+            <a:prstDash val="solid"/>
+            <a:round/>
+            <a:headEnd type="none" w="med" len="med"/>
+            <a:tailEnd type="none" w="med" len="med"/>
+          </a:ln>
+        </p:spPr>
+        <p:style>
+          <a:lnRef idx="0">
+            <a:scrgbClr r="0" g="0" b="0"/>
+          </a:lnRef>
+          <a:fillRef idx="0">
+            <a:scrgbClr r="0" g="0" b="0"/>
+          </a:fillRef>
+          <a:effectRef idx="0">
+            <a:scrgbClr r="0" g="0" b="0"/>
+          </a:effectRef>
+          <a:fontRef idx="minor">
+            <a:schemeClr val="accent2"/>
+          </a:fontRef>
+        </p:style>
+        <p:txBody>
+          <a:bodyPr rtlCol="0" anchor="ctr"/>
+          <a:lstStyle/>
+          <a:p>
+            <a:pPr algn="ctr"/>
+            <a:endParaRPr lang="pt-BR"/>
+          </a:p>
+        </p:txBody>
+      </p:sp>
+      <p:sp>
+        <p:nvSpPr>
+          <p:cNvPr id="27" name="Retângulo: Cantos Arredondados 26">
+            <a:extLst>
+              <a:ext uri="{FF2B5EF4-FFF2-40B4-BE49-F238E27FC236}">
+                <a16:creationId xmlns:a16="http://schemas.microsoft.com/office/drawing/2014/main" id="{1E240444-77D5-80D1-2D32-9F066C522140}"/>
+              </a:ext>
+            </a:extLst>
+          </p:cNvPr>
+          <p:cNvSpPr/>
+          <p:nvPr/>
+        </p:nvSpPr>
+        <p:spPr>
+          <a:xfrm>
+            <a:off x="8531352" y="3310128"/>
+            <a:ext cx="1600653" cy="411480"/>
+          </a:xfrm>
+          <a:prstGeom prst="roundRect">
+            <a:avLst/>
+          </a:prstGeom>
+          <a:noFill/>
+          <a:ln w="28575" cap="flat" cmpd="sng" algn="ctr">
+            <a:solidFill>
+              <a:srgbClr val="7030A0"/>
+            </a:solidFill>
+            <a:prstDash val="solid"/>
+            <a:round/>
+            <a:headEnd type="none" w="med" len="med"/>
+            <a:tailEnd type="none" w="med" len="med"/>
+          </a:ln>
+        </p:spPr>
+        <p:style>
+          <a:lnRef idx="0">
+            <a:scrgbClr r="0" g="0" b="0"/>
+          </a:lnRef>
+          <a:fillRef idx="0">
+            <a:scrgbClr r="0" g="0" b="0"/>
+          </a:fillRef>
+          <a:effectRef idx="0">
+            <a:scrgbClr r="0" g="0" b="0"/>
+          </a:effectRef>
+          <a:fontRef idx="minor">
+            <a:schemeClr val="accent2"/>
+          </a:fontRef>
+        </p:style>
+        <p:txBody>
+          <a:bodyPr rtlCol="0" anchor="ctr"/>
+          <a:lstStyle/>
+          <a:p>
+            <a:pPr algn="ctr"/>
+            <a:endParaRPr lang="pt-BR"/>
+          </a:p>
+        </p:txBody>
+      </p:sp>
+      <p:sp>
+        <p:nvSpPr>
+          <p:cNvPr id="28" name="Retângulo: Cantos Arredondados 27">
+            <a:extLst>
+              <a:ext uri="{FF2B5EF4-FFF2-40B4-BE49-F238E27FC236}">
+                <a16:creationId xmlns:a16="http://schemas.microsoft.com/office/drawing/2014/main" id="{44CC7EF7-B79B-FF0B-CF0F-08B45BDA91B6}"/>
+              </a:ext>
+            </a:extLst>
+          </p:cNvPr>
+          <p:cNvSpPr/>
+          <p:nvPr/>
+        </p:nvSpPr>
+        <p:spPr>
+          <a:xfrm>
+            <a:off x="4626410" y="3315719"/>
+            <a:ext cx="1600653" cy="411480"/>
+          </a:xfrm>
+          <a:prstGeom prst="roundRect">
+            <a:avLst/>
+          </a:prstGeom>
+          <a:noFill/>
+          <a:ln w="28575" cap="flat" cmpd="sng" algn="ctr">
+            <a:solidFill>
+              <a:srgbClr val="7030A0"/>
+            </a:solidFill>
+            <a:prstDash val="solid"/>
+            <a:round/>
+            <a:headEnd type="none" w="med" len="med"/>
+            <a:tailEnd type="none" w="med" len="med"/>
+          </a:ln>
+        </p:spPr>
+        <p:style>
+          <a:lnRef idx="0">
+            <a:scrgbClr r="0" g="0" b="0"/>
+          </a:lnRef>
+          <a:fillRef idx="0">
+            <a:scrgbClr r="0" g="0" b="0"/>
+          </a:fillRef>
+          <a:effectRef idx="0">
+            <a:scrgbClr r="0" g="0" b="0"/>
+          </a:effectRef>
+          <a:fontRef idx="minor">
+            <a:schemeClr val="accent2"/>
+          </a:fontRef>
+        </p:style>
+        <p:txBody>
+          <a:bodyPr rtlCol="0" anchor="ctr"/>
+          <a:lstStyle/>
+          <a:p>
+            <a:pPr algn="ctr"/>
+            <a:endParaRPr lang="pt-BR"/>
+          </a:p>
+        </p:txBody>
+      </p:sp>
+      <p:cxnSp>
+        <p:nvCxnSpPr>
+          <p:cNvPr id="32" name="Conector: Angulado 31">
+            <a:extLst>
+              <a:ext uri="{FF2B5EF4-FFF2-40B4-BE49-F238E27FC236}">
+                <a16:creationId xmlns:a16="http://schemas.microsoft.com/office/drawing/2014/main" id="{4C83BAEB-33B1-EC30-EAC6-C600932B4E3E}"/>
+              </a:ext>
+            </a:extLst>
+          </p:cNvPr>
+          <p:cNvCxnSpPr>
+            <a:stCxn id="19" idx="0"/>
+            <a:endCxn id="26" idx="2"/>
+          </p:cNvCxnSpPr>
+          <p:nvPr/>
+        </p:nvCxnSpPr>
+        <p:spPr>
+          <a:xfrm rot="16200000" flipV="1">
+            <a:off x="5758990" y="1689910"/>
+            <a:ext cx="1148689" cy="2091748"/>
+          </a:xfrm>
+          <a:prstGeom prst="bentConnector3">
+            <a:avLst/>
+          </a:prstGeom>
+          <a:ln>
+            <a:solidFill>
+              <a:srgbClr val="00B0F0"/>
+            </a:solidFill>
+            <a:tailEnd type="triangle"/>
+          </a:ln>
+        </p:spPr>
+        <p:style>
+          <a:lnRef idx="2">
+            <a:schemeClr val="accent1"/>
+          </a:lnRef>
+          <a:fillRef idx="0">
+            <a:schemeClr val="accent1"/>
+          </a:fillRef>
+          <a:effectRef idx="1">
+            <a:schemeClr val="accent1"/>
+          </a:effectRef>
+          <a:fontRef idx="minor">
+            <a:schemeClr val="tx1"/>
+          </a:fontRef>
+        </p:style>
+      </p:cxnSp>
+      <p:pic>
+        <p:nvPicPr>
+          <p:cNvPr id="37" name="Imagem 36">
+            <a:extLst>
+              <a:ext uri="{FF2B5EF4-FFF2-40B4-BE49-F238E27FC236}">
+                <a16:creationId xmlns:a16="http://schemas.microsoft.com/office/drawing/2014/main" id="{E5C1619F-0D98-CD50-4503-2CC568DF8AD9}"/>
+              </a:ext>
+            </a:extLst>
+          </p:cNvPr>
+          <p:cNvPicPr>
+            <a:picLocks noChangeAspect="1"/>
+          </p:cNvPicPr>
+          <p:nvPr/>
+        </p:nvPicPr>
+        <p:blipFill>
+          <a:blip r:embed="rId4"/>
+          <a:srcRect l="7889" t="12406" r="6616" b="22509"/>
+          <a:stretch/>
+        </p:blipFill>
+        <p:spPr>
+          <a:xfrm>
+            <a:off x="6605271" y="5099814"/>
+            <a:ext cx="2402645" cy="719225"/>
+          </a:xfrm>
+          <a:prstGeom prst="rect">
+            <a:avLst/>
+          </a:prstGeom>
+          <a:ln w="28575">
+            <a:solidFill>
+              <a:srgbClr val="7030A0"/>
+            </a:solidFill>
+          </a:ln>
+        </p:spPr>
+      </p:pic>
+      <p:cxnSp>
+        <p:nvCxnSpPr>
+          <p:cNvPr id="39" name="Conector: Angulado 38">
+            <a:extLst>
+              <a:ext uri="{FF2B5EF4-FFF2-40B4-BE49-F238E27FC236}">
+                <a16:creationId xmlns:a16="http://schemas.microsoft.com/office/drawing/2014/main" id="{9084CE56-339D-C33A-B4D4-D6DBD706B0E1}"/>
+              </a:ext>
+            </a:extLst>
+          </p:cNvPr>
+          <p:cNvCxnSpPr>
+            <a:stCxn id="28" idx="2"/>
+            <a:endCxn id="37" idx="0"/>
+          </p:cNvCxnSpPr>
+          <p:nvPr/>
+        </p:nvCxnSpPr>
+        <p:spPr>
+          <a:xfrm rot="16200000" flipH="1">
+            <a:off x="5930358" y="3223577"/>
+            <a:ext cx="1372615" cy="2379857"/>
+          </a:xfrm>
+          <a:prstGeom prst="bentConnector3">
+            <a:avLst/>
+          </a:prstGeom>
+          <a:ln>
+            <a:solidFill>
+              <a:srgbClr val="7030A0"/>
+            </a:solidFill>
+            <a:tailEnd type="triangle"/>
+          </a:ln>
+        </p:spPr>
+        <p:style>
+          <a:lnRef idx="2">
+            <a:schemeClr val="accent5"/>
+          </a:lnRef>
+          <a:fillRef idx="0">
+            <a:schemeClr val="accent5"/>
+          </a:fillRef>
+          <a:effectRef idx="1">
+            <a:schemeClr val="accent5"/>
+          </a:effectRef>
+          <a:fontRef idx="minor">
+            <a:schemeClr val="tx1"/>
+          </a:fontRef>
+        </p:style>
+      </p:cxnSp>
+      <p:cxnSp>
+        <p:nvCxnSpPr>
+          <p:cNvPr id="41" name="Conector: Angulado 40">
+            <a:extLst>
+              <a:ext uri="{FF2B5EF4-FFF2-40B4-BE49-F238E27FC236}">
+                <a16:creationId xmlns:a16="http://schemas.microsoft.com/office/drawing/2014/main" id="{BB49FF68-FA8D-339D-F493-7DC352D19BCE}"/>
+              </a:ext>
+            </a:extLst>
+          </p:cNvPr>
+          <p:cNvCxnSpPr>
+            <a:stCxn id="27" idx="2"/>
+            <a:endCxn id="37" idx="0"/>
+          </p:cNvCxnSpPr>
+          <p:nvPr/>
+        </p:nvCxnSpPr>
+        <p:spPr>
+          <a:xfrm rot="5400000">
+            <a:off x="7880034" y="3648169"/>
+            <a:ext cx="1378206" cy="1525085"/>
+          </a:xfrm>
+          <a:prstGeom prst="bentConnector3">
+            <a:avLst>
+              <a:gd name="adj1" fmla="val 50663"/>
+            </a:avLst>
+          </a:prstGeom>
+          <a:ln>
+            <a:solidFill>
+              <a:srgbClr val="7030A0"/>
+            </a:solidFill>
+            <a:tailEnd type="triangle"/>
+          </a:ln>
+        </p:spPr>
+        <p:style>
+          <a:lnRef idx="2">
+            <a:schemeClr val="accent1"/>
+          </a:lnRef>
+          <a:fillRef idx="0">
+            <a:schemeClr val="accent1"/>
+          </a:fillRef>
+          <a:effectRef idx="1">
+            <a:schemeClr val="accent1"/>
+          </a:effectRef>
+          <a:fontRef idx="minor">
+            <a:schemeClr val="tx1"/>
+          </a:fontRef>
+        </p:style>
+      </p:cxnSp>
+    </p:spTree>
+    <p:extLst>
+      <p:ext uri="{BB962C8B-B14F-4D97-AF65-F5344CB8AC3E}">
+        <p14:creationId xmlns:p14="http://schemas.microsoft.com/office/powerpoint/2010/main" val="2365638769"/>
+      </p:ext>
+    </p:extLst>
+  </p:cSld>
+  <p:clrMapOvr>
+    <a:masterClrMapping/>
+  </p:clrMapOvr>
+  <mc:AlternateContent xmlns:mc="http://schemas.openxmlformats.org/markup-compatibility/2006">
+    <mc:Choice xmlns:p159="http://schemas.microsoft.com/office/powerpoint/2015/09/main" Requires="p159">
+      <p:transition xmlns:p14="http://schemas.microsoft.com/office/powerpoint/2010/main" spd="slow" p14:dur="2000">
+        <p159:morph option="byObject"/>
+      </p:transition>
+    </mc:Choice>
+    <mc:Fallback>
+      <p:transition spd="slow">
+        <p:fade/>
+      </p:transition>
+    </mc:Fallback>
+  </mc:AlternateContent>
+</p:sld>
+</file>
+
+<file path=ppt/slides/slide6.xml><?xml version="1.0" encoding="utf-8"?>
 <p:sld xmlns:a="http://schemas.openxmlformats.org/drawingml/2006/main" xmlns:r="http://schemas.openxmlformats.org/officeDocument/2006/relationships" xmlns:p="http://schemas.openxmlformats.org/presentationml/2006/main">
   <p:cSld>
     <p:spTree>
@@ -3627,10 +9346,10 @@
       </p:grpSpPr>
       <p:pic>
         <p:nvPicPr>
-          <p:cNvPr id="3" name="Imagem 2" descr="Gráfico, Histograma&#10;&#10;Descrição gerada automaticamente">
-            <a:extLst>
-              <a:ext uri="{FF2B5EF4-FFF2-40B4-BE49-F238E27FC236}">
-                <a16:creationId xmlns:a16="http://schemas.microsoft.com/office/drawing/2014/main" id="{A808908F-8BFE-463B-015C-BD2BAB6EE8CB}"/>
+          <p:cNvPr id="4" name="Imagem 3">
+            <a:extLst>
+              <a:ext uri="{FF2B5EF4-FFF2-40B4-BE49-F238E27FC236}">
+                <a16:creationId xmlns:a16="http://schemas.microsoft.com/office/drawing/2014/main" id="{56544020-2795-D383-00C1-AD6E4A3E9C0E}"/>
               </a:ext>
             </a:extLst>
           </p:cNvPr>
@@ -3640,21 +9359,694 @@
           <p:nvPr/>
         </p:nvPicPr>
         <p:blipFill>
-          <a:blip r:embed="rId2">
-            <a:extLst>
-              <a:ext uri="{28A0092B-C50C-407E-A947-70E740481C1C}">
-                <a14:useLocalDpi xmlns:a14="http://schemas.microsoft.com/office/drawing/2010/main" val="0"/>
-              </a:ext>
-            </a:extLst>
-          </a:blip>
+          <a:blip r:embed="rId2"/>
           <a:stretch>
             <a:fillRect/>
           </a:stretch>
         </p:blipFill>
         <p:spPr>
           <a:xfrm>
-            <a:off x="5439509" y="3429000"/>
-            <a:ext cx="6752492" cy="3429000"/>
+            <a:off x="3353615" y="1666070"/>
+            <a:ext cx="3867690" cy="495369"/>
+          </a:xfrm>
+          <a:prstGeom prst="rect">
+            <a:avLst/>
+          </a:prstGeom>
+          <a:ln w="28575">
+            <a:solidFill>
+              <a:srgbClr val="00B0F0"/>
+            </a:solidFill>
+          </a:ln>
+        </p:spPr>
+      </p:pic>
+      <p:pic>
+        <p:nvPicPr>
+          <p:cNvPr id="8" name="Imagem 7">
+            <a:extLst>
+              <a:ext uri="{FF2B5EF4-FFF2-40B4-BE49-F238E27FC236}">
+                <a16:creationId xmlns:a16="http://schemas.microsoft.com/office/drawing/2014/main" id="{85BD5529-AC89-7E4D-7E0F-1293B76DF23E}"/>
+              </a:ext>
+            </a:extLst>
+          </p:cNvPr>
+          <p:cNvPicPr>
+            <a:picLocks noChangeAspect="1"/>
+          </p:cNvPicPr>
+          <p:nvPr/>
+        </p:nvPicPr>
+        <p:blipFill>
+          <a:blip r:embed="rId3"/>
+          <a:stretch>
+            <a:fillRect/>
+          </a:stretch>
+        </p:blipFill>
+        <p:spPr>
+          <a:xfrm>
+            <a:off x="7010114" y="3386845"/>
+            <a:ext cx="4096322" cy="457264"/>
+          </a:xfrm>
+          <a:prstGeom prst="rect">
+            <a:avLst/>
+          </a:prstGeom>
+          <a:ln w="28575">
+            <a:solidFill>
+              <a:schemeClr val="accent4">
+                <a:lumMod val="50000"/>
+              </a:schemeClr>
+            </a:solidFill>
+          </a:ln>
+        </p:spPr>
+      </p:pic>
+      <p:pic>
+        <p:nvPicPr>
+          <p:cNvPr id="10" name="Imagem 9">
+            <a:extLst>
+              <a:ext uri="{FF2B5EF4-FFF2-40B4-BE49-F238E27FC236}">
+                <a16:creationId xmlns:a16="http://schemas.microsoft.com/office/drawing/2014/main" id="{3117C1CA-1A27-4445-CD3A-1F49A08ACC77}"/>
+              </a:ext>
+            </a:extLst>
+          </p:cNvPr>
+          <p:cNvPicPr>
+            <a:picLocks noChangeAspect="1"/>
+          </p:cNvPicPr>
+          <p:nvPr/>
+        </p:nvPicPr>
+        <p:blipFill>
+          <a:blip r:embed="rId4"/>
+          <a:stretch>
+            <a:fillRect/>
+          </a:stretch>
+        </p:blipFill>
+        <p:spPr>
+          <a:xfrm>
+            <a:off x="504459" y="3410661"/>
+            <a:ext cx="4677428" cy="866896"/>
+          </a:xfrm>
+          <a:prstGeom prst="rect">
+            <a:avLst/>
+          </a:prstGeom>
+          <a:ln w="28575">
+            <a:solidFill>
+              <a:schemeClr val="accent4">
+                <a:lumMod val="60000"/>
+                <a:lumOff val="40000"/>
+              </a:schemeClr>
+            </a:solidFill>
+          </a:ln>
+        </p:spPr>
+      </p:pic>
+      <p:sp>
+        <p:nvSpPr>
+          <p:cNvPr id="11" name="Retângulo: Cantos Arredondados 10">
+            <a:extLst>
+              <a:ext uri="{FF2B5EF4-FFF2-40B4-BE49-F238E27FC236}">
+                <a16:creationId xmlns:a16="http://schemas.microsoft.com/office/drawing/2014/main" id="{402788E7-598C-F633-9439-268A0BC2B8EC}"/>
+              </a:ext>
+            </a:extLst>
+          </p:cNvPr>
+          <p:cNvSpPr/>
+          <p:nvPr/>
+        </p:nvSpPr>
+        <p:spPr>
+          <a:xfrm>
+            <a:off x="5219987" y="1757408"/>
+            <a:ext cx="812512" cy="312692"/>
+          </a:xfrm>
+          <a:prstGeom prst="roundRect">
+            <a:avLst/>
+          </a:prstGeom>
+          <a:noFill/>
+          <a:ln w="28575" cap="flat" cmpd="sng" algn="ctr">
+            <a:solidFill>
+              <a:schemeClr val="accent4">
+                <a:lumMod val="60000"/>
+                <a:lumOff val="40000"/>
+              </a:schemeClr>
+            </a:solidFill>
+            <a:prstDash val="solid"/>
+            <a:round/>
+            <a:headEnd type="none" w="med" len="med"/>
+            <a:tailEnd type="none" w="med" len="med"/>
+          </a:ln>
+        </p:spPr>
+        <p:style>
+          <a:lnRef idx="0">
+            <a:scrgbClr r="0" g="0" b="0"/>
+          </a:lnRef>
+          <a:fillRef idx="0">
+            <a:scrgbClr r="0" g="0" b="0"/>
+          </a:fillRef>
+          <a:effectRef idx="0">
+            <a:scrgbClr r="0" g="0" b="0"/>
+          </a:effectRef>
+          <a:fontRef idx="minor">
+            <a:schemeClr val="accent2"/>
+          </a:fontRef>
+        </p:style>
+        <p:txBody>
+          <a:bodyPr rtlCol="0" anchor="ctr"/>
+          <a:lstStyle/>
+          <a:p>
+            <a:pPr algn="ctr"/>
+            <a:endParaRPr lang="pt-BR"/>
+          </a:p>
+        </p:txBody>
+      </p:sp>
+      <p:sp>
+        <p:nvSpPr>
+          <p:cNvPr id="12" name="Retângulo: Cantos Arredondados 11">
+            <a:extLst>
+              <a:ext uri="{FF2B5EF4-FFF2-40B4-BE49-F238E27FC236}">
+                <a16:creationId xmlns:a16="http://schemas.microsoft.com/office/drawing/2014/main" id="{8C3BD890-B623-3BC1-9E8C-C81D22D4ECA5}"/>
+              </a:ext>
+            </a:extLst>
+          </p:cNvPr>
+          <p:cNvSpPr/>
+          <p:nvPr/>
+        </p:nvSpPr>
+        <p:spPr>
+          <a:xfrm>
+            <a:off x="6032499" y="1757408"/>
+            <a:ext cx="1188806" cy="312692"/>
+          </a:xfrm>
+          <a:prstGeom prst="roundRect">
+            <a:avLst/>
+          </a:prstGeom>
+          <a:noFill/>
+          <a:ln w="28575" cap="flat" cmpd="sng" algn="ctr">
+            <a:solidFill>
+              <a:schemeClr val="accent4">
+                <a:lumMod val="75000"/>
+              </a:schemeClr>
+            </a:solidFill>
+            <a:prstDash val="solid"/>
+            <a:round/>
+            <a:headEnd type="none" w="med" len="med"/>
+            <a:tailEnd type="none" w="med" len="med"/>
+          </a:ln>
+        </p:spPr>
+        <p:style>
+          <a:lnRef idx="0">
+            <a:scrgbClr r="0" g="0" b="0"/>
+          </a:lnRef>
+          <a:fillRef idx="0">
+            <a:scrgbClr r="0" g="0" b="0"/>
+          </a:fillRef>
+          <a:effectRef idx="0">
+            <a:scrgbClr r="0" g="0" b="0"/>
+          </a:effectRef>
+          <a:fontRef idx="minor">
+            <a:schemeClr val="accent2"/>
+          </a:fontRef>
+        </p:style>
+        <p:txBody>
+          <a:bodyPr rtlCol="0" anchor="ctr"/>
+          <a:lstStyle/>
+          <a:p>
+            <a:pPr algn="ctr"/>
+            <a:endParaRPr lang="pt-BR"/>
+          </a:p>
+        </p:txBody>
+      </p:sp>
+      <p:cxnSp>
+        <p:nvCxnSpPr>
+          <p:cNvPr id="14" name="Conector: Angulado 13">
+            <a:extLst>
+              <a:ext uri="{FF2B5EF4-FFF2-40B4-BE49-F238E27FC236}">
+                <a16:creationId xmlns:a16="http://schemas.microsoft.com/office/drawing/2014/main" id="{4658A8CC-6AC9-2328-3811-4FE1EDCB58ED}"/>
+              </a:ext>
+            </a:extLst>
+          </p:cNvPr>
+          <p:cNvCxnSpPr>
+            <a:stCxn id="12" idx="2"/>
+            <a:endCxn id="8" idx="0"/>
+          </p:cNvCxnSpPr>
+          <p:nvPr/>
+        </p:nvCxnSpPr>
+        <p:spPr>
+          <a:xfrm rot="16200000" flipH="1">
+            <a:off x="7184216" y="1512785"/>
+            <a:ext cx="1316745" cy="2431373"/>
+          </a:xfrm>
+          <a:prstGeom prst="bentConnector3">
+            <a:avLst/>
+          </a:prstGeom>
+          <a:ln>
+            <a:tailEnd type="triangle"/>
+          </a:ln>
+        </p:spPr>
+        <p:style>
+          <a:lnRef idx="2">
+            <a:schemeClr val="accent1"/>
+          </a:lnRef>
+          <a:fillRef idx="0">
+            <a:schemeClr val="accent1"/>
+          </a:fillRef>
+          <a:effectRef idx="1">
+            <a:schemeClr val="accent1"/>
+          </a:effectRef>
+          <a:fontRef idx="minor">
+            <a:schemeClr val="tx1"/>
+          </a:fontRef>
+        </p:style>
+      </p:cxnSp>
+      <p:cxnSp>
+        <p:nvCxnSpPr>
+          <p:cNvPr id="16" name="Conector: Angulado 15">
+            <a:extLst>
+              <a:ext uri="{FF2B5EF4-FFF2-40B4-BE49-F238E27FC236}">
+                <a16:creationId xmlns:a16="http://schemas.microsoft.com/office/drawing/2014/main" id="{E51B864F-593E-9760-0159-9A16636AAE5A}"/>
+              </a:ext>
+            </a:extLst>
+          </p:cNvPr>
+          <p:cNvCxnSpPr>
+            <a:stCxn id="11" idx="2"/>
+            <a:endCxn id="10" idx="0"/>
+          </p:cNvCxnSpPr>
+          <p:nvPr/>
+        </p:nvCxnSpPr>
+        <p:spPr>
+          <a:xfrm rot="5400000">
+            <a:off x="3564428" y="1348845"/>
+            <a:ext cx="1340561" cy="2783070"/>
+          </a:xfrm>
+          <a:prstGeom prst="bentConnector3">
+            <a:avLst/>
+          </a:prstGeom>
+          <a:ln>
+            <a:solidFill>
+              <a:schemeClr val="accent4">
+                <a:lumMod val="60000"/>
+                <a:lumOff val="40000"/>
+              </a:schemeClr>
+            </a:solidFill>
+            <a:tailEnd type="triangle"/>
+          </a:ln>
+        </p:spPr>
+        <p:style>
+          <a:lnRef idx="2">
+            <a:schemeClr val="accent1"/>
+          </a:lnRef>
+          <a:fillRef idx="0">
+            <a:schemeClr val="accent1"/>
+          </a:fillRef>
+          <a:effectRef idx="1">
+            <a:schemeClr val="accent1"/>
+          </a:effectRef>
+          <a:fontRef idx="minor">
+            <a:schemeClr val="tx1"/>
+          </a:fontRef>
+        </p:style>
+      </p:cxnSp>
+    </p:spTree>
+    <p:extLst>
+      <p:ext uri="{BB962C8B-B14F-4D97-AF65-F5344CB8AC3E}">
+        <p14:creationId xmlns:p14="http://schemas.microsoft.com/office/powerpoint/2010/main" val="3664381636"/>
+      </p:ext>
+    </p:extLst>
+  </p:cSld>
+  <p:clrMapOvr>
+    <a:masterClrMapping/>
+  </p:clrMapOvr>
+  <p:timing>
+    <p:tnLst>
+      <p:par>
+        <p:cTn id="1" dur="indefinite" restart="never" nodeType="tmRoot">
+          <p:childTnLst>
+            <p:seq concurrent="1" nextAc="seek">
+              <p:cTn id="2" dur="indefinite" nodeType="mainSeq">
+                <p:childTnLst>
+                  <p:par>
+                    <p:cTn id="3" fill="hold">
+                      <p:stCondLst>
+                        <p:cond delay="indefinite"/>
+                      </p:stCondLst>
+                      <p:childTnLst>
+                        <p:par>
+                          <p:cTn id="4" fill="hold">
+                            <p:stCondLst>
+                              <p:cond delay="0"/>
+                            </p:stCondLst>
+                            <p:childTnLst>
+                              <p:par>
+                                <p:cTn id="5" presetID="10" presetClass="entr" presetSubtype="0" fill="hold" grpId="0" nodeType="clickEffect">
+                                  <p:stCondLst>
+                                    <p:cond delay="0"/>
+                                  </p:stCondLst>
+                                  <p:childTnLst>
+                                    <p:set>
+                                      <p:cBhvr>
+                                        <p:cTn id="6" dur="1" fill="hold">
+                                          <p:stCondLst>
+                                            <p:cond delay="0"/>
+                                          </p:stCondLst>
+                                        </p:cTn>
+                                        <p:tgtEl>
+                                          <p:spTgt spid="11"/>
+                                        </p:tgtEl>
+                                        <p:attrNameLst>
+                                          <p:attrName>style.visibility</p:attrName>
+                                        </p:attrNameLst>
+                                      </p:cBhvr>
+                                      <p:to>
+                                        <p:strVal val="visible"/>
+                                      </p:to>
+                                    </p:set>
+                                    <p:animEffect transition="in" filter="fade">
+                                      <p:cBhvr>
+                                        <p:cTn id="7" dur="500"/>
+                                        <p:tgtEl>
+                                          <p:spTgt spid="11"/>
+                                        </p:tgtEl>
+                                      </p:cBhvr>
+                                    </p:animEffect>
+                                  </p:childTnLst>
+                                </p:cTn>
+                              </p:par>
+                            </p:childTnLst>
+                          </p:cTn>
+                        </p:par>
+                      </p:childTnLst>
+                    </p:cTn>
+                  </p:par>
+                  <p:par>
+                    <p:cTn id="8" fill="hold">
+                      <p:stCondLst>
+                        <p:cond delay="indefinite"/>
+                      </p:stCondLst>
+                      <p:childTnLst>
+                        <p:par>
+                          <p:cTn id="9" fill="hold">
+                            <p:stCondLst>
+                              <p:cond delay="0"/>
+                            </p:stCondLst>
+                            <p:childTnLst>
+                              <p:par>
+                                <p:cTn id="10" presetID="10" presetClass="entr" presetSubtype="0" fill="hold" nodeType="clickEffect">
+                                  <p:stCondLst>
+                                    <p:cond delay="0"/>
+                                  </p:stCondLst>
+                                  <p:childTnLst>
+                                    <p:set>
+                                      <p:cBhvr>
+                                        <p:cTn id="11" dur="1" fill="hold">
+                                          <p:stCondLst>
+                                            <p:cond delay="0"/>
+                                          </p:stCondLst>
+                                        </p:cTn>
+                                        <p:tgtEl>
+                                          <p:spTgt spid="16"/>
+                                        </p:tgtEl>
+                                        <p:attrNameLst>
+                                          <p:attrName>style.visibility</p:attrName>
+                                        </p:attrNameLst>
+                                      </p:cBhvr>
+                                      <p:to>
+                                        <p:strVal val="visible"/>
+                                      </p:to>
+                                    </p:set>
+                                    <p:animEffect transition="in" filter="fade">
+                                      <p:cBhvr>
+                                        <p:cTn id="12" dur="500"/>
+                                        <p:tgtEl>
+                                          <p:spTgt spid="16"/>
+                                        </p:tgtEl>
+                                      </p:cBhvr>
+                                    </p:animEffect>
+                                  </p:childTnLst>
+                                </p:cTn>
+                              </p:par>
+                              <p:par>
+                                <p:cTn id="13" presetID="10" presetClass="entr" presetSubtype="0" fill="hold" nodeType="withEffect">
+                                  <p:stCondLst>
+                                    <p:cond delay="0"/>
+                                  </p:stCondLst>
+                                  <p:childTnLst>
+                                    <p:set>
+                                      <p:cBhvr>
+                                        <p:cTn id="14" dur="1" fill="hold">
+                                          <p:stCondLst>
+                                            <p:cond delay="0"/>
+                                          </p:stCondLst>
+                                        </p:cTn>
+                                        <p:tgtEl>
+                                          <p:spTgt spid="10"/>
+                                        </p:tgtEl>
+                                        <p:attrNameLst>
+                                          <p:attrName>style.visibility</p:attrName>
+                                        </p:attrNameLst>
+                                      </p:cBhvr>
+                                      <p:to>
+                                        <p:strVal val="visible"/>
+                                      </p:to>
+                                    </p:set>
+                                    <p:animEffect transition="in" filter="fade">
+                                      <p:cBhvr>
+                                        <p:cTn id="15" dur="500"/>
+                                        <p:tgtEl>
+                                          <p:spTgt spid="10"/>
+                                        </p:tgtEl>
+                                      </p:cBhvr>
+                                    </p:animEffect>
+                                  </p:childTnLst>
+                                </p:cTn>
+                              </p:par>
+                            </p:childTnLst>
+                          </p:cTn>
+                        </p:par>
+                      </p:childTnLst>
+                    </p:cTn>
+                  </p:par>
+                  <p:par>
+                    <p:cTn id="16" fill="hold">
+                      <p:stCondLst>
+                        <p:cond delay="indefinite"/>
+                      </p:stCondLst>
+                      <p:childTnLst>
+                        <p:par>
+                          <p:cTn id="17" fill="hold">
+                            <p:stCondLst>
+                              <p:cond delay="0"/>
+                            </p:stCondLst>
+                            <p:childTnLst>
+                              <p:par>
+                                <p:cTn id="18" presetID="10" presetClass="entr" presetSubtype="0" fill="hold" nodeType="clickEffect">
+                                  <p:stCondLst>
+                                    <p:cond delay="0"/>
+                                  </p:stCondLst>
+                                  <p:childTnLst>
+                                    <p:set>
+                                      <p:cBhvr>
+                                        <p:cTn id="19" dur="1" fill="hold">
+                                          <p:stCondLst>
+                                            <p:cond delay="0"/>
+                                          </p:stCondLst>
+                                        </p:cTn>
+                                        <p:tgtEl>
+                                          <p:spTgt spid="14"/>
+                                        </p:tgtEl>
+                                        <p:attrNameLst>
+                                          <p:attrName>style.visibility</p:attrName>
+                                        </p:attrNameLst>
+                                      </p:cBhvr>
+                                      <p:to>
+                                        <p:strVal val="visible"/>
+                                      </p:to>
+                                    </p:set>
+                                    <p:animEffect transition="in" filter="fade">
+                                      <p:cBhvr>
+                                        <p:cTn id="20" dur="500"/>
+                                        <p:tgtEl>
+                                          <p:spTgt spid="14"/>
+                                        </p:tgtEl>
+                                      </p:cBhvr>
+                                    </p:animEffect>
+                                  </p:childTnLst>
+                                </p:cTn>
+                              </p:par>
+                              <p:par>
+                                <p:cTn id="21" presetID="10" presetClass="entr" presetSubtype="0" fill="hold" nodeType="withEffect">
+                                  <p:stCondLst>
+                                    <p:cond delay="0"/>
+                                  </p:stCondLst>
+                                  <p:childTnLst>
+                                    <p:set>
+                                      <p:cBhvr>
+                                        <p:cTn id="22" dur="1" fill="hold">
+                                          <p:stCondLst>
+                                            <p:cond delay="0"/>
+                                          </p:stCondLst>
+                                        </p:cTn>
+                                        <p:tgtEl>
+                                          <p:spTgt spid="8"/>
+                                        </p:tgtEl>
+                                        <p:attrNameLst>
+                                          <p:attrName>style.visibility</p:attrName>
+                                        </p:attrNameLst>
+                                      </p:cBhvr>
+                                      <p:to>
+                                        <p:strVal val="visible"/>
+                                      </p:to>
+                                    </p:set>
+                                    <p:animEffect transition="in" filter="fade">
+                                      <p:cBhvr>
+                                        <p:cTn id="23" dur="500"/>
+                                        <p:tgtEl>
+                                          <p:spTgt spid="8"/>
+                                        </p:tgtEl>
+                                      </p:cBhvr>
+                                    </p:animEffect>
+                                  </p:childTnLst>
+                                </p:cTn>
+                              </p:par>
+                              <p:par>
+                                <p:cTn id="24" presetID="10" presetClass="entr" presetSubtype="0" fill="hold" grpId="0" nodeType="withEffect">
+                                  <p:stCondLst>
+                                    <p:cond delay="0"/>
+                                  </p:stCondLst>
+                                  <p:childTnLst>
+                                    <p:set>
+                                      <p:cBhvr>
+                                        <p:cTn id="25" dur="1" fill="hold">
+                                          <p:stCondLst>
+                                            <p:cond delay="0"/>
+                                          </p:stCondLst>
+                                        </p:cTn>
+                                        <p:tgtEl>
+                                          <p:spTgt spid="12"/>
+                                        </p:tgtEl>
+                                        <p:attrNameLst>
+                                          <p:attrName>style.visibility</p:attrName>
+                                        </p:attrNameLst>
+                                      </p:cBhvr>
+                                      <p:to>
+                                        <p:strVal val="visible"/>
+                                      </p:to>
+                                    </p:set>
+                                    <p:animEffect transition="in" filter="fade">
+                                      <p:cBhvr>
+                                        <p:cTn id="26" dur="500"/>
+                                        <p:tgtEl>
+                                          <p:spTgt spid="12"/>
+                                        </p:tgtEl>
+                                      </p:cBhvr>
+                                    </p:animEffect>
+                                  </p:childTnLst>
+                                </p:cTn>
+                              </p:par>
+                            </p:childTnLst>
+                          </p:cTn>
+                        </p:par>
+                      </p:childTnLst>
+                    </p:cTn>
+                  </p:par>
+                </p:childTnLst>
+              </p:cTn>
+              <p:prevCondLst>
+                <p:cond evt="onPrev" delay="0">
+                  <p:tgtEl>
+                    <p:sldTgt/>
+                  </p:tgtEl>
+                </p:cond>
+              </p:prevCondLst>
+              <p:nextCondLst>
+                <p:cond evt="onNext" delay="0">
+                  <p:tgtEl>
+                    <p:sldTgt/>
+                  </p:tgtEl>
+                </p:cond>
+              </p:nextCondLst>
+            </p:seq>
+          </p:childTnLst>
+        </p:cTn>
+      </p:par>
+    </p:tnLst>
+    <p:bldLst>
+      <p:bldP spid="11" grpId="0" animBg="1"/>
+      <p:bldP spid="12" grpId="0" animBg="1"/>
+    </p:bldLst>
+  </p:timing>
+</p:sld>
+</file>
+
+<file path=ppt/slides/slide7.xml><?xml version="1.0" encoding="utf-8"?>
+<p:sld xmlns:a="http://schemas.openxmlformats.org/drawingml/2006/main" xmlns:r="http://schemas.openxmlformats.org/officeDocument/2006/relationships" xmlns:p="http://schemas.openxmlformats.org/presentationml/2006/main">
+  <p:cSld>
+    <p:spTree>
+      <p:nvGrpSpPr>
+        <p:cNvPr id="1" name=""/>
+        <p:cNvGrpSpPr/>
+        <p:nvPr/>
+      </p:nvGrpSpPr>
+      <p:grpSpPr>
+        <a:xfrm>
+          <a:off x="0" y="0"/>
+          <a:ext cx="0" cy="0"/>
+          <a:chOff x="0" y="0"/>
+          <a:chExt cx="0" cy="0"/>
+        </a:xfrm>
+      </p:grpSpPr>
+      <p:pic>
+        <p:nvPicPr>
+          <p:cNvPr id="2" name="Imagem 1">
+            <a:extLst>
+              <a:ext uri="{FF2B5EF4-FFF2-40B4-BE49-F238E27FC236}">
+                <a16:creationId xmlns:a16="http://schemas.microsoft.com/office/drawing/2014/main" id="{4E91772A-5E60-8065-12C8-F890F898A172}"/>
+              </a:ext>
+            </a:extLst>
+          </p:cNvPr>
+          <p:cNvPicPr>
+            <a:picLocks noChangeAspect="1"/>
+          </p:cNvPicPr>
+          <p:nvPr/>
+        </p:nvPicPr>
+        <p:blipFill>
+          <a:blip r:embed="rId2"/>
+          <a:stretch>
+            <a:fillRect/>
+          </a:stretch>
+        </p:blipFill>
+        <p:spPr>
+          <a:xfrm>
+            <a:off x="504459" y="3410661"/>
+            <a:ext cx="4677428" cy="866896"/>
+          </a:xfrm>
+          <a:prstGeom prst="rect">
+            <a:avLst/>
+          </a:prstGeom>
+          <a:ln w="28575">
+            <a:solidFill>
+              <a:schemeClr val="accent4">
+                <a:lumMod val="60000"/>
+                <a:lumOff val="40000"/>
+              </a:schemeClr>
+            </a:solidFill>
+          </a:ln>
+        </p:spPr>
+      </p:pic>
+      <p:pic>
+        <p:nvPicPr>
+          <p:cNvPr id="8" name="Espaço Reservado para Conteúdo 7">
+            <a:extLst>
+              <a:ext uri="{FF2B5EF4-FFF2-40B4-BE49-F238E27FC236}">
+                <a16:creationId xmlns:a16="http://schemas.microsoft.com/office/drawing/2014/main" id="{1171B10D-7346-DD92-7CA9-D529CAB42314}"/>
+              </a:ext>
+            </a:extLst>
+          </p:cNvPr>
+          <p:cNvPicPr>
+            <a:picLocks noChangeAspect="1"/>
+          </p:cNvPicPr>
+          <p:nvPr/>
+        </p:nvPicPr>
+        <p:blipFill>
+          <a:blip r:embed="rId3"/>
+          <a:stretch>
+            <a:fillRect/>
+          </a:stretch>
+        </p:blipFill>
+        <p:spPr>
+          <a:xfrm>
+            <a:off x="2292166" y="2038298"/>
+            <a:ext cx="2629267" cy="362001"/>
           </a:xfrm>
           <a:prstGeom prst="rect">
             <a:avLst/>
@@ -3663,10 +10055,10 @@
       </p:pic>
       <p:pic>
         <p:nvPicPr>
-          <p:cNvPr id="5" name="Imagem 4" descr="Gráfico&#10;&#10;Descrição gerada automaticamente">
-            <a:extLst>
-              <a:ext uri="{FF2B5EF4-FFF2-40B4-BE49-F238E27FC236}">
-                <a16:creationId xmlns:a16="http://schemas.microsoft.com/office/drawing/2014/main" id="{D1BC4A62-4B1A-E2E5-ABE9-AEEBF621591A}"/>
+          <p:cNvPr id="6" name="Imagem 5">
+            <a:extLst>
+              <a:ext uri="{FF2B5EF4-FFF2-40B4-BE49-F238E27FC236}">
+                <a16:creationId xmlns:a16="http://schemas.microsoft.com/office/drawing/2014/main" id="{862891F6-6A62-C0D9-A925-CA7B50FE529B}"/>
               </a:ext>
             </a:extLst>
           </p:cNvPr>
@@ -3676,7 +10068,37 @@
           <p:nvPr/>
         </p:nvPicPr>
         <p:blipFill>
-          <a:blip r:embed="rId3">
+          <a:blip r:embed="rId4"/>
+          <a:stretch>
+            <a:fillRect/>
+          </a:stretch>
+        </p:blipFill>
+        <p:spPr>
+          <a:xfrm>
+            <a:off x="6096000" y="2062113"/>
+            <a:ext cx="1771897" cy="314369"/>
+          </a:xfrm>
+          <a:prstGeom prst="rect">
+            <a:avLst/>
+          </a:prstGeom>
+        </p:spPr>
+      </p:pic>
+      <p:pic>
+        <p:nvPicPr>
+          <p:cNvPr id="4" name="Imagem 3" descr="Uma imagem contendo Gráfico&#10;&#10;Descrição gerada automaticamente">
+            <a:extLst>
+              <a:ext uri="{FF2B5EF4-FFF2-40B4-BE49-F238E27FC236}">
+                <a16:creationId xmlns:a16="http://schemas.microsoft.com/office/drawing/2014/main" id="{FACD58DD-21DD-B24F-C6A1-1AF99C910870}"/>
+              </a:ext>
+            </a:extLst>
+          </p:cNvPr>
+          <p:cNvPicPr>
+            <a:picLocks noChangeAspect="1"/>
+          </p:cNvPicPr>
+          <p:nvPr/>
+        </p:nvPicPr>
+        <p:blipFill>
+          <a:blip r:embed="rId5">
             <a:extLst>
               <a:ext uri="{28A0092B-C50C-407E-A947-70E740481C1C}">
                 <a14:useLocalDpi xmlns:a14="http://schemas.microsoft.com/office/drawing/2010/main" val="0"/>
@@ -3689,8 +10111,8 @@
         </p:blipFill>
         <p:spPr>
           <a:xfrm>
-            <a:off x="5439509" y="0"/>
-            <a:ext cx="6752492" cy="3429000"/>
+            <a:off x="609600" y="1162045"/>
+            <a:ext cx="10972800" cy="5572125"/>
           </a:xfrm>
           <a:prstGeom prst="rect">
             <a:avLst/>
@@ -3700,13 +10122,2081 @@
     </p:spTree>
     <p:extLst>
       <p:ext uri="{BB962C8B-B14F-4D97-AF65-F5344CB8AC3E}">
-        <p14:creationId xmlns:p14="http://schemas.microsoft.com/office/powerpoint/2010/main" val="3246687439"/>
+        <p14:creationId xmlns:p14="http://schemas.microsoft.com/office/powerpoint/2010/main" val="2497066725"/>
       </p:ext>
     </p:extLst>
   </p:cSld>
   <p:clrMapOvr>
     <a:masterClrMapping/>
   </p:clrMapOvr>
+  <p:timing>
+    <p:tnLst>
+      <p:par>
+        <p:cTn id="1" dur="indefinite" restart="never" nodeType="tmRoot">
+          <p:childTnLst>
+            <p:seq concurrent="1" nextAc="seek">
+              <p:cTn id="2" dur="indefinite" nodeType="mainSeq">
+                <p:childTnLst>
+                  <p:par>
+                    <p:cTn id="3" fill="hold">
+                      <p:stCondLst>
+                        <p:cond delay="indefinite"/>
+                      </p:stCondLst>
+                      <p:childTnLst>
+                        <p:par>
+                          <p:cTn id="4" fill="hold">
+                            <p:stCondLst>
+                              <p:cond delay="0"/>
+                            </p:stCondLst>
+                            <p:childTnLst>
+                              <p:par>
+                                <p:cTn id="5" presetID="42" presetClass="path" presetSubtype="0" accel="50000" decel="50000" fill="hold" nodeType="clickEffect">
+                                  <p:stCondLst>
+                                    <p:cond delay="0"/>
+                                  </p:stCondLst>
+                                  <p:childTnLst>
+                                    <p:animMotion origin="layout" path="M -3.125E-6 3.33333E-6 L 0.2668 -0.47894 " pathEditMode="relative" rAng="0" ptsTypes="AA">
+                                      <p:cBhvr>
+                                        <p:cTn id="6" dur="2000" fill="hold"/>
+                                        <p:tgtEl>
+                                          <p:spTgt spid="2"/>
+                                        </p:tgtEl>
+                                        <p:attrNameLst>
+                                          <p:attrName>ppt_x</p:attrName>
+                                          <p:attrName>ppt_y</p:attrName>
+                                        </p:attrNameLst>
+                                      </p:cBhvr>
+                                      <p:rCtr x="13333" y="-23958"/>
+                                    </p:animMotion>
+                                  </p:childTnLst>
+                                </p:cTn>
+                              </p:par>
+                            </p:childTnLst>
+                          </p:cTn>
+                        </p:par>
+                      </p:childTnLst>
+                    </p:cTn>
+                  </p:par>
+                  <p:par>
+                    <p:cTn id="7" fill="hold">
+                      <p:stCondLst>
+                        <p:cond delay="indefinite"/>
+                      </p:stCondLst>
+                      <p:childTnLst>
+                        <p:par>
+                          <p:cTn id="8" fill="hold">
+                            <p:stCondLst>
+                              <p:cond delay="0"/>
+                            </p:stCondLst>
+                            <p:childTnLst>
+                              <p:par>
+                                <p:cTn id="9" presetID="1" presetClass="entr" presetSubtype="0" fill="hold" nodeType="clickEffect">
+                                  <p:stCondLst>
+                                    <p:cond delay="0"/>
+                                  </p:stCondLst>
+                                  <p:childTnLst>
+                                    <p:set>
+                                      <p:cBhvr>
+                                        <p:cTn id="10" dur="1" fill="hold">
+                                          <p:stCondLst>
+                                            <p:cond delay="0"/>
+                                          </p:stCondLst>
+                                        </p:cTn>
+                                        <p:tgtEl>
+                                          <p:spTgt spid="8"/>
+                                        </p:tgtEl>
+                                        <p:attrNameLst>
+                                          <p:attrName>style.visibility</p:attrName>
+                                        </p:attrNameLst>
+                                      </p:cBhvr>
+                                      <p:to>
+                                        <p:strVal val="visible"/>
+                                      </p:to>
+                                    </p:set>
+                                  </p:childTnLst>
+                                </p:cTn>
+                              </p:par>
+                            </p:childTnLst>
+                          </p:cTn>
+                        </p:par>
+                      </p:childTnLst>
+                    </p:cTn>
+                  </p:par>
+                  <p:par>
+                    <p:cTn id="11" fill="hold">
+                      <p:stCondLst>
+                        <p:cond delay="indefinite"/>
+                      </p:stCondLst>
+                      <p:childTnLst>
+                        <p:par>
+                          <p:cTn id="12" fill="hold">
+                            <p:stCondLst>
+                              <p:cond delay="0"/>
+                            </p:stCondLst>
+                            <p:childTnLst>
+                              <p:par>
+                                <p:cTn id="13" presetID="1" presetClass="entr" presetSubtype="0" fill="hold" nodeType="clickEffect">
+                                  <p:stCondLst>
+                                    <p:cond delay="0"/>
+                                  </p:stCondLst>
+                                  <p:childTnLst>
+                                    <p:set>
+                                      <p:cBhvr>
+                                        <p:cTn id="14" dur="1" fill="hold">
+                                          <p:stCondLst>
+                                            <p:cond delay="0"/>
+                                          </p:stCondLst>
+                                        </p:cTn>
+                                        <p:tgtEl>
+                                          <p:spTgt spid="6"/>
+                                        </p:tgtEl>
+                                        <p:attrNameLst>
+                                          <p:attrName>style.visibility</p:attrName>
+                                        </p:attrNameLst>
+                                      </p:cBhvr>
+                                      <p:to>
+                                        <p:strVal val="visible"/>
+                                      </p:to>
+                                    </p:set>
+                                  </p:childTnLst>
+                                </p:cTn>
+                              </p:par>
+                            </p:childTnLst>
+                          </p:cTn>
+                        </p:par>
+                      </p:childTnLst>
+                    </p:cTn>
+                  </p:par>
+                  <p:par>
+                    <p:cTn id="15" fill="hold">
+                      <p:stCondLst>
+                        <p:cond delay="indefinite"/>
+                      </p:stCondLst>
+                      <p:childTnLst>
+                        <p:par>
+                          <p:cTn id="16" fill="hold">
+                            <p:stCondLst>
+                              <p:cond delay="0"/>
+                            </p:stCondLst>
+                            <p:childTnLst>
+                              <p:par>
+                                <p:cTn id="17" presetID="10" presetClass="entr" presetSubtype="0" fill="hold" nodeType="clickEffect">
+                                  <p:stCondLst>
+                                    <p:cond delay="0"/>
+                                  </p:stCondLst>
+                                  <p:childTnLst>
+                                    <p:set>
+                                      <p:cBhvr>
+                                        <p:cTn id="18" dur="1" fill="hold">
+                                          <p:stCondLst>
+                                            <p:cond delay="0"/>
+                                          </p:stCondLst>
+                                        </p:cTn>
+                                        <p:tgtEl>
+                                          <p:spTgt spid="4"/>
+                                        </p:tgtEl>
+                                        <p:attrNameLst>
+                                          <p:attrName>style.visibility</p:attrName>
+                                        </p:attrNameLst>
+                                      </p:cBhvr>
+                                      <p:to>
+                                        <p:strVal val="visible"/>
+                                      </p:to>
+                                    </p:set>
+                                    <p:animEffect transition="in" filter="fade">
+                                      <p:cBhvr>
+                                        <p:cTn id="19" dur="500"/>
+                                        <p:tgtEl>
+                                          <p:spTgt spid="4"/>
+                                        </p:tgtEl>
+                                      </p:cBhvr>
+                                    </p:animEffect>
+                                  </p:childTnLst>
+                                </p:cTn>
+                              </p:par>
+                            </p:childTnLst>
+                          </p:cTn>
+                        </p:par>
+                      </p:childTnLst>
+                    </p:cTn>
+                  </p:par>
+                </p:childTnLst>
+              </p:cTn>
+              <p:prevCondLst>
+                <p:cond evt="onPrev" delay="0">
+                  <p:tgtEl>
+                    <p:sldTgt/>
+                  </p:tgtEl>
+                </p:cond>
+              </p:prevCondLst>
+              <p:nextCondLst>
+                <p:cond evt="onNext" delay="0">
+                  <p:tgtEl>
+                    <p:sldTgt/>
+                  </p:tgtEl>
+                </p:cond>
+              </p:nextCondLst>
+            </p:seq>
+          </p:childTnLst>
+        </p:cTn>
+      </p:par>
+    </p:tnLst>
+  </p:timing>
+</p:sld>
+</file>
+
+<file path=ppt/slides/slide8.xml><?xml version="1.0" encoding="utf-8"?>
+<p:sld xmlns:a="http://schemas.openxmlformats.org/drawingml/2006/main" xmlns:r="http://schemas.openxmlformats.org/officeDocument/2006/relationships" xmlns:p="http://schemas.openxmlformats.org/presentationml/2006/main">
+  <p:cSld>
+    <p:spTree>
+      <p:nvGrpSpPr>
+        <p:cNvPr id="1" name=""/>
+        <p:cNvGrpSpPr/>
+        <p:nvPr/>
+      </p:nvGrpSpPr>
+      <p:grpSpPr>
+        <a:xfrm>
+          <a:off x="0" y="0"/>
+          <a:ext cx="0" cy="0"/>
+          <a:chOff x="0" y="0"/>
+          <a:chExt cx="0" cy="0"/>
+        </a:xfrm>
+      </p:grpSpPr>
+      <p:pic>
+        <p:nvPicPr>
+          <p:cNvPr id="4" name="Imagem 3">
+            <a:extLst>
+              <a:ext uri="{FF2B5EF4-FFF2-40B4-BE49-F238E27FC236}">
+                <a16:creationId xmlns:a16="http://schemas.microsoft.com/office/drawing/2014/main" id="{56544020-2795-D383-00C1-AD6E4A3E9C0E}"/>
+              </a:ext>
+            </a:extLst>
+          </p:cNvPr>
+          <p:cNvPicPr>
+            <a:picLocks noChangeAspect="1"/>
+          </p:cNvPicPr>
+          <p:nvPr/>
+        </p:nvPicPr>
+        <p:blipFill>
+          <a:blip r:embed="rId2"/>
+          <a:stretch>
+            <a:fillRect/>
+          </a:stretch>
+        </p:blipFill>
+        <p:spPr>
+          <a:xfrm>
+            <a:off x="3353615" y="1666070"/>
+            <a:ext cx="3867690" cy="495369"/>
+          </a:xfrm>
+          <a:prstGeom prst="rect">
+            <a:avLst/>
+          </a:prstGeom>
+          <a:ln w="28575">
+            <a:solidFill>
+              <a:srgbClr val="00B0F0"/>
+            </a:solidFill>
+          </a:ln>
+        </p:spPr>
+      </p:pic>
+      <p:pic>
+        <p:nvPicPr>
+          <p:cNvPr id="8" name="Imagem 7">
+            <a:extLst>
+              <a:ext uri="{FF2B5EF4-FFF2-40B4-BE49-F238E27FC236}">
+                <a16:creationId xmlns:a16="http://schemas.microsoft.com/office/drawing/2014/main" id="{85BD5529-AC89-7E4D-7E0F-1293B76DF23E}"/>
+              </a:ext>
+            </a:extLst>
+          </p:cNvPr>
+          <p:cNvPicPr>
+            <a:picLocks noChangeAspect="1"/>
+          </p:cNvPicPr>
+          <p:nvPr/>
+        </p:nvPicPr>
+        <p:blipFill>
+          <a:blip r:embed="rId3"/>
+          <a:stretch>
+            <a:fillRect/>
+          </a:stretch>
+        </p:blipFill>
+        <p:spPr>
+          <a:xfrm>
+            <a:off x="7010114" y="3386845"/>
+            <a:ext cx="4096322" cy="457264"/>
+          </a:xfrm>
+          <a:prstGeom prst="rect">
+            <a:avLst/>
+          </a:prstGeom>
+          <a:ln w="28575">
+            <a:solidFill>
+              <a:schemeClr val="accent4">
+                <a:lumMod val="50000"/>
+              </a:schemeClr>
+            </a:solidFill>
+          </a:ln>
+        </p:spPr>
+      </p:pic>
+      <p:sp>
+        <p:nvSpPr>
+          <p:cNvPr id="11" name="Retângulo: Cantos Arredondados 10">
+            <a:extLst>
+              <a:ext uri="{FF2B5EF4-FFF2-40B4-BE49-F238E27FC236}">
+                <a16:creationId xmlns:a16="http://schemas.microsoft.com/office/drawing/2014/main" id="{402788E7-598C-F633-9439-268A0BC2B8EC}"/>
+              </a:ext>
+            </a:extLst>
+          </p:cNvPr>
+          <p:cNvSpPr/>
+          <p:nvPr/>
+        </p:nvSpPr>
+        <p:spPr>
+          <a:xfrm>
+            <a:off x="5219987" y="1757408"/>
+            <a:ext cx="812512" cy="312692"/>
+          </a:xfrm>
+          <a:prstGeom prst="roundRect">
+            <a:avLst/>
+          </a:prstGeom>
+          <a:noFill/>
+          <a:ln w="28575" cap="flat" cmpd="sng" algn="ctr">
+            <a:solidFill>
+              <a:schemeClr val="accent4">
+                <a:lumMod val="60000"/>
+                <a:lumOff val="40000"/>
+              </a:schemeClr>
+            </a:solidFill>
+            <a:prstDash val="solid"/>
+            <a:round/>
+            <a:headEnd type="none" w="med" len="med"/>
+            <a:tailEnd type="none" w="med" len="med"/>
+          </a:ln>
+        </p:spPr>
+        <p:style>
+          <a:lnRef idx="0">
+            <a:scrgbClr r="0" g="0" b="0"/>
+          </a:lnRef>
+          <a:fillRef idx="0">
+            <a:scrgbClr r="0" g="0" b="0"/>
+          </a:fillRef>
+          <a:effectRef idx="0">
+            <a:scrgbClr r="0" g="0" b="0"/>
+          </a:effectRef>
+          <a:fontRef idx="minor">
+            <a:schemeClr val="accent2"/>
+          </a:fontRef>
+        </p:style>
+        <p:txBody>
+          <a:bodyPr rtlCol="0" anchor="ctr"/>
+          <a:lstStyle/>
+          <a:p>
+            <a:pPr algn="ctr"/>
+            <a:endParaRPr lang="pt-BR"/>
+          </a:p>
+        </p:txBody>
+      </p:sp>
+      <p:sp>
+        <p:nvSpPr>
+          <p:cNvPr id="12" name="Retângulo: Cantos Arredondados 11">
+            <a:extLst>
+              <a:ext uri="{FF2B5EF4-FFF2-40B4-BE49-F238E27FC236}">
+                <a16:creationId xmlns:a16="http://schemas.microsoft.com/office/drawing/2014/main" id="{8C3BD890-B623-3BC1-9E8C-C81D22D4ECA5}"/>
+              </a:ext>
+            </a:extLst>
+          </p:cNvPr>
+          <p:cNvSpPr/>
+          <p:nvPr/>
+        </p:nvSpPr>
+        <p:spPr>
+          <a:xfrm>
+            <a:off x="6032499" y="1757408"/>
+            <a:ext cx="1188806" cy="312692"/>
+          </a:xfrm>
+          <a:prstGeom prst="roundRect">
+            <a:avLst/>
+          </a:prstGeom>
+          <a:noFill/>
+          <a:ln w="28575" cap="flat" cmpd="sng" algn="ctr">
+            <a:solidFill>
+              <a:schemeClr val="accent4">
+                <a:lumMod val="75000"/>
+              </a:schemeClr>
+            </a:solidFill>
+            <a:prstDash val="solid"/>
+            <a:round/>
+            <a:headEnd type="none" w="med" len="med"/>
+            <a:tailEnd type="none" w="med" len="med"/>
+          </a:ln>
+        </p:spPr>
+        <p:style>
+          <a:lnRef idx="0">
+            <a:scrgbClr r="0" g="0" b="0"/>
+          </a:lnRef>
+          <a:fillRef idx="0">
+            <a:scrgbClr r="0" g="0" b="0"/>
+          </a:fillRef>
+          <a:effectRef idx="0">
+            <a:scrgbClr r="0" g="0" b="0"/>
+          </a:effectRef>
+          <a:fontRef idx="minor">
+            <a:schemeClr val="accent2"/>
+          </a:fontRef>
+        </p:style>
+        <p:txBody>
+          <a:bodyPr rtlCol="0" anchor="ctr"/>
+          <a:lstStyle/>
+          <a:p>
+            <a:pPr algn="ctr"/>
+            <a:endParaRPr lang="pt-BR"/>
+          </a:p>
+        </p:txBody>
+      </p:sp>
+      <p:cxnSp>
+        <p:nvCxnSpPr>
+          <p:cNvPr id="14" name="Conector: Angulado 13">
+            <a:extLst>
+              <a:ext uri="{FF2B5EF4-FFF2-40B4-BE49-F238E27FC236}">
+                <a16:creationId xmlns:a16="http://schemas.microsoft.com/office/drawing/2014/main" id="{4658A8CC-6AC9-2328-3811-4FE1EDCB58ED}"/>
+              </a:ext>
+            </a:extLst>
+          </p:cNvPr>
+          <p:cNvCxnSpPr>
+            <a:stCxn id="12" idx="2"/>
+            <a:endCxn id="8" idx="0"/>
+          </p:cNvCxnSpPr>
+          <p:nvPr/>
+        </p:nvCxnSpPr>
+        <p:spPr>
+          <a:xfrm rot="16200000" flipH="1">
+            <a:off x="7184216" y="1512785"/>
+            <a:ext cx="1316745" cy="2431373"/>
+          </a:xfrm>
+          <a:prstGeom prst="bentConnector3">
+            <a:avLst/>
+          </a:prstGeom>
+          <a:ln>
+            <a:tailEnd type="triangle"/>
+          </a:ln>
+        </p:spPr>
+        <p:style>
+          <a:lnRef idx="2">
+            <a:schemeClr val="accent1"/>
+          </a:lnRef>
+          <a:fillRef idx="0">
+            <a:schemeClr val="accent1"/>
+          </a:fillRef>
+          <a:effectRef idx="1">
+            <a:schemeClr val="accent1"/>
+          </a:effectRef>
+          <a:fontRef idx="minor">
+            <a:schemeClr val="tx1"/>
+          </a:fontRef>
+        </p:style>
+      </p:cxnSp>
+      <p:pic>
+        <p:nvPicPr>
+          <p:cNvPr id="2" name="Espaço Reservado para Conteúdo 7">
+            <a:extLst>
+              <a:ext uri="{FF2B5EF4-FFF2-40B4-BE49-F238E27FC236}">
+                <a16:creationId xmlns:a16="http://schemas.microsoft.com/office/drawing/2014/main" id="{F88AD0BF-A2E5-6878-CA44-86C9E813DB50}"/>
+              </a:ext>
+            </a:extLst>
+          </p:cNvPr>
+          <p:cNvPicPr>
+            <a:picLocks noGrp="1" noChangeAspect="1"/>
+          </p:cNvPicPr>
+          <p:nvPr>
+            <p:ph idx="1"/>
+          </p:nvPr>
+        </p:nvPicPr>
+        <p:blipFill>
+          <a:blip r:embed="rId4"/>
+          <a:stretch>
+            <a:fillRect/>
+          </a:stretch>
+        </p:blipFill>
+        <p:spPr>
+          <a:xfrm>
+            <a:off x="1585529" y="4186944"/>
+            <a:ext cx="5496692" cy="400106"/>
+          </a:xfrm>
+          <a:ln w="28575">
+            <a:solidFill>
+              <a:schemeClr val="accent4">
+                <a:lumMod val="75000"/>
+              </a:schemeClr>
+            </a:solidFill>
+          </a:ln>
+        </p:spPr>
+      </p:pic>
+      <p:pic>
+        <p:nvPicPr>
+          <p:cNvPr id="6" name="Imagem 5">
+            <a:extLst>
+              <a:ext uri="{FF2B5EF4-FFF2-40B4-BE49-F238E27FC236}">
+                <a16:creationId xmlns:a16="http://schemas.microsoft.com/office/drawing/2014/main" id="{2DCC1F8C-C6D9-C897-C4E5-4D53B17BB08E}"/>
+              </a:ext>
+            </a:extLst>
+          </p:cNvPr>
+          <p:cNvPicPr>
+            <a:picLocks noChangeAspect="1"/>
+          </p:cNvPicPr>
+          <p:nvPr/>
+        </p:nvPicPr>
+        <p:blipFill>
+          <a:blip r:embed="rId5"/>
+          <a:stretch>
+            <a:fillRect/>
+          </a:stretch>
+        </p:blipFill>
+        <p:spPr>
+          <a:xfrm>
+            <a:off x="1704723" y="5964074"/>
+            <a:ext cx="3600953" cy="390580"/>
+          </a:xfrm>
+          <a:prstGeom prst="rect">
+            <a:avLst/>
+          </a:prstGeom>
+        </p:spPr>
+      </p:pic>
+      <p:pic>
+        <p:nvPicPr>
+          <p:cNvPr id="3" name="Imagem 2">
+            <a:extLst>
+              <a:ext uri="{FF2B5EF4-FFF2-40B4-BE49-F238E27FC236}">
+                <a16:creationId xmlns:a16="http://schemas.microsoft.com/office/drawing/2014/main" id="{A4760782-62D0-C6F9-FCD1-8E9AA00E765C}"/>
+              </a:ext>
+            </a:extLst>
+          </p:cNvPr>
+          <p:cNvPicPr>
+            <a:picLocks noChangeAspect="1"/>
+          </p:cNvPicPr>
+          <p:nvPr/>
+        </p:nvPicPr>
+        <p:blipFill>
+          <a:blip r:embed="rId6"/>
+          <a:stretch>
+            <a:fillRect/>
+          </a:stretch>
+        </p:blipFill>
+        <p:spPr>
+          <a:xfrm>
+            <a:off x="6648252" y="5978364"/>
+            <a:ext cx="2838846" cy="362001"/>
+          </a:xfrm>
+          <a:prstGeom prst="rect">
+            <a:avLst/>
+          </a:prstGeom>
+          <a:ln w="28575">
+            <a:solidFill>
+              <a:schemeClr val="accent6">
+                <a:lumMod val="75000"/>
+              </a:schemeClr>
+            </a:solidFill>
+          </a:ln>
+        </p:spPr>
+      </p:pic>
+      <p:sp>
+        <p:nvSpPr>
+          <p:cNvPr id="5" name="Retângulo: Cantos Arredondados 4">
+            <a:extLst>
+              <a:ext uri="{FF2B5EF4-FFF2-40B4-BE49-F238E27FC236}">
+                <a16:creationId xmlns:a16="http://schemas.microsoft.com/office/drawing/2014/main" id="{C4167A6D-A4B0-85F7-47BF-6A1E73EA0E09}"/>
+              </a:ext>
+            </a:extLst>
+          </p:cNvPr>
+          <p:cNvSpPr/>
+          <p:nvPr/>
+        </p:nvSpPr>
+        <p:spPr>
+          <a:xfrm>
+            <a:off x="8658225" y="3429000"/>
+            <a:ext cx="1190625" cy="361873"/>
+          </a:xfrm>
+          <a:prstGeom prst="roundRect">
+            <a:avLst/>
+          </a:prstGeom>
+          <a:noFill/>
+          <a:ln w="28575" cap="flat" cmpd="sng" algn="ctr">
+            <a:solidFill>
+              <a:schemeClr val="accent4">
+                <a:lumMod val="75000"/>
+              </a:schemeClr>
+            </a:solidFill>
+            <a:prstDash val="solid"/>
+            <a:round/>
+            <a:headEnd type="none" w="med" len="med"/>
+            <a:tailEnd type="none" w="med" len="med"/>
+          </a:ln>
+        </p:spPr>
+        <p:style>
+          <a:lnRef idx="0">
+            <a:scrgbClr r="0" g="0" b="0"/>
+          </a:lnRef>
+          <a:fillRef idx="0">
+            <a:scrgbClr r="0" g="0" b="0"/>
+          </a:fillRef>
+          <a:effectRef idx="0">
+            <a:scrgbClr r="0" g="0" b="0"/>
+          </a:effectRef>
+          <a:fontRef idx="minor">
+            <a:schemeClr val="accent2"/>
+          </a:fontRef>
+        </p:style>
+        <p:txBody>
+          <a:bodyPr rtlCol="0" anchor="ctr"/>
+          <a:lstStyle/>
+          <a:p>
+            <a:pPr algn="ctr"/>
+            <a:endParaRPr lang="pt-BR"/>
+          </a:p>
+        </p:txBody>
+      </p:sp>
+      <p:sp>
+        <p:nvSpPr>
+          <p:cNvPr id="7" name="Retângulo: Cantos Arredondados 6">
+            <a:extLst>
+              <a:ext uri="{FF2B5EF4-FFF2-40B4-BE49-F238E27FC236}">
+                <a16:creationId xmlns:a16="http://schemas.microsoft.com/office/drawing/2014/main" id="{F19E74C8-44FD-B1FE-56CF-8A31A5821A1B}"/>
+              </a:ext>
+            </a:extLst>
+          </p:cNvPr>
+          <p:cNvSpPr/>
+          <p:nvPr/>
+        </p:nvSpPr>
+        <p:spPr>
+          <a:xfrm>
+            <a:off x="9839523" y="3429000"/>
+            <a:ext cx="1190625" cy="361873"/>
+          </a:xfrm>
+          <a:prstGeom prst="roundRect">
+            <a:avLst/>
+          </a:prstGeom>
+          <a:noFill/>
+          <a:ln w="28575" cap="flat" cmpd="sng" algn="ctr">
+            <a:solidFill>
+              <a:schemeClr val="accent6">
+                <a:lumMod val="75000"/>
+              </a:schemeClr>
+            </a:solidFill>
+            <a:prstDash val="solid"/>
+            <a:round/>
+            <a:headEnd type="none" w="med" len="med"/>
+            <a:tailEnd type="none" w="med" len="med"/>
+          </a:ln>
+        </p:spPr>
+        <p:style>
+          <a:lnRef idx="0">
+            <a:scrgbClr r="0" g="0" b="0"/>
+          </a:lnRef>
+          <a:fillRef idx="0">
+            <a:scrgbClr r="0" g="0" b="0"/>
+          </a:fillRef>
+          <a:effectRef idx="0">
+            <a:scrgbClr r="0" g="0" b="0"/>
+          </a:effectRef>
+          <a:fontRef idx="minor">
+            <a:schemeClr val="accent2"/>
+          </a:fontRef>
+        </p:style>
+        <p:txBody>
+          <a:bodyPr rtlCol="0" anchor="ctr"/>
+          <a:lstStyle/>
+          <a:p>
+            <a:pPr algn="ctr"/>
+            <a:endParaRPr lang="pt-BR"/>
+          </a:p>
+        </p:txBody>
+      </p:sp>
+      <p:cxnSp>
+        <p:nvCxnSpPr>
+          <p:cNvPr id="13" name="Conector: Angulado 12">
+            <a:extLst>
+              <a:ext uri="{FF2B5EF4-FFF2-40B4-BE49-F238E27FC236}">
+                <a16:creationId xmlns:a16="http://schemas.microsoft.com/office/drawing/2014/main" id="{A2F4E18E-BF65-3883-3E1A-B64AA18F8BA4}"/>
+              </a:ext>
+            </a:extLst>
+          </p:cNvPr>
+          <p:cNvCxnSpPr>
+            <a:stCxn id="7" idx="2"/>
+            <a:endCxn id="3" idx="3"/>
+          </p:cNvCxnSpPr>
+          <p:nvPr/>
+        </p:nvCxnSpPr>
+        <p:spPr>
+          <a:xfrm rot="5400000">
+            <a:off x="8776721" y="4501250"/>
+            <a:ext cx="2368492" cy="947738"/>
+          </a:xfrm>
+          <a:prstGeom prst="bentConnector2">
+            <a:avLst/>
+          </a:prstGeom>
+          <a:ln>
+            <a:solidFill>
+              <a:schemeClr val="accent6">
+                <a:lumMod val="75000"/>
+              </a:schemeClr>
+            </a:solidFill>
+            <a:tailEnd type="triangle"/>
+          </a:ln>
+        </p:spPr>
+        <p:style>
+          <a:lnRef idx="2">
+            <a:schemeClr val="accent1"/>
+          </a:lnRef>
+          <a:fillRef idx="0">
+            <a:schemeClr val="accent1"/>
+          </a:fillRef>
+          <a:effectRef idx="1">
+            <a:schemeClr val="accent1"/>
+          </a:effectRef>
+          <a:fontRef idx="minor">
+            <a:schemeClr val="tx1"/>
+          </a:fontRef>
+        </p:style>
+      </p:cxnSp>
+      <p:cxnSp>
+        <p:nvCxnSpPr>
+          <p:cNvPr id="17" name="Conector: Angulado 16">
+            <a:extLst>
+              <a:ext uri="{FF2B5EF4-FFF2-40B4-BE49-F238E27FC236}">
+                <a16:creationId xmlns:a16="http://schemas.microsoft.com/office/drawing/2014/main" id="{E1771818-1FE2-DAEE-2220-D144F969C158}"/>
+              </a:ext>
+            </a:extLst>
+          </p:cNvPr>
+          <p:cNvCxnSpPr>
+            <a:stCxn id="5" idx="2"/>
+            <a:endCxn id="2" idx="3"/>
+          </p:cNvCxnSpPr>
+          <p:nvPr/>
+        </p:nvCxnSpPr>
+        <p:spPr>
+          <a:xfrm rot="5400000">
+            <a:off x="7869818" y="3003277"/>
+            <a:ext cx="596124" cy="2171317"/>
+          </a:xfrm>
+          <a:prstGeom prst="bentConnector2">
+            <a:avLst/>
+          </a:prstGeom>
+          <a:ln>
+            <a:solidFill>
+              <a:schemeClr val="accent4">
+                <a:lumMod val="75000"/>
+              </a:schemeClr>
+            </a:solidFill>
+            <a:tailEnd type="triangle"/>
+          </a:ln>
+        </p:spPr>
+        <p:style>
+          <a:lnRef idx="2">
+            <a:schemeClr val="accent1"/>
+          </a:lnRef>
+          <a:fillRef idx="0">
+            <a:schemeClr val="accent1"/>
+          </a:fillRef>
+          <a:effectRef idx="1">
+            <a:schemeClr val="accent1"/>
+          </a:effectRef>
+          <a:fontRef idx="minor">
+            <a:schemeClr val="tx1"/>
+          </a:fontRef>
+        </p:style>
+      </p:cxnSp>
+      <p:cxnSp>
+        <p:nvCxnSpPr>
+          <p:cNvPr id="19" name="Conector: Angulado 18">
+            <a:extLst>
+              <a:ext uri="{FF2B5EF4-FFF2-40B4-BE49-F238E27FC236}">
+                <a16:creationId xmlns:a16="http://schemas.microsoft.com/office/drawing/2014/main" id="{DF977129-CD08-CFF4-DC16-E1CCECCE5A45}"/>
+              </a:ext>
+            </a:extLst>
+          </p:cNvPr>
+          <p:cNvCxnSpPr>
+            <a:stCxn id="3" idx="1"/>
+            <a:endCxn id="6" idx="3"/>
+          </p:cNvCxnSpPr>
+          <p:nvPr/>
+        </p:nvCxnSpPr>
+        <p:spPr>
+          <a:xfrm rot="10800000">
+            <a:off x="5305676" y="6159365"/>
+            <a:ext cx="1342576" cy="1"/>
+          </a:xfrm>
+          <a:prstGeom prst="bentConnector3">
+            <a:avLst/>
+          </a:prstGeom>
+          <a:ln>
+            <a:tailEnd type="triangle"/>
+          </a:ln>
+        </p:spPr>
+        <p:style>
+          <a:lnRef idx="2">
+            <a:schemeClr val="dk1"/>
+          </a:lnRef>
+          <a:fillRef idx="0">
+            <a:schemeClr val="dk1"/>
+          </a:fillRef>
+          <a:effectRef idx="1">
+            <a:schemeClr val="dk1"/>
+          </a:effectRef>
+          <a:fontRef idx="minor">
+            <a:schemeClr val="tx1"/>
+          </a:fontRef>
+        </p:style>
+      </p:cxnSp>
+      <p:cxnSp>
+        <p:nvCxnSpPr>
+          <p:cNvPr id="21" name="Conector: Angulado 20">
+            <a:extLst>
+              <a:ext uri="{FF2B5EF4-FFF2-40B4-BE49-F238E27FC236}">
+                <a16:creationId xmlns:a16="http://schemas.microsoft.com/office/drawing/2014/main" id="{7ED30F86-EEEF-8276-9C43-EAB182E19FF2}"/>
+              </a:ext>
+            </a:extLst>
+          </p:cNvPr>
+          <p:cNvCxnSpPr>
+            <a:stCxn id="2" idx="2"/>
+            <a:endCxn id="6" idx="0"/>
+          </p:cNvCxnSpPr>
+          <p:nvPr/>
+        </p:nvCxnSpPr>
+        <p:spPr>
+          <a:xfrm rot="5400000">
+            <a:off x="3231026" y="4861225"/>
+            <a:ext cx="1377024" cy="828675"/>
+          </a:xfrm>
+          <a:prstGeom prst="bentConnector3">
+            <a:avLst/>
+          </a:prstGeom>
+          <a:ln>
+            <a:tailEnd type="triangle"/>
+          </a:ln>
+        </p:spPr>
+        <p:style>
+          <a:lnRef idx="2">
+            <a:schemeClr val="dk1"/>
+          </a:lnRef>
+          <a:fillRef idx="0">
+            <a:schemeClr val="dk1"/>
+          </a:fillRef>
+          <a:effectRef idx="1">
+            <a:schemeClr val="dk1"/>
+          </a:effectRef>
+          <a:fontRef idx="minor">
+            <a:schemeClr val="tx1"/>
+          </a:fontRef>
+        </p:style>
+      </p:cxnSp>
+      <p:pic>
+        <p:nvPicPr>
+          <p:cNvPr id="23" name="Imagem 22">
+            <a:extLst>
+              <a:ext uri="{FF2B5EF4-FFF2-40B4-BE49-F238E27FC236}">
+                <a16:creationId xmlns:a16="http://schemas.microsoft.com/office/drawing/2014/main" id="{355AA5C2-A34E-022F-7341-AC82DC82237B}"/>
+              </a:ext>
+            </a:extLst>
+          </p:cNvPr>
+          <p:cNvPicPr>
+            <a:picLocks noChangeAspect="1"/>
+          </p:cNvPicPr>
+          <p:nvPr/>
+        </p:nvPicPr>
+        <p:blipFill>
+          <a:blip r:embed="rId7"/>
+          <a:stretch>
+            <a:fillRect/>
+          </a:stretch>
+        </p:blipFill>
+        <p:spPr>
+          <a:xfrm>
+            <a:off x="555646" y="4862396"/>
+            <a:ext cx="2059765" cy="564964"/>
+          </a:xfrm>
+          <a:prstGeom prst="rect">
+            <a:avLst/>
+          </a:prstGeom>
+        </p:spPr>
+      </p:pic>
+      <p:pic>
+        <p:nvPicPr>
+          <p:cNvPr id="25" name="Imagem 24" descr="Gráfico, Gráfico de barras, Histograma&#10;&#10;Descrição gerada automaticamente">
+            <a:extLst>
+              <a:ext uri="{FF2B5EF4-FFF2-40B4-BE49-F238E27FC236}">
+                <a16:creationId xmlns:a16="http://schemas.microsoft.com/office/drawing/2014/main" id="{DE2DC197-636A-F1E4-1877-969D65642770}"/>
+              </a:ext>
+            </a:extLst>
+          </p:cNvPr>
+          <p:cNvPicPr>
+            <a:picLocks noChangeAspect="1"/>
+          </p:cNvPicPr>
+          <p:nvPr/>
+        </p:nvPicPr>
+        <p:blipFill>
+          <a:blip r:embed="rId8">
+            <a:extLst>
+              <a:ext uri="{28A0092B-C50C-407E-A947-70E740481C1C}">
+                <a14:useLocalDpi xmlns:a14="http://schemas.microsoft.com/office/drawing/2010/main" val="0"/>
+              </a:ext>
+            </a:extLst>
+          </a:blip>
+          <a:stretch>
+            <a:fillRect/>
+          </a:stretch>
+        </p:blipFill>
+        <p:spPr>
+          <a:xfrm>
+            <a:off x="5305675" y="-10548"/>
+            <a:ext cx="6909991" cy="3508980"/>
+          </a:xfrm>
+          <a:prstGeom prst="rect">
+            <a:avLst/>
+          </a:prstGeom>
+        </p:spPr>
+      </p:pic>
+      <p:pic>
+        <p:nvPicPr>
+          <p:cNvPr id="24" name="Imagem 23" descr="Gráfico, Histograma&#10;&#10;Descrição gerada automaticamente">
+            <a:extLst>
+              <a:ext uri="{FF2B5EF4-FFF2-40B4-BE49-F238E27FC236}">
+                <a16:creationId xmlns:a16="http://schemas.microsoft.com/office/drawing/2014/main" id="{1D263FBD-F1CB-2641-1816-4FC1E10AA39A}"/>
+              </a:ext>
+            </a:extLst>
+          </p:cNvPr>
+          <p:cNvPicPr>
+            <a:picLocks noChangeAspect="1"/>
+          </p:cNvPicPr>
+          <p:nvPr/>
+        </p:nvPicPr>
+        <p:blipFill>
+          <a:blip r:embed="rId9">
+            <a:extLst>
+              <a:ext uri="{28A0092B-C50C-407E-A947-70E740481C1C}">
+                <a14:useLocalDpi xmlns:a14="http://schemas.microsoft.com/office/drawing/2010/main" val="0"/>
+              </a:ext>
+            </a:extLst>
+          </a:blip>
+          <a:stretch>
+            <a:fillRect/>
+          </a:stretch>
+        </p:blipFill>
+        <p:spPr>
+          <a:xfrm>
+            <a:off x="5311073" y="3386844"/>
+            <a:ext cx="6909991" cy="3508980"/>
+          </a:xfrm>
+          <a:prstGeom prst="rect">
+            <a:avLst/>
+          </a:prstGeom>
+        </p:spPr>
+      </p:pic>
+    </p:spTree>
+    <p:extLst>
+      <p:ext uri="{BB962C8B-B14F-4D97-AF65-F5344CB8AC3E}">
+        <p14:creationId xmlns:p14="http://schemas.microsoft.com/office/powerpoint/2010/main" val="1062064496"/>
+      </p:ext>
+    </p:extLst>
+  </p:cSld>
+  <p:clrMapOvr>
+    <a:masterClrMapping/>
+  </p:clrMapOvr>
+  <mc:AlternateContent xmlns:mc="http://schemas.openxmlformats.org/markup-compatibility/2006">
+    <mc:Choice xmlns:p14="http://schemas.microsoft.com/office/powerpoint/2010/main" Requires="p14">
+      <p:transition spd="med" p14:dur="700">
+        <p:fade/>
+      </p:transition>
+    </mc:Choice>
+    <mc:Fallback>
+      <p:transition spd="med">
+        <p:fade/>
+      </p:transition>
+    </mc:Fallback>
+  </mc:AlternateContent>
+  <p:timing>
+    <p:tnLst>
+      <p:par>
+        <p:cTn id="1" dur="indefinite" restart="never" nodeType="tmRoot">
+          <p:childTnLst>
+            <p:seq concurrent="1" nextAc="seek">
+              <p:cTn id="2" dur="indefinite" nodeType="mainSeq">
+                <p:childTnLst>
+                  <p:par>
+                    <p:cTn id="3" fill="hold">
+                      <p:stCondLst>
+                        <p:cond delay="indefinite"/>
+                      </p:stCondLst>
+                      <p:childTnLst>
+                        <p:par>
+                          <p:cTn id="4" fill="hold">
+                            <p:stCondLst>
+                              <p:cond delay="0"/>
+                            </p:stCondLst>
+                            <p:childTnLst>
+                              <p:par>
+                                <p:cTn id="5" presetID="10" presetClass="exit" presetSubtype="0" fill="hold" grpId="0" nodeType="clickEffect">
+                                  <p:stCondLst>
+                                    <p:cond delay="0"/>
+                                  </p:stCondLst>
+                                  <p:childTnLst>
+                                    <p:animEffect transition="out" filter="fade">
+                                      <p:cBhvr>
+                                        <p:cTn id="6" dur="500"/>
+                                        <p:tgtEl>
+                                          <p:spTgt spid="11"/>
+                                        </p:tgtEl>
+                                      </p:cBhvr>
+                                    </p:animEffect>
+                                    <p:set>
+                                      <p:cBhvr>
+                                        <p:cTn id="7" dur="1" fill="hold">
+                                          <p:stCondLst>
+                                            <p:cond delay="499"/>
+                                          </p:stCondLst>
+                                        </p:cTn>
+                                        <p:tgtEl>
+                                          <p:spTgt spid="11"/>
+                                        </p:tgtEl>
+                                        <p:attrNameLst>
+                                          <p:attrName>style.visibility</p:attrName>
+                                        </p:attrNameLst>
+                                      </p:cBhvr>
+                                      <p:to>
+                                        <p:strVal val="hidden"/>
+                                      </p:to>
+                                    </p:set>
+                                  </p:childTnLst>
+                                </p:cTn>
+                              </p:par>
+                              <p:par>
+                                <p:cTn id="8" presetID="10" presetClass="exit" presetSubtype="0" fill="hold" nodeType="withEffect">
+                                  <p:stCondLst>
+                                    <p:cond delay="0"/>
+                                  </p:stCondLst>
+                                  <p:childTnLst>
+                                    <p:animEffect transition="out" filter="fade">
+                                      <p:cBhvr>
+                                        <p:cTn id="9" dur="500"/>
+                                        <p:tgtEl>
+                                          <p:spTgt spid="4"/>
+                                        </p:tgtEl>
+                                      </p:cBhvr>
+                                    </p:animEffect>
+                                    <p:set>
+                                      <p:cBhvr>
+                                        <p:cTn id="10" dur="1" fill="hold">
+                                          <p:stCondLst>
+                                            <p:cond delay="499"/>
+                                          </p:stCondLst>
+                                        </p:cTn>
+                                        <p:tgtEl>
+                                          <p:spTgt spid="4"/>
+                                        </p:tgtEl>
+                                        <p:attrNameLst>
+                                          <p:attrName>style.visibility</p:attrName>
+                                        </p:attrNameLst>
+                                      </p:cBhvr>
+                                      <p:to>
+                                        <p:strVal val="hidden"/>
+                                      </p:to>
+                                    </p:set>
+                                  </p:childTnLst>
+                                </p:cTn>
+                              </p:par>
+                              <p:par>
+                                <p:cTn id="11" presetID="10" presetClass="exit" presetSubtype="0" fill="hold" grpId="0" nodeType="withEffect">
+                                  <p:stCondLst>
+                                    <p:cond delay="0"/>
+                                  </p:stCondLst>
+                                  <p:childTnLst>
+                                    <p:animEffect transition="out" filter="fade">
+                                      <p:cBhvr>
+                                        <p:cTn id="12" dur="500"/>
+                                        <p:tgtEl>
+                                          <p:spTgt spid="12"/>
+                                        </p:tgtEl>
+                                      </p:cBhvr>
+                                    </p:animEffect>
+                                    <p:set>
+                                      <p:cBhvr>
+                                        <p:cTn id="13" dur="1" fill="hold">
+                                          <p:stCondLst>
+                                            <p:cond delay="499"/>
+                                          </p:stCondLst>
+                                        </p:cTn>
+                                        <p:tgtEl>
+                                          <p:spTgt spid="12"/>
+                                        </p:tgtEl>
+                                        <p:attrNameLst>
+                                          <p:attrName>style.visibility</p:attrName>
+                                        </p:attrNameLst>
+                                      </p:cBhvr>
+                                      <p:to>
+                                        <p:strVal val="hidden"/>
+                                      </p:to>
+                                    </p:set>
+                                  </p:childTnLst>
+                                </p:cTn>
+                              </p:par>
+                              <p:par>
+                                <p:cTn id="14" presetID="10" presetClass="exit" presetSubtype="0" fill="hold" nodeType="withEffect">
+                                  <p:stCondLst>
+                                    <p:cond delay="0"/>
+                                  </p:stCondLst>
+                                  <p:childTnLst>
+                                    <p:animEffect transition="out" filter="fade">
+                                      <p:cBhvr>
+                                        <p:cTn id="15" dur="500"/>
+                                        <p:tgtEl>
+                                          <p:spTgt spid="14"/>
+                                        </p:tgtEl>
+                                      </p:cBhvr>
+                                    </p:animEffect>
+                                    <p:set>
+                                      <p:cBhvr>
+                                        <p:cTn id="16" dur="1" fill="hold">
+                                          <p:stCondLst>
+                                            <p:cond delay="499"/>
+                                          </p:stCondLst>
+                                        </p:cTn>
+                                        <p:tgtEl>
+                                          <p:spTgt spid="14"/>
+                                        </p:tgtEl>
+                                        <p:attrNameLst>
+                                          <p:attrName>style.visibility</p:attrName>
+                                        </p:attrNameLst>
+                                      </p:cBhvr>
+                                      <p:to>
+                                        <p:strVal val="hidden"/>
+                                      </p:to>
+                                    </p:set>
+                                  </p:childTnLst>
+                                </p:cTn>
+                              </p:par>
+                            </p:childTnLst>
+                          </p:cTn>
+                        </p:par>
+                      </p:childTnLst>
+                    </p:cTn>
+                  </p:par>
+                  <p:par>
+                    <p:cTn id="17" fill="hold">
+                      <p:stCondLst>
+                        <p:cond delay="indefinite"/>
+                      </p:stCondLst>
+                      <p:childTnLst>
+                        <p:par>
+                          <p:cTn id="18" fill="hold">
+                            <p:stCondLst>
+                              <p:cond delay="0"/>
+                            </p:stCondLst>
+                            <p:childTnLst>
+                              <p:par>
+                                <p:cTn id="19" presetID="1" presetClass="entr" presetSubtype="0" fill="hold" grpId="0" nodeType="clickEffect">
+                                  <p:stCondLst>
+                                    <p:cond delay="0"/>
+                                  </p:stCondLst>
+                                  <p:childTnLst>
+                                    <p:set>
+                                      <p:cBhvr>
+                                        <p:cTn id="20" dur="1" fill="hold">
+                                          <p:stCondLst>
+                                            <p:cond delay="0"/>
+                                          </p:stCondLst>
+                                        </p:cTn>
+                                        <p:tgtEl>
+                                          <p:spTgt spid="5"/>
+                                        </p:tgtEl>
+                                        <p:attrNameLst>
+                                          <p:attrName>style.visibility</p:attrName>
+                                        </p:attrNameLst>
+                                      </p:cBhvr>
+                                      <p:to>
+                                        <p:strVal val="visible"/>
+                                      </p:to>
+                                    </p:set>
+                                  </p:childTnLst>
+                                </p:cTn>
+                              </p:par>
+                              <p:par>
+                                <p:cTn id="21" presetID="1" presetClass="entr" presetSubtype="0" fill="hold" nodeType="withEffect">
+                                  <p:stCondLst>
+                                    <p:cond delay="0"/>
+                                  </p:stCondLst>
+                                  <p:childTnLst>
+                                    <p:set>
+                                      <p:cBhvr>
+                                        <p:cTn id="22" dur="1" fill="hold">
+                                          <p:stCondLst>
+                                            <p:cond delay="0"/>
+                                          </p:stCondLst>
+                                        </p:cTn>
+                                        <p:tgtEl>
+                                          <p:spTgt spid="17"/>
+                                        </p:tgtEl>
+                                        <p:attrNameLst>
+                                          <p:attrName>style.visibility</p:attrName>
+                                        </p:attrNameLst>
+                                      </p:cBhvr>
+                                      <p:to>
+                                        <p:strVal val="visible"/>
+                                      </p:to>
+                                    </p:set>
+                                  </p:childTnLst>
+                                </p:cTn>
+                              </p:par>
+                              <p:par>
+                                <p:cTn id="23" presetID="1" presetClass="entr" presetSubtype="0" fill="hold" nodeType="withEffect">
+                                  <p:stCondLst>
+                                    <p:cond delay="0"/>
+                                  </p:stCondLst>
+                                  <p:childTnLst>
+                                    <p:set>
+                                      <p:cBhvr>
+                                        <p:cTn id="24" dur="1" fill="hold">
+                                          <p:stCondLst>
+                                            <p:cond delay="0"/>
+                                          </p:stCondLst>
+                                        </p:cTn>
+                                        <p:tgtEl>
+                                          <p:spTgt spid="2"/>
+                                        </p:tgtEl>
+                                        <p:attrNameLst>
+                                          <p:attrName>style.visibility</p:attrName>
+                                        </p:attrNameLst>
+                                      </p:cBhvr>
+                                      <p:to>
+                                        <p:strVal val="visible"/>
+                                      </p:to>
+                                    </p:set>
+                                  </p:childTnLst>
+                                </p:cTn>
+                              </p:par>
+                            </p:childTnLst>
+                          </p:cTn>
+                        </p:par>
+                      </p:childTnLst>
+                    </p:cTn>
+                  </p:par>
+                  <p:par>
+                    <p:cTn id="25" fill="hold">
+                      <p:stCondLst>
+                        <p:cond delay="indefinite"/>
+                      </p:stCondLst>
+                      <p:childTnLst>
+                        <p:par>
+                          <p:cTn id="26" fill="hold">
+                            <p:stCondLst>
+                              <p:cond delay="0"/>
+                            </p:stCondLst>
+                            <p:childTnLst>
+                              <p:par>
+                                <p:cTn id="27" presetID="10" presetClass="entr" presetSubtype="0" fill="hold" grpId="0" nodeType="clickEffect">
+                                  <p:stCondLst>
+                                    <p:cond delay="0"/>
+                                  </p:stCondLst>
+                                  <p:childTnLst>
+                                    <p:set>
+                                      <p:cBhvr>
+                                        <p:cTn id="28" dur="1" fill="hold">
+                                          <p:stCondLst>
+                                            <p:cond delay="0"/>
+                                          </p:stCondLst>
+                                        </p:cTn>
+                                        <p:tgtEl>
+                                          <p:spTgt spid="7"/>
+                                        </p:tgtEl>
+                                        <p:attrNameLst>
+                                          <p:attrName>style.visibility</p:attrName>
+                                        </p:attrNameLst>
+                                      </p:cBhvr>
+                                      <p:to>
+                                        <p:strVal val="visible"/>
+                                      </p:to>
+                                    </p:set>
+                                    <p:animEffect transition="in" filter="fade">
+                                      <p:cBhvr>
+                                        <p:cTn id="29" dur="500"/>
+                                        <p:tgtEl>
+                                          <p:spTgt spid="7"/>
+                                        </p:tgtEl>
+                                      </p:cBhvr>
+                                    </p:animEffect>
+                                  </p:childTnLst>
+                                </p:cTn>
+                              </p:par>
+                              <p:par>
+                                <p:cTn id="30" presetID="10" presetClass="entr" presetSubtype="0" fill="hold" nodeType="withEffect">
+                                  <p:stCondLst>
+                                    <p:cond delay="0"/>
+                                  </p:stCondLst>
+                                  <p:childTnLst>
+                                    <p:set>
+                                      <p:cBhvr>
+                                        <p:cTn id="31" dur="1" fill="hold">
+                                          <p:stCondLst>
+                                            <p:cond delay="0"/>
+                                          </p:stCondLst>
+                                        </p:cTn>
+                                        <p:tgtEl>
+                                          <p:spTgt spid="13"/>
+                                        </p:tgtEl>
+                                        <p:attrNameLst>
+                                          <p:attrName>style.visibility</p:attrName>
+                                        </p:attrNameLst>
+                                      </p:cBhvr>
+                                      <p:to>
+                                        <p:strVal val="visible"/>
+                                      </p:to>
+                                    </p:set>
+                                    <p:animEffect transition="in" filter="fade">
+                                      <p:cBhvr>
+                                        <p:cTn id="32" dur="500"/>
+                                        <p:tgtEl>
+                                          <p:spTgt spid="13"/>
+                                        </p:tgtEl>
+                                      </p:cBhvr>
+                                    </p:animEffect>
+                                  </p:childTnLst>
+                                </p:cTn>
+                              </p:par>
+                              <p:par>
+                                <p:cTn id="33" presetID="10" presetClass="entr" presetSubtype="0" fill="hold" nodeType="withEffect">
+                                  <p:stCondLst>
+                                    <p:cond delay="0"/>
+                                  </p:stCondLst>
+                                  <p:childTnLst>
+                                    <p:set>
+                                      <p:cBhvr>
+                                        <p:cTn id="34" dur="1" fill="hold">
+                                          <p:stCondLst>
+                                            <p:cond delay="0"/>
+                                          </p:stCondLst>
+                                        </p:cTn>
+                                        <p:tgtEl>
+                                          <p:spTgt spid="3"/>
+                                        </p:tgtEl>
+                                        <p:attrNameLst>
+                                          <p:attrName>style.visibility</p:attrName>
+                                        </p:attrNameLst>
+                                      </p:cBhvr>
+                                      <p:to>
+                                        <p:strVal val="visible"/>
+                                      </p:to>
+                                    </p:set>
+                                    <p:animEffect transition="in" filter="fade">
+                                      <p:cBhvr>
+                                        <p:cTn id="35" dur="500"/>
+                                        <p:tgtEl>
+                                          <p:spTgt spid="3"/>
+                                        </p:tgtEl>
+                                      </p:cBhvr>
+                                    </p:animEffect>
+                                  </p:childTnLst>
+                                </p:cTn>
+                              </p:par>
+                            </p:childTnLst>
+                          </p:cTn>
+                        </p:par>
+                      </p:childTnLst>
+                    </p:cTn>
+                  </p:par>
+                  <p:par>
+                    <p:cTn id="36" fill="hold">
+                      <p:stCondLst>
+                        <p:cond delay="indefinite"/>
+                      </p:stCondLst>
+                      <p:childTnLst>
+                        <p:par>
+                          <p:cTn id="37" fill="hold">
+                            <p:stCondLst>
+                              <p:cond delay="0"/>
+                            </p:stCondLst>
+                            <p:childTnLst>
+                              <p:par>
+                                <p:cTn id="38" presetID="1" presetClass="entr" presetSubtype="0" fill="hold" nodeType="clickEffect">
+                                  <p:stCondLst>
+                                    <p:cond delay="0"/>
+                                  </p:stCondLst>
+                                  <p:childTnLst>
+                                    <p:set>
+                                      <p:cBhvr>
+                                        <p:cTn id="39" dur="1" fill="hold">
+                                          <p:stCondLst>
+                                            <p:cond delay="0"/>
+                                          </p:stCondLst>
+                                        </p:cTn>
+                                        <p:tgtEl>
+                                          <p:spTgt spid="6"/>
+                                        </p:tgtEl>
+                                        <p:attrNameLst>
+                                          <p:attrName>style.visibility</p:attrName>
+                                        </p:attrNameLst>
+                                      </p:cBhvr>
+                                      <p:to>
+                                        <p:strVal val="visible"/>
+                                      </p:to>
+                                    </p:set>
+                                  </p:childTnLst>
+                                </p:cTn>
+                              </p:par>
+                              <p:par>
+                                <p:cTn id="40" presetID="1" presetClass="entr" presetSubtype="0" fill="hold" nodeType="withEffect">
+                                  <p:stCondLst>
+                                    <p:cond delay="0"/>
+                                  </p:stCondLst>
+                                  <p:childTnLst>
+                                    <p:set>
+                                      <p:cBhvr>
+                                        <p:cTn id="41" dur="1" fill="hold">
+                                          <p:stCondLst>
+                                            <p:cond delay="0"/>
+                                          </p:stCondLst>
+                                        </p:cTn>
+                                        <p:tgtEl>
+                                          <p:spTgt spid="21"/>
+                                        </p:tgtEl>
+                                        <p:attrNameLst>
+                                          <p:attrName>style.visibility</p:attrName>
+                                        </p:attrNameLst>
+                                      </p:cBhvr>
+                                      <p:to>
+                                        <p:strVal val="visible"/>
+                                      </p:to>
+                                    </p:set>
+                                  </p:childTnLst>
+                                </p:cTn>
+                              </p:par>
+                              <p:par>
+                                <p:cTn id="42" presetID="1" presetClass="entr" presetSubtype="0" fill="hold" nodeType="withEffect">
+                                  <p:stCondLst>
+                                    <p:cond delay="0"/>
+                                  </p:stCondLst>
+                                  <p:childTnLst>
+                                    <p:set>
+                                      <p:cBhvr>
+                                        <p:cTn id="43" dur="1" fill="hold">
+                                          <p:stCondLst>
+                                            <p:cond delay="0"/>
+                                          </p:stCondLst>
+                                        </p:cTn>
+                                        <p:tgtEl>
+                                          <p:spTgt spid="19"/>
+                                        </p:tgtEl>
+                                        <p:attrNameLst>
+                                          <p:attrName>style.visibility</p:attrName>
+                                        </p:attrNameLst>
+                                      </p:cBhvr>
+                                      <p:to>
+                                        <p:strVal val="visible"/>
+                                      </p:to>
+                                    </p:set>
+                                  </p:childTnLst>
+                                </p:cTn>
+                              </p:par>
+                            </p:childTnLst>
+                          </p:cTn>
+                        </p:par>
+                      </p:childTnLst>
+                    </p:cTn>
+                  </p:par>
+                  <p:par>
+                    <p:cTn id="44" fill="hold">
+                      <p:stCondLst>
+                        <p:cond delay="indefinite"/>
+                      </p:stCondLst>
+                      <p:childTnLst>
+                        <p:par>
+                          <p:cTn id="45" fill="hold">
+                            <p:stCondLst>
+                              <p:cond delay="0"/>
+                            </p:stCondLst>
+                            <p:childTnLst>
+                              <p:par>
+                                <p:cTn id="46" presetID="10" presetClass="exit" presetSubtype="0" fill="hold" nodeType="clickEffect">
+                                  <p:stCondLst>
+                                    <p:cond delay="0"/>
+                                  </p:stCondLst>
+                                  <p:childTnLst>
+                                    <p:animEffect transition="out" filter="fade">
+                                      <p:cBhvr>
+                                        <p:cTn id="47" dur="500"/>
+                                        <p:tgtEl>
+                                          <p:spTgt spid="19"/>
+                                        </p:tgtEl>
+                                      </p:cBhvr>
+                                    </p:animEffect>
+                                    <p:set>
+                                      <p:cBhvr>
+                                        <p:cTn id="48" dur="1" fill="hold">
+                                          <p:stCondLst>
+                                            <p:cond delay="499"/>
+                                          </p:stCondLst>
+                                        </p:cTn>
+                                        <p:tgtEl>
+                                          <p:spTgt spid="19"/>
+                                        </p:tgtEl>
+                                        <p:attrNameLst>
+                                          <p:attrName>style.visibility</p:attrName>
+                                        </p:attrNameLst>
+                                      </p:cBhvr>
+                                      <p:to>
+                                        <p:strVal val="hidden"/>
+                                      </p:to>
+                                    </p:set>
+                                  </p:childTnLst>
+                                </p:cTn>
+                              </p:par>
+                            </p:childTnLst>
+                          </p:cTn>
+                        </p:par>
+                      </p:childTnLst>
+                    </p:cTn>
+                  </p:par>
+                  <p:par>
+                    <p:cTn id="49" fill="hold">
+                      <p:stCondLst>
+                        <p:cond delay="indefinite"/>
+                      </p:stCondLst>
+                      <p:childTnLst>
+                        <p:par>
+                          <p:cTn id="50" fill="hold">
+                            <p:stCondLst>
+                              <p:cond delay="0"/>
+                            </p:stCondLst>
+                            <p:childTnLst>
+                              <p:par>
+                                <p:cTn id="51" presetID="10" presetClass="exit" presetSubtype="0" fill="hold" grpId="1" nodeType="clickEffect">
+                                  <p:stCondLst>
+                                    <p:cond delay="0"/>
+                                  </p:stCondLst>
+                                  <p:childTnLst>
+                                    <p:animEffect transition="out" filter="fade">
+                                      <p:cBhvr>
+                                        <p:cTn id="52" dur="500"/>
+                                        <p:tgtEl>
+                                          <p:spTgt spid="5"/>
+                                        </p:tgtEl>
+                                      </p:cBhvr>
+                                    </p:animEffect>
+                                    <p:set>
+                                      <p:cBhvr>
+                                        <p:cTn id="53" dur="1" fill="hold">
+                                          <p:stCondLst>
+                                            <p:cond delay="499"/>
+                                          </p:stCondLst>
+                                        </p:cTn>
+                                        <p:tgtEl>
+                                          <p:spTgt spid="5"/>
+                                        </p:tgtEl>
+                                        <p:attrNameLst>
+                                          <p:attrName>style.visibility</p:attrName>
+                                        </p:attrNameLst>
+                                      </p:cBhvr>
+                                      <p:to>
+                                        <p:strVal val="hidden"/>
+                                      </p:to>
+                                    </p:set>
+                                  </p:childTnLst>
+                                </p:cTn>
+                              </p:par>
+                              <p:par>
+                                <p:cTn id="54" presetID="10" presetClass="exit" presetSubtype="0" fill="hold" nodeType="withEffect">
+                                  <p:stCondLst>
+                                    <p:cond delay="0"/>
+                                  </p:stCondLst>
+                                  <p:childTnLst>
+                                    <p:animEffect transition="out" filter="fade">
+                                      <p:cBhvr>
+                                        <p:cTn id="55" dur="500"/>
+                                        <p:tgtEl>
+                                          <p:spTgt spid="17"/>
+                                        </p:tgtEl>
+                                      </p:cBhvr>
+                                    </p:animEffect>
+                                    <p:set>
+                                      <p:cBhvr>
+                                        <p:cTn id="56" dur="1" fill="hold">
+                                          <p:stCondLst>
+                                            <p:cond delay="499"/>
+                                          </p:stCondLst>
+                                        </p:cTn>
+                                        <p:tgtEl>
+                                          <p:spTgt spid="17"/>
+                                        </p:tgtEl>
+                                        <p:attrNameLst>
+                                          <p:attrName>style.visibility</p:attrName>
+                                        </p:attrNameLst>
+                                      </p:cBhvr>
+                                      <p:to>
+                                        <p:strVal val="hidden"/>
+                                      </p:to>
+                                    </p:set>
+                                  </p:childTnLst>
+                                </p:cTn>
+                              </p:par>
+                              <p:par>
+                                <p:cTn id="57" presetID="10" presetClass="exit" presetSubtype="0" fill="hold" nodeType="withEffect">
+                                  <p:stCondLst>
+                                    <p:cond delay="0"/>
+                                  </p:stCondLst>
+                                  <p:childTnLst>
+                                    <p:animEffect transition="out" filter="fade">
+                                      <p:cBhvr>
+                                        <p:cTn id="58" dur="500"/>
+                                        <p:tgtEl>
+                                          <p:spTgt spid="2"/>
+                                        </p:tgtEl>
+                                      </p:cBhvr>
+                                    </p:animEffect>
+                                    <p:set>
+                                      <p:cBhvr>
+                                        <p:cTn id="59" dur="1" fill="hold">
+                                          <p:stCondLst>
+                                            <p:cond delay="499"/>
+                                          </p:stCondLst>
+                                        </p:cTn>
+                                        <p:tgtEl>
+                                          <p:spTgt spid="2"/>
+                                        </p:tgtEl>
+                                        <p:attrNameLst>
+                                          <p:attrName>style.visibility</p:attrName>
+                                        </p:attrNameLst>
+                                      </p:cBhvr>
+                                      <p:to>
+                                        <p:strVal val="hidden"/>
+                                      </p:to>
+                                    </p:set>
+                                  </p:childTnLst>
+                                </p:cTn>
+                              </p:par>
+                              <p:par>
+                                <p:cTn id="60" presetID="10" presetClass="exit" presetSubtype="0" fill="hold" grpId="1" nodeType="withEffect">
+                                  <p:stCondLst>
+                                    <p:cond delay="0"/>
+                                  </p:stCondLst>
+                                  <p:childTnLst>
+                                    <p:animEffect transition="out" filter="fade">
+                                      <p:cBhvr>
+                                        <p:cTn id="61" dur="500"/>
+                                        <p:tgtEl>
+                                          <p:spTgt spid="7"/>
+                                        </p:tgtEl>
+                                      </p:cBhvr>
+                                    </p:animEffect>
+                                    <p:set>
+                                      <p:cBhvr>
+                                        <p:cTn id="62" dur="1" fill="hold">
+                                          <p:stCondLst>
+                                            <p:cond delay="499"/>
+                                          </p:stCondLst>
+                                        </p:cTn>
+                                        <p:tgtEl>
+                                          <p:spTgt spid="7"/>
+                                        </p:tgtEl>
+                                        <p:attrNameLst>
+                                          <p:attrName>style.visibility</p:attrName>
+                                        </p:attrNameLst>
+                                      </p:cBhvr>
+                                      <p:to>
+                                        <p:strVal val="hidden"/>
+                                      </p:to>
+                                    </p:set>
+                                  </p:childTnLst>
+                                </p:cTn>
+                              </p:par>
+                              <p:par>
+                                <p:cTn id="63" presetID="10" presetClass="exit" presetSubtype="0" fill="hold" nodeType="withEffect">
+                                  <p:stCondLst>
+                                    <p:cond delay="0"/>
+                                  </p:stCondLst>
+                                  <p:childTnLst>
+                                    <p:animEffect transition="out" filter="fade">
+                                      <p:cBhvr>
+                                        <p:cTn id="64" dur="500"/>
+                                        <p:tgtEl>
+                                          <p:spTgt spid="13"/>
+                                        </p:tgtEl>
+                                      </p:cBhvr>
+                                    </p:animEffect>
+                                    <p:set>
+                                      <p:cBhvr>
+                                        <p:cTn id="65" dur="1" fill="hold">
+                                          <p:stCondLst>
+                                            <p:cond delay="499"/>
+                                          </p:stCondLst>
+                                        </p:cTn>
+                                        <p:tgtEl>
+                                          <p:spTgt spid="13"/>
+                                        </p:tgtEl>
+                                        <p:attrNameLst>
+                                          <p:attrName>style.visibility</p:attrName>
+                                        </p:attrNameLst>
+                                      </p:cBhvr>
+                                      <p:to>
+                                        <p:strVal val="hidden"/>
+                                      </p:to>
+                                    </p:set>
+                                  </p:childTnLst>
+                                </p:cTn>
+                              </p:par>
+                              <p:par>
+                                <p:cTn id="66" presetID="10" presetClass="exit" presetSubtype="0" fill="hold" nodeType="withEffect">
+                                  <p:stCondLst>
+                                    <p:cond delay="0"/>
+                                  </p:stCondLst>
+                                  <p:childTnLst>
+                                    <p:animEffect transition="out" filter="fade">
+                                      <p:cBhvr>
+                                        <p:cTn id="67" dur="500"/>
+                                        <p:tgtEl>
+                                          <p:spTgt spid="3"/>
+                                        </p:tgtEl>
+                                      </p:cBhvr>
+                                    </p:animEffect>
+                                    <p:set>
+                                      <p:cBhvr>
+                                        <p:cTn id="68" dur="1" fill="hold">
+                                          <p:stCondLst>
+                                            <p:cond delay="499"/>
+                                          </p:stCondLst>
+                                        </p:cTn>
+                                        <p:tgtEl>
+                                          <p:spTgt spid="3"/>
+                                        </p:tgtEl>
+                                        <p:attrNameLst>
+                                          <p:attrName>style.visibility</p:attrName>
+                                        </p:attrNameLst>
+                                      </p:cBhvr>
+                                      <p:to>
+                                        <p:strVal val="hidden"/>
+                                      </p:to>
+                                    </p:set>
+                                  </p:childTnLst>
+                                </p:cTn>
+                              </p:par>
+                              <p:par>
+                                <p:cTn id="69" presetID="10" presetClass="exit" presetSubtype="0" fill="hold" nodeType="withEffect">
+                                  <p:stCondLst>
+                                    <p:cond delay="0"/>
+                                  </p:stCondLst>
+                                  <p:childTnLst>
+                                    <p:animEffect transition="out" filter="fade">
+                                      <p:cBhvr>
+                                        <p:cTn id="70" dur="500"/>
+                                        <p:tgtEl>
+                                          <p:spTgt spid="6"/>
+                                        </p:tgtEl>
+                                      </p:cBhvr>
+                                    </p:animEffect>
+                                    <p:set>
+                                      <p:cBhvr>
+                                        <p:cTn id="71" dur="1" fill="hold">
+                                          <p:stCondLst>
+                                            <p:cond delay="499"/>
+                                          </p:stCondLst>
+                                        </p:cTn>
+                                        <p:tgtEl>
+                                          <p:spTgt spid="6"/>
+                                        </p:tgtEl>
+                                        <p:attrNameLst>
+                                          <p:attrName>style.visibility</p:attrName>
+                                        </p:attrNameLst>
+                                      </p:cBhvr>
+                                      <p:to>
+                                        <p:strVal val="hidden"/>
+                                      </p:to>
+                                    </p:set>
+                                  </p:childTnLst>
+                                </p:cTn>
+                              </p:par>
+                              <p:par>
+                                <p:cTn id="72" presetID="10" presetClass="exit" presetSubtype="0" fill="hold" nodeType="withEffect">
+                                  <p:stCondLst>
+                                    <p:cond delay="0"/>
+                                  </p:stCondLst>
+                                  <p:childTnLst>
+                                    <p:animEffect transition="out" filter="fade">
+                                      <p:cBhvr>
+                                        <p:cTn id="73" dur="500"/>
+                                        <p:tgtEl>
+                                          <p:spTgt spid="21"/>
+                                        </p:tgtEl>
+                                      </p:cBhvr>
+                                    </p:animEffect>
+                                    <p:set>
+                                      <p:cBhvr>
+                                        <p:cTn id="74" dur="1" fill="hold">
+                                          <p:stCondLst>
+                                            <p:cond delay="499"/>
+                                          </p:stCondLst>
+                                        </p:cTn>
+                                        <p:tgtEl>
+                                          <p:spTgt spid="21"/>
+                                        </p:tgtEl>
+                                        <p:attrNameLst>
+                                          <p:attrName>style.visibility</p:attrName>
+                                        </p:attrNameLst>
+                                      </p:cBhvr>
+                                      <p:to>
+                                        <p:strVal val="hidden"/>
+                                      </p:to>
+                                    </p:set>
+                                  </p:childTnLst>
+                                </p:cTn>
+                              </p:par>
+                            </p:childTnLst>
+                          </p:cTn>
+                        </p:par>
+                      </p:childTnLst>
+                    </p:cTn>
+                  </p:par>
+                  <p:par>
+                    <p:cTn id="75" fill="hold">
+                      <p:stCondLst>
+                        <p:cond delay="indefinite"/>
+                      </p:stCondLst>
+                      <p:childTnLst>
+                        <p:par>
+                          <p:cTn id="76" fill="hold">
+                            <p:stCondLst>
+                              <p:cond delay="0"/>
+                            </p:stCondLst>
+                            <p:childTnLst>
+                              <p:par>
+                                <p:cTn id="77" presetID="42" presetClass="path" presetSubtype="0" accel="50000" decel="50000" fill="hold" nodeType="clickEffect">
+                                  <p:stCondLst>
+                                    <p:cond delay="0"/>
+                                  </p:stCondLst>
+                                  <p:childTnLst>
+                                    <p:animMotion origin="layout" path="M 1.25E-6 -3.33333E-6 L -0.56797 -0.1125 " pathEditMode="relative" rAng="0" ptsTypes="AA">
+                                      <p:cBhvr>
+                                        <p:cTn id="78" dur="2000" fill="hold"/>
+                                        <p:tgtEl>
+                                          <p:spTgt spid="8"/>
+                                        </p:tgtEl>
+                                        <p:attrNameLst>
+                                          <p:attrName>ppt_x</p:attrName>
+                                          <p:attrName>ppt_y</p:attrName>
+                                        </p:attrNameLst>
+                                      </p:cBhvr>
+                                      <p:rCtr x="-28398" y="-5625"/>
+                                    </p:animMotion>
+                                  </p:childTnLst>
+                                </p:cTn>
+                              </p:par>
+                            </p:childTnLst>
+                          </p:cTn>
+                        </p:par>
+                      </p:childTnLst>
+                    </p:cTn>
+                  </p:par>
+                  <p:par>
+                    <p:cTn id="79" fill="hold">
+                      <p:stCondLst>
+                        <p:cond delay="indefinite"/>
+                      </p:stCondLst>
+                      <p:childTnLst>
+                        <p:par>
+                          <p:cTn id="80" fill="hold">
+                            <p:stCondLst>
+                              <p:cond delay="0"/>
+                            </p:stCondLst>
+                            <p:childTnLst>
+                              <p:par>
+                                <p:cTn id="81" presetID="10" presetClass="entr" presetSubtype="0" fill="hold" nodeType="clickEffect">
+                                  <p:stCondLst>
+                                    <p:cond delay="0"/>
+                                  </p:stCondLst>
+                                  <p:childTnLst>
+                                    <p:set>
+                                      <p:cBhvr>
+                                        <p:cTn id="82" dur="1" fill="hold">
+                                          <p:stCondLst>
+                                            <p:cond delay="0"/>
+                                          </p:stCondLst>
+                                        </p:cTn>
+                                        <p:tgtEl>
+                                          <p:spTgt spid="23"/>
+                                        </p:tgtEl>
+                                        <p:attrNameLst>
+                                          <p:attrName>style.visibility</p:attrName>
+                                        </p:attrNameLst>
+                                      </p:cBhvr>
+                                      <p:to>
+                                        <p:strVal val="visible"/>
+                                      </p:to>
+                                    </p:set>
+                                    <p:animEffect transition="in" filter="fade">
+                                      <p:cBhvr>
+                                        <p:cTn id="83" dur="500"/>
+                                        <p:tgtEl>
+                                          <p:spTgt spid="23"/>
+                                        </p:tgtEl>
+                                      </p:cBhvr>
+                                    </p:animEffect>
+                                  </p:childTnLst>
+                                </p:cTn>
+                              </p:par>
+                            </p:childTnLst>
+                          </p:cTn>
+                        </p:par>
+                      </p:childTnLst>
+                    </p:cTn>
+                  </p:par>
+                  <p:par>
+                    <p:cTn id="84" fill="hold">
+                      <p:stCondLst>
+                        <p:cond delay="indefinite"/>
+                      </p:stCondLst>
+                      <p:childTnLst>
+                        <p:par>
+                          <p:cTn id="85" fill="hold">
+                            <p:stCondLst>
+                              <p:cond delay="0"/>
+                            </p:stCondLst>
+                            <p:childTnLst>
+                              <p:par>
+                                <p:cTn id="86" presetID="10" presetClass="entr" presetSubtype="0" fill="hold" nodeType="clickEffect">
+                                  <p:stCondLst>
+                                    <p:cond delay="0"/>
+                                  </p:stCondLst>
+                                  <p:childTnLst>
+                                    <p:set>
+                                      <p:cBhvr>
+                                        <p:cTn id="87" dur="1" fill="hold">
+                                          <p:stCondLst>
+                                            <p:cond delay="0"/>
+                                          </p:stCondLst>
+                                        </p:cTn>
+                                        <p:tgtEl>
+                                          <p:spTgt spid="24"/>
+                                        </p:tgtEl>
+                                        <p:attrNameLst>
+                                          <p:attrName>style.visibility</p:attrName>
+                                        </p:attrNameLst>
+                                      </p:cBhvr>
+                                      <p:to>
+                                        <p:strVal val="visible"/>
+                                      </p:to>
+                                    </p:set>
+                                    <p:animEffect transition="in" filter="fade">
+                                      <p:cBhvr>
+                                        <p:cTn id="88" dur="500"/>
+                                        <p:tgtEl>
+                                          <p:spTgt spid="24"/>
+                                        </p:tgtEl>
+                                      </p:cBhvr>
+                                    </p:animEffect>
+                                  </p:childTnLst>
+                                </p:cTn>
+                              </p:par>
+                              <p:par>
+                                <p:cTn id="89" presetID="10" presetClass="entr" presetSubtype="0" fill="hold" nodeType="withEffect">
+                                  <p:stCondLst>
+                                    <p:cond delay="0"/>
+                                  </p:stCondLst>
+                                  <p:childTnLst>
+                                    <p:set>
+                                      <p:cBhvr>
+                                        <p:cTn id="90" dur="1" fill="hold">
+                                          <p:stCondLst>
+                                            <p:cond delay="0"/>
+                                          </p:stCondLst>
+                                        </p:cTn>
+                                        <p:tgtEl>
+                                          <p:spTgt spid="25"/>
+                                        </p:tgtEl>
+                                        <p:attrNameLst>
+                                          <p:attrName>style.visibility</p:attrName>
+                                        </p:attrNameLst>
+                                      </p:cBhvr>
+                                      <p:to>
+                                        <p:strVal val="visible"/>
+                                      </p:to>
+                                    </p:set>
+                                    <p:animEffect transition="in" filter="fade">
+                                      <p:cBhvr>
+                                        <p:cTn id="91" dur="500"/>
+                                        <p:tgtEl>
+                                          <p:spTgt spid="25"/>
+                                        </p:tgtEl>
+                                      </p:cBhvr>
+                                    </p:animEffect>
+                                  </p:childTnLst>
+                                </p:cTn>
+                              </p:par>
+                            </p:childTnLst>
+                          </p:cTn>
+                        </p:par>
+                      </p:childTnLst>
+                    </p:cTn>
+                  </p:par>
+                </p:childTnLst>
+              </p:cTn>
+              <p:prevCondLst>
+                <p:cond evt="onPrev" delay="0">
+                  <p:tgtEl>
+                    <p:sldTgt/>
+                  </p:tgtEl>
+                </p:cond>
+              </p:prevCondLst>
+              <p:nextCondLst>
+                <p:cond evt="onNext" delay="0">
+                  <p:tgtEl>
+                    <p:sldTgt/>
+                  </p:tgtEl>
+                </p:cond>
+              </p:nextCondLst>
+            </p:seq>
+          </p:childTnLst>
+        </p:cTn>
+      </p:par>
+    </p:tnLst>
+    <p:bldLst>
+      <p:bldP spid="11" grpId="0" animBg="1"/>
+      <p:bldP spid="12" grpId="0" animBg="1"/>
+      <p:bldP spid="5" grpId="0" animBg="1"/>
+      <p:bldP spid="5" grpId="1" animBg="1"/>
+      <p:bldP spid="7" grpId="0" animBg="1"/>
+      <p:bldP spid="7" grpId="1" animBg="1"/>
+    </p:bldLst>
+  </p:timing>
+</p:sld>
+</file>
+
+<file path=ppt/slides/slide9.xml><?xml version="1.0" encoding="utf-8"?>
+<p:sld xmlns:a="http://schemas.openxmlformats.org/drawingml/2006/main" xmlns:r="http://schemas.openxmlformats.org/officeDocument/2006/relationships" xmlns:p="http://schemas.openxmlformats.org/presentationml/2006/main">
+  <p:cSld>
+    <p:spTree>
+      <p:nvGrpSpPr>
+        <p:cNvPr id="1" name=""/>
+        <p:cNvGrpSpPr/>
+        <p:nvPr/>
+      </p:nvGrpSpPr>
+      <p:grpSpPr>
+        <a:xfrm>
+          <a:off x="0" y="0"/>
+          <a:ext cx="0" cy="0"/>
+          <a:chOff x="0" y="0"/>
+          <a:chExt cx="0" cy="0"/>
+        </a:xfrm>
+      </p:grpSpPr>
+    </p:spTree>
+    <p:extLst>
+      <p:ext uri="{BB962C8B-B14F-4D97-AF65-F5344CB8AC3E}">
+        <p14:creationId xmlns:p14="http://schemas.microsoft.com/office/powerpoint/2010/main" val="621375562"/>
+      </p:ext>
+    </p:extLst>
+  </p:cSld>
+  <p:clrMapOvr>
+    <a:masterClrMapping/>
+  </p:clrMapOvr>
+  <mc:AlternateContent xmlns:mc="http://schemas.openxmlformats.org/markup-compatibility/2006">
+    <mc:Choice xmlns:p14="http://schemas.microsoft.com/office/powerpoint/2010/main" Requires="p14">
+      <p:transition spd="med" p14:dur="700">
+        <p:fade/>
+      </p:transition>
+    </mc:Choice>
+    <mc:Fallback>
+      <p:transition spd="med">
+        <p:fade/>
+      </p:transition>
+    </mc:Fallback>
+  </mc:AlternateContent>
 </p:sld>
 </file>
 
@@ -3996,6 +12486,40 @@
     </a:fmtScheme>
   </a:themeElements>
   <a:objectDefaults>
+    <a:spDef>
+      <a:spPr>
+        <a:noFill/>
+        <a:ln w="28575" cap="flat" cmpd="sng" algn="ctr">
+          <a:solidFill>
+            <a:schemeClr val="accent2"/>
+          </a:solidFill>
+          <a:prstDash val="solid"/>
+          <a:round/>
+          <a:headEnd type="none" w="med" len="med"/>
+          <a:tailEnd type="none" w="med" len="med"/>
+        </a:ln>
+      </a:spPr>
+      <a:bodyPr rtlCol="0" anchor="ctr"/>
+      <a:lstStyle>
+        <a:defPPr algn="ctr">
+          <a:defRPr/>
+        </a:defPPr>
+      </a:lstStyle>
+      <a:style>
+        <a:lnRef idx="0">
+          <a:scrgbClr r="0" g="0" b="0"/>
+        </a:lnRef>
+        <a:fillRef idx="0">
+          <a:scrgbClr r="0" g="0" b="0"/>
+        </a:fillRef>
+        <a:effectRef idx="0">
+          <a:scrgbClr r="0" g="0" b="0"/>
+        </a:effectRef>
+        <a:fontRef idx="minor">
+          <a:schemeClr val="accent2"/>
+        </a:fontRef>
+      </a:style>
+    </a:spDef>
     <a:lnDef>
       <a:spPr/>
       <a:bodyPr/>
